--- a/collective_phenomena/lecture.pptx
+++ b/collective_phenomena/lecture.pptx
@@ -26,6 +26,11 @@
     <p:sldId id="268" r:id="rId19"/>
     <p:sldId id="269" r:id="rId20"/>
     <p:sldId id="270" r:id="rId21"/>
+    <p:sldId id="271" r:id="rId22"/>
+    <p:sldId id="272" r:id="rId23"/>
+    <p:sldId id="273" r:id="rId24"/>
+    <p:sldId id="274" r:id="rId25"/>
+    <p:sldId id="275" r:id="rId26"/>
   </p:sldIdLst>
   <p:sldSz cx="9144000" cy="5143500"/>
   <p:notesSz cx="6858000" cy="9144000"/>
@@ -127,13 +132,7 @@
               <a:rPr b="0" lang="en-US" sz="2000" spc="-1" strike="noStrike">
                 <a:latin typeface="Arial"/>
               </a:rPr>
-              <a:t>Click to edit the </a:t>
-            </a:r>
-            <a:r>
-              <a:rPr b="0" lang="en-US" sz="2000" spc="-1" strike="noStrike">
-                <a:latin typeface="Arial"/>
-              </a:rPr>
-              <a:t>notes format</a:t>
+              <a:t>Click to edit the notes format</a:t>
             </a:r>
             <a:endParaRPr b="0" lang="en-US" sz="2000" spc="-1" strike="noStrike">
               <a:latin typeface="Arial"/>
@@ -318,7 +317,7 @@
             <a:pPr algn="r">
               <a:buNone/>
             </a:pPr>
-            <a:fld id="{F2607896-387C-4A03-A504-5D580FA3EC45}" type="slidenum">
+            <a:fld id="{F939F8CE-F7F4-4C31-89CD-CB50F9471F46}" type="slidenum">
               <a:rPr b="0" lang="en-US" sz="1400" spc="-1" strike="noStrike">
                 <a:latin typeface="Times New Roman"/>
               </a:rPr>
@@ -355,7 +354,7 @@
       </p:grpSpPr>
       <p:sp>
         <p:nvSpPr>
-          <p:cNvPr id="226" name="PlaceHolder 1"/>
+          <p:cNvPr id="236" name="PlaceHolder 1"/>
           <p:cNvSpPr>
             <a:spLocks noGrp="1"/>
           </p:cNvSpPr>
@@ -378,7 +377,7 @@
       </p:sp>
       <p:sp>
         <p:nvSpPr>
-          <p:cNvPr id="227" name="PlaceHolder 2"/>
+          <p:cNvPr id="237" name="PlaceHolder 2"/>
           <p:cNvSpPr>
             <a:spLocks noGrp="1"/>
           </p:cNvSpPr>
@@ -412,7 +411,7 @@
       </p:sp>
       <p:sp>
         <p:nvSpPr>
-          <p:cNvPr id="228" name="PlaceHolder 3"/>
+          <p:cNvPr id="238" name="PlaceHolder 3"/>
           <p:cNvSpPr>
             <a:spLocks noGrp="1"/>
           </p:cNvSpPr>
@@ -465,7 +464,7 @@
                 <a:tab algn="l" pos="0"/>
               </a:tabLst>
             </a:pPr>
-            <a:fld id="{30419C30-AA72-4407-9DA4-330C3BECC9BD}" type="slidenum">
+            <a:fld id="{BA06EBD1-AE18-4A1C-A308-B5B7283611D2}" type="slidenum">
               <a:rPr b="0" lang="en-US" sz="1200" spc="-1" strike="noStrike">
                 <a:solidFill>
                   <a:srgbClr val="000000"/>
@@ -505,7 +504,7 @@
       </p:grpSpPr>
       <p:sp>
         <p:nvSpPr>
-          <p:cNvPr id="253" name="PlaceHolder 1"/>
+          <p:cNvPr id="263" name="PlaceHolder 1"/>
           <p:cNvSpPr>
             <a:spLocks noGrp="1"/>
           </p:cNvSpPr>
@@ -528,7 +527,7 @@
       </p:sp>
       <p:sp>
         <p:nvSpPr>
-          <p:cNvPr id="254" name="PlaceHolder 2"/>
+          <p:cNvPr id="264" name="PlaceHolder 2"/>
           <p:cNvSpPr>
             <a:spLocks noGrp="1"/>
           </p:cNvSpPr>
@@ -564,41 +563,17 @@
               <a:rPr b="0" lang="en-US" sz="1800" spc="-1" strike="noStrike">
                 <a:latin typeface="Arial"/>
               </a:rPr>
-              <a:t>Figure from </a:t>
-            </a:r>
-            <a:r>
-              <a:rPr b="0" lang="en-US" sz="1800" spc="-1" strike="noStrike">
-                <a:latin typeface="Arial"/>
-              </a:rPr>
-              <a:t>https://www.mycuteg</a:t>
-            </a:r>
-            <a:r>
-              <a:rPr b="0" lang="en-US" sz="1800" spc="-1" strike="noStrike">
-                <a:latin typeface="Arial"/>
-              </a:rPr>
-              <a:t>raphics.com/graphic</a:t>
-            </a:r>
-            <a:r>
-              <a:rPr b="0" lang="en-US" sz="1800" spc="-1" strike="noStrike">
-                <a:latin typeface="Arial"/>
-              </a:rPr>
-              <a:t>s/cow/cow-in-the-</a:t>
-            </a:r>
-            <a:r>
-              <a:rPr b="0" lang="en-US" sz="1800" spc="-1" strike="noStrike">
-                <a:latin typeface="Arial"/>
-              </a:rPr>
-              <a:t>mud-with-flies.html</a:t>
-            </a:r>
-            <a:endParaRPr b="0" lang="en-US" sz="1800" spc="-1" strike="noStrike">
-              <a:latin typeface="Arial"/>
-            </a:endParaRPr>
-          </a:p>
-        </p:txBody>
-      </p:sp>
-      <p:sp>
-        <p:nvSpPr>
-          <p:cNvPr id="255" name="PlaceHolder 3"/>
+              <a:t>Figure from https://www.mycutegraphics.com/graphics/cow/cow-in-the-mud-with-flies.html</a:t>
+            </a:r>
+            <a:endParaRPr b="0" lang="en-US" sz="1800" spc="-1" strike="noStrike">
+              <a:latin typeface="Arial"/>
+            </a:endParaRPr>
+          </a:p>
+        </p:txBody>
+      </p:sp>
+      <p:sp>
+        <p:nvSpPr>
+          <p:cNvPr id="265" name="PlaceHolder 3"/>
           <p:cNvSpPr>
             <a:spLocks noGrp="1"/>
           </p:cNvSpPr>
@@ -651,7 +626,7 @@
                 <a:tab algn="l" pos="0"/>
               </a:tabLst>
             </a:pPr>
-            <a:fld id="{ECCF3686-7DC6-426C-82DB-56A670E75EB6}" type="slidenum">
+            <a:fld id="{FC462990-28E8-4337-B873-15E40E108B2F}" type="slidenum">
               <a:rPr b="0" lang="en-US" sz="1200" spc="-1" strike="noStrike">
                 <a:solidFill>
                   <a:srgbClr val="000000"/>
@@ -659,7 +634,7 @@
                 <a:latin typeface="Arial"/>
                 <a:ea typeface="Arial"/>
               </a:rPr>
-              <a:t>8</a:t>
+              <a:t>&lt;number&gt;</a:t>
             </a:fld>
             <a:endParaRPr b="0" lang="en-US" sz="1200" spc="-1" strike="noStrike">
               <a:latin typeface="Times New Roman"/>
@@ -691,7 +666,7 @@
       </p:grpSpPr>
       <p:sp>
         <p:nvSpPr>
-          <p:cNvPr id="256" name="PlaceHolder 1"/>
+          <p:cNvPr id="266" name="PlaceHolder 1"/>
           <p:cNvSpPr>
             <a:spLocks noGrp="1"/>
           </p:cNvSpPr>
@@ -714,7 +689,7 @@
       </p:sp>
       <p:sp>
         <p:nvSpPr>
-          <p:cNvPr id="257" name="PlaceHolder 2"/>
+          <p:cNvPr id="267" name="PlaceHolder 2"/>
           <p:cNvSpPr>
             <a:spLocks noGrp="1"/>
           </p:cNvSpPr>
@@ -750,35 +725,17 @@
               <a:rPr b="0" lang="en-US" sz="1800" spc="-1" strike="noStrike">
                 <a:latin typeface="Arial"/>
               </a:rPr>
-              <a:t>Figure from </a:t>
-            </a:r>
-            <a:r>
-              <a:rPr b="0" lang="en-US" sz="1800" spc="-1" strike="noStrike">
-                <a:latin typeface="Arial"/>
-              </a:rPr>
-              <a:t>https://www.mycutegraphics.co</a:t>
-            </a:r>
-            <a:r>
-              <a:rPr b="0" lang="en-US" sz="1800" spc="-1" strike="noStrike">
-                <a:latin typeface="Arial"/>
-              </a:rPr>
-              <a:t>m/graphics/cow/cow-in-the-</a:t>
-            </a:r>
-            <a:r>
-              <a:rPr b="0" lang="en-US" sz="1800" spc="-1" strike="noStrike">
-                <a:latin typeface="Arial"/>
-              </a:rPr>
-              <a:t>mud-with-flies.html</a:t>
-            </a:r>
-            <a:endParaRPr b="0" lang="en-US" sz="1800" spc="-1" strike="noStrike">
-              <a:latin typeface="Arial"/>
-            </a:endParaRPr>
-          </a:p>
-        </p:txBody>
-      </p:sp>
-      <p:sp>
-        <p:nvSpPr>
-          <p:cNvPr id="258" name="PlaceHolder 3"/>
+              <a:t>Figure from https://www.mycutegraphics.com/graphics/cow/cow-in-the-mud-with-flies.html</a:t>
+            </a:r>
+            <a:endParaRPr b="0" lang="en-US" sz="1800" spc="-1" strike="noStrike">
+              <a:latin typeface="Arial"/>
+            </a:endParaRPr>
+          </a:p>
+        </p:txBody>
+      </p:sp>
+      <p:sp>
+        <p:nvSpPr>
+          <p:cNvPr id="268" name="PlaceHolder 3"/>
           <p:cNvSpPr>
             <a:spLocks noGrp="1"/>
           </p:cNvSpPr>
@@ -831,7 +788,7 @@
                 <a:tab algn="l" pos="0"/>
               </a:tabLst>
             </a:pPr>
-            <a:fld id="{E8C424FA-77F1-4380-9125-0842B4462FBA}" type="slidenum">
+            <a:fld id="{800EB45D-C337-45B9-A392-08F6B77535D5}" type="slidenum">
               <a:rPr b="0" lang="en-US" sz="1200" spc="-1" strike="noStrike">
                 <a:solidFill>
                   <a:srgbClr val="000000"/>
@@ -839,7 +796,7 @@
                 <a:latin typeface="Arial"/>
                 <a:ea typeface="Arial"/>
               </a:rPr>
-              <a:t>8</a:t>
+              <a:t>&lt;number&gt;</a:t>
             </a:fld>
             <a:endParaRPr b="0" lang="en-US" sz="1200" spc="-1" strike="noStrike">
               <a:latin typeface="Times New Roman"/>
@@ -871,7 +828,7 @@
       </p:grpSpPr>
       <p:sp>
         <p:nvSpPr>
-          <p:cNvPr id="259" name="PlaceHolder 1"/>
+          <p:cNvPr id="269" name="PlaceHolder 1"/>
           <p:cNvSpPr>
             <a:spLocks noGrp="1"/>
           </p:cNvSpPr>
@@ -881,20 +838,20 @@
         </p:nvSpPr>
         <p:spPr>
           <a:xfrm>
-            <a:off x="382680" y="685800"/>
-            <a:ext cx="6087600" cy="3423960"/>
-          </a:xfrm>
-          <a:prstGeom prst="rect">
-            <a:avLst/>
-          </a:prstGeom>
-          <a:ln w="0">
-            <a:noFill/>
-          </a:ln>
-        </p:spPr>
-      </p:sp>
-      <p:sp>
-        <p:nvSpPr>
-          <p:cNvPr id="260" name="PlaceHolder 2"/>
+            <a:off x="384120" y="685800"/>
+            <a:ext cx="6084360" cy="3422160"/>
+          </a:xfrm>
+          <a:prstGeom prst="rect">
+            <a:avLst/>
+          </a:prstGeom>
+          <a:ln w="0">
+            <a:noFill/>
+          </a:ln>
+        </p:spPr>
+      </p:sp>
+      <p:sp>
+        <p:nvSpPr>
+          <p:cNvPr id="270" name="PlaceHolder 2"/>
           <p:cNvSpPr>
             <a:spLocks noGrp="1"/>
           </p:cNvSpPr>
@@ -920,27 +877,15 @@
             <a:noAutofit/>
           </a:bodyPr>
           <a:p>
-            <a:pPr marL="216000" indent="-216000">
-              <a:lnSpc>
-                <a:spcPct val="100000"/>
-              </a:lnSpc>
-              <a:buNone/>
-            </a:pPr>
-            <a:r>
-              <a:rPr b="0" lang="en-US" sz="1800" spc="-1" strike="noStrike">
-                <a:latin typeface="Arial"/>
-              </a:rPr>
-              <a:t>Figure from https://www.mycutegraphics.com/graphics/cow/cow-in-the-mud-with-flies.html</a:t>
-            </a:r>
-            <a:endParaRPr b="0" lang="en-US" sz="1800" spc="-1" strike="noStrike">
-              <a:latin typeface="Arial"/>
-            </a:endParaRPr>
-          </a:p>
-        </p:txBody>
-      </p:sp>
-      <p:sp>
-        <p:nvSpPr>
-          <p:cNvPr id="261" name="PlaceHolder 3"/>
+            <a:endParaRPr b="0" lang="en-US" sz="2000" spc="-1" strike="noStrike">
+              <a:latin typeface="Arial"/>
+            </a:endParaRPr>
+          </a:p>
+        </p:txBody>
+      </p:sp>
+      <p:sp>
+        <p:nvSpPr>
+          <p:cNvPr id="271" name="PlaceHolder 3"/>
           <p:cNvSpPr>
             <a:spLocks noGrp="1"/>
           </p:cNvSpPr>
@@ -993,7 +938,7 @@
                 <a:tab algn="l" pos="0"/>
               </a:tabLst>
             </a:pPr>
-            <a:fld id="{C6A3149A-07BD-4814-A90F-7897EE214BEC}" type="slidenum">
+            <a:fld id="{14BF904A-2271-43E0-B02E-F8D73D2C1D65}" type="slidenum">
               <a:rPr b="0" lang="en-US" sz="1200" spc="-1" strike="noStrike">
                 <a:solidFill>
                   <a:srgbClr val="000000"/>
@@ -1001,7 +946,7 @@
                 <a:latin typeface="Arial"/>
                 <a:ea typeface="Arial"/>
               </a:rPr>
-              <a:t>8</a:t>
+              <a:t>&lt;number&gt;</a:t>
             </a:fld>
             <a:endParaRPr b="0" lang="en-US" sz="1200" spc="-1" strike="noStrike">
               <a:latin typeface="Times New Roman"/>
@@ -1033,7 +978,7 @@
       </p:grpSpPr>
       <p:sp>
         <p:nvSpPr>
-          <p:cNvPr id="262" name="PlaceHolder 1"/>
+          <p:cNvPr id="272" name="PlaceHolder 1"/>
           <p:cNvSpPr>
             <a:spLocks noGrp="1"/>
           </p:cNvSpPr>
@@ -1056,7 +1001,7 @@
       </p:sp>
       <p:sp>
         <p:nvSpPr>
-          <p:cNvPr id="263" name="PlaceHolder 2"/>
+          <p:cNvPr id="273" name="PlaceHolder 2"/>
           <p:cNvSpPr>
             <a:spLocks noGrp="1"/>
           </p:cNvSpPr>
@@ -1092,41 +1037,17 @@
               <a:rPr b="0" lang="en-US" sz="1800" spc="-1" strike="noStrike">
                 <a:latin typeface="Arial"/>
               </a:rPr>
-              <a:t>Figure from </a:t>
-            </a:r>
-            <a:r>
-              <a:rPr b="0" lang="en-US" sz="1800" spc="-1" strike="noStrike">
-                <a:latin typeface="Arial"/>
-              </a:rPr>
-              <a:t>https://www.mycutegr</a:t>
-            </a:r>
-            <a:r>
-              <a:rPr b="0" lang="en-US" sz="1800" spc="-1" strike="noStrike">
-                <a:latin typeface="Arial"/>
-              </a:rPr>
-              <a:t>aphics.com/graphics/c</a:t>
-            </a:r>
-            <a:r>
-              <a:rPr b="0" lang="en-US" sz="1800" spc="-1" strike="noStrike">
-                <a:latin typeface="Arial"/>
-              </a:rPr>
-              <a:t>ow/cow-in-the-mud-</a:t>
-            </a:r>
-            <a:r>
-              <a:rPr b="0" lang="en-US" sz="1800" spc="-1" strike="noStrike">
-                <a:latin typeface="Arial"/>
-              </a:rPr>
-              <a:t>with-flies.html</a:t>
-            </a:r>
-            <a:endParaRPr b="0" lang="en-US" sz="1800" spc="-1" strike="noStrike">
-              <a:latin typeface="Arial"/>
-            </a:endParaRPr>
-          </a:p>
-        </p:txBody>
-      </p:sp>
-      <p:sp>
-        <p:nvSpPr>
-          <p:cNvPr id="264" name="PlaceHolder 3"/>
+              <a:t>Figure from https://www.mycutegraphics.com/graphics/cow/cow-in-the-mud-with-flies.html</a:t>
+            </a:r>
+            <a:endParaRPr b="0" lang="en-US" sz="1800" spc="-1" strike="noStrike">
+              <a:latin typeface="Arial"/>
+            </a:endParaRPr>
+          </a:p>
+        </p:txBody>
+      </p:sp>
+      <p:sp>
+        <p:nvSpPr>
+          <p:cNvPr id="274" name="PlaceHolder 3"/>
           <p:cNvSpPr>
             <a:spLocks noGrp="1"/>
           </p:cNvSpPr>
@@ -1179,7 +1100,7 @@
                 <a:tab algn="l" pos="0"/>
               </a:tabLst>
             </a:pPr>
-            <a:fld id="{B2FF0C0E-1666-40B7-88E7-47E71A83F0E6}" type="slidenum">
+            <a:fld id="{D8425F48-ABCB-44DE-A2EF-058DC56FB435}" type="slidenum">
               <a:rPr b="0" lang="en-US" sz="1200" spc="-1" strike="noStrike">
                 <a:solidFill>
                   <a:srgbClr val="000000"/>
@@ -1187,7 +1108,7 @@
                 <a:latin typeface="Arial"/>
                 <a:ea typeface="Arial"/>
               </a:rPr>
-              <a:t>8</a:t>
+              <a:t>&lt;number&gt;</a:t>
             </a:fld>
             <a:endParaRPr b="0" lang="en-US" sz="1200" spc="-1" strike="noStrike">
               <a:latin typeface="Times New Roman"/>
@@ -1219,7 +1140,7 @@
       </p:grpSpPr>
       <p:sp>
         <p:nvSpPr>
-          <p:cNvPr id="265" name="PlaceHolder 1"/>
+          <p:cNvPr id="275" name="PlaceHolder 1"/>
           <p:cNvSpPr>
             <a:spLocks noGrp="1"/>
           </p:cNvSpPr>
@@ -1229,20 +1150,20 @@
         </p:nvSpPr>
         <p:spPr>
           <a:xfrm>
-            <a:off x="382680" y="685800"/>
-            <a:ext cx="6087600" cy="3423960"/>
-          </a:xfrm>
-          <a:prstGeom prst="rect">
-            <a:avLst/>
-          </a:prstGeom>
-          <a:ln w="0">
-            <a:noFill/>
-          </a:ln>
-        </p:spPr>
-      </p:sp>
-      <p:sp>
-        <p:nvSpPr>
-          <p:cNvPr id="266" name="PlaceHolder 2"/>
+            <a:off x="384120" y="685800"/>
+            <a:ext cx="6084360" cy="3422160"/>
+          </a:xfrm>
+          <a:prstGeom prst="rect">
+            <a:avLst/>
+          </a:prstGeom>
+          <a:ln w="0">
+            <a:noFill/>
+          </a:ln>
+        </p:spPr>
+      </p:sp>
+      <p:sp>
+        <p:nvSpPr>
+          <p:cNvPr id="276" name="PlaceHolder 2"/>
           <p:cNvSpPr>
             <a:spLocks noGrp="1"/>
           </p:cNvSpPr>
@@ -1268,51 +1189,15 @@
             <a:noAutofit/>
           </a:bodyPr>
           <a:p>
-            <a:pPr marL="216000" indent="-216000">
-              <a:lnSpc>
-                <a:spcPct val="100000"/>
-              </a:lnSpc>
-              <a:buNone/>
-            </a:pPr>
-            <a:r>
-              <a:rPr b="0" lang="en-US" sz="1800" spc="-1" strike="noStrike">
-                <a:latin typeface="Arial"/>
-              </a:rPr>
-              <a:t>Figure from </a:t>
-            </a:r>
-            <a:r>
-              <a:rPr b="0" lang="en-US" sz="1800" spc="-1" strike="noStrike">
-                <a:latin typeface="Arial"/>
-              </a:rPr>
-              <a:t>https://www.mycuteg</a:t>
-            </a:r>
-            <a:r>
-              <a:rPr b="0" lang="en-US" sz="1800" spc="-1" strike="noStrike">
-                <a:latin typeface="Arial"/>
-              </a:rPr>
-              <a:t>raphics.com/graphic</a:t>
-            </a:r>
-            <a:r>
-              <a:rPr b="0" lang="en-US" sz="1800" spc="-1" strike="noStrike">
-                <a:latin typeface="Arial"/>
-              </a:rPr>
-              <a:t>s/cow/cow-in-the-</a:t>
-            </a:r>
-            <a:r>
-              <a:rPr b="0" lang="en-US" sz="1800" spc="-1" strike="noStrike">
-                <a:latin typeface="Arial"/>
-              </a:rPr>
-              <a:t>mud-with-flies.html</a:t>
-            </a:r>
-            <a:endParaRPr b="0" lang="en-US" sz="1800" spc="-1" strike="noStrike">
-              <a:latin typeface="Arial"/>
-            </a:endParaRPr>
-          </a:p>
-        </p:txBody>
-      </p:sp>
-      <p:sp>
-        <p:nvSpPr>
-          <p:cNvPr id="267" name="PlaceHolder 3"/>
+            <a:endParaRPr b="0" lang="en-US" sz="2000" spc="-1" strike="noStrike">
+              <a:latin typeface="Arial"/>
+            </a:endParaRPr>
+          </a:p>
+        </p:txBody>
+      </p:sp>
+      <p:sp>
+        <p:nvSpPr>
+          <p:cNvPr id="277" name="PlaceHolder 3"/>
           <p:cNvSpPr>
             <a:spLocks noGrp="1"/>
           </p:cNvSpPr>
@@ -1365,7 +1250,7 @@
                 <a:tab algn="l" pos="0"/>
               </a:tabLst>
             </a:pPr>
-            <a:fld id="{6A156BE5-C5EE-47E1-B2DC-54F112318453}" type="slidenum">
+            <a:fld id="{DCC0DC2A-65C0-42FF-9B4B-4762A6FCD6B0}" type="slidenum">
               <a:rPr b="0" lang="en-US" sz="1200" spc="-1" strike="noStrike">
                 <a:solidFill>
                   <a:srgbClr val="000000"/>
@@ -1373,7 +1258,643 @@
                 <a:latin typeface="Arial"/>
                 <a:ea typeface="Arial"/>
               </a:rPr>
-              <a:t>8</a:t>
+              <a:t>&lt;number&gt;</a:t>
+            </a:fld>
+            <a:endParaRPr b="0" lang="en-US" sz="1200" spc="-1" strike="noStrike">
+              <a:latin typeface="Times New Roman"/>
+            </a:endParaRPr>
+          </a:p>
+        </p:txBody>
+      </p:sp>
+    </p:spTree>
+  </p:cSld>
+</p:notes>
+</file>
+
+<file path=ppt/notesSlides/notesSlide15.xml><?xml version="1.0" encoding="utf-8"?>
+<p:notes xmlns:a="http://schemas.openxmlformats.org/drawingml/2006/main" xmlns:p="http://schemas.openxmlformats.org/presentationml/2006/main" xmlns:r="http://schemas.openxmlformats.org/officeDocument/2006/relationships" xmlns:p14="http://schemas.microsoft.com/office/powerpoint/2010/main" xmlns:p15="http://schemas.microsoft.com/office/powerpoint/2012/main" xmlns:mc="http://schemas.openxmlformats.org/markup-compatibility/2006">
+  <p:cSld>
+    <p:spTree>
+      <p:nvGrpSpPr>
+        <p:cNvPr id="1" name=""/>
+        <p:cNvGrpSpPr/>
+        <p:nvPr/>
+      </p:nvGrpSpPr>
+      <p:grpSpPr>
+        <a:xfrm>
+          <a:off x="0" y="0"/>
+          <a:ext cx="0" cy="0"/>
+          <a:chOff x="0" y="0"/>
+          <a:chExt cx="0" cy="0"/>
+        </a:xfrm>
+      </p:grpSpPr>
+      <p:sp>
+        <p:nvSpPr>
+          <p:cNvPr id="278" name="PlaceHolder 1"/>
+          <p:cNvSpPr>
+            <a:spLocks noGrp="1"/>
+          </p:cNvSpPr>
+          <p:nvPr>
+            <p:ph type="sldImg"/>
+          </p:nvPr>
+        </p:nvSpPr>
+        <p:spPr>
+          <a:xfrm>
+            <a:off x="382680" y="685800"/>
+            <a:ext cx="6087600" cy="3423960"/>
+          </a:xfrm>
+          <a:prstGeom prst="rect">
+            <a:avLst/>
+          </a:prstGeom>
+          <a:ln w="0">
+            <a:noFill/>
+          </a:ln>
+        </p:spPr>
+      </p:sp>
+      <p:sp>
+        <p:nvSpPr>
+          <p:cNvPr id="279" name="PlaceHolder 2"/>
+          <p:cNvSpPr>
+            <a:spLocks noGrp="1"/>
+          </p:cNvSpPr>
+          <p:nvPr>
+            <p:ph type="body"/>
+          </p:nvPr>
+        </p:nvSpPr>
+        <p:spPr>
+          <a:xfrm>
+            <a:off x="685800" y="4343400"/>
+            <a:ext cx="5480280" cy="4108680"/>
+          </a:xfrm>
+          <a:prstGeom prst="rect">
+            <a:avLst/>
+          </a:prstGeom>
+          <a:noFill/>
+          <a:ln w="0">
+            <a:noFill/>
+          </a:ln>
+        </p:spPr>
+        <p:txBody>
+          <a:bodyPr lIns="0" rIns="0" tIns="0" bIns="0" anchor="t">
+            <a:noAutofit/>
+          </a:bodyPr>
+          <a:p>
+            <a:pPr marL="216000" indent="-216000">
+              <a:lnSpc>
+                <a:spcPct val="100000"/>
+              </a:lnSpc>
+              <a:buNone/>
+            </a:pPr>
+            <a:r>
+              <a:rPr b="0" lang="en-US" sz="1800" spc="-1" strike="noStrike">
+                <a:latin typeface="Arial"/>
+              </a:rPr>
+              <a:t>Figure from https://www.mycutegraphics.com/graphics/cow/cow-in-the-mud-with-flies.html</a:t>
+            </a:r>
+            <a:endParaRPr b="0" lang="en-US" sz="1800" spc="-1" strike="noStrike">
+              <a:latin typeface="Arial"/>
+            </a:endParaRPr>
+          </a:p>
+        </p:txBody>
+      </p:sp>
+      <p:sp>
+        <p:nvSpPr>
+          <p:cNvPr id="280" name="PlaceHolder 3"/>
+          <p:cNvSpPr>
+            <a:spLocks noGrp="1"/>
+          </p:cNvSpPr>
+          <p:nvPr>
+            <p:ph type="sldNum" idx="18"/>
+          </p:nvPr>
+        </p:nvSpPr>
+        <p:spPr>
+          <a:xfrm>
+            <a:off x="3884760" y="8685360"/>
+            <a:ext cx="2965680" cy="451080"/>
+          </a:xfrm>
+          <a:prstGeom prst="rect">
+            <a:avLst/>
+          </a:prstGeom>
+          <a:noFill/>
+          <a:ln w="0">
+            <a:noFill/>
+          </a:ln>
+        </p:spPr>
+        <p:txBody>
+          <a:bodyPr lIns="0" rIns="0" tIns="0" bIns="0" anchor="b">
+            <a:noAutofit/>
+          </a:bodyPr>
+          <a:lstStyle>
+            <a:lvl1pPr algn="r">
+              <a:lnSpc>
+                <a:spcPct val="100000"/>
+              </a:lnSpc>
+              <a:buNone/>
+              <a:tabLst>
+                <a:tab algn="l" pos="0"/>
+              </a:tabLst>
+              <a:defRPr b="0" lang="en-US" sz="1200" spc="-1" strike="noStrike">
+                <a:solidFill>
+                  <a:srgbClr val="000000"/>
+                </a:solidFill>
+                <a:latin typeface="Arial"/>
+                <a:ea typeface="Arial"/>
+              </a:defRPr>
+            </a:lvl1pPr>
+          </a:lstStyle>
+          <a:p>
+            <a:pPr algn="r">
+              <a:lnSpc>
+                <a:spcPct val="100000"/>
+              </a:lnSpc>
+              <a:buNone/>
+              <a:tabLst>
+                <a:tab algn="l" pos="0"/>
+              </a:tabLst>
+            </a:pPr>
+            <a:fld id="{8827DC03-ED9B-4638-A2F4-6D5614D2519A}" type="slidenum">
+              <a:rPr b="0" lang="en-US" sz="1200" spc="-1" strike="noStrike">
+                <a:solidFill>
+                  <a:srgbClr val="000000"/>
+                </a:solidFill>
+                <a:latin typeface="Arial"/>
+                <a:ea typeface="Arial"/>
+              </a:rPr>
+              <a:t>&lt;number&gt;</a:t>
+            </a:fld>
+            <a:endParaRPr b="0" lang="en-US" sz="1200" spc="-1" strike="noStrike">
+              <a:latin typeface="Times New Roman"/>
+            </a:endParaRPr>
+          </a:p>
+        </p:txBody>
+      </p:sp>
+    </p:spTree>
+  </p:cSld>
+</p:notes>
+</file>
+
+<file path=ppt/notesSlides/notesSlide16.xml><?xml version="1.0" encoding="utf-8"?>
+<p:notes xmlns:a="http://schemas.openxmlformats.org/drawingml/2006/main" xmlns:p="http://schemas.openxmlformats.org/presentationml/2006/main" xmlns:r="http://schemas.openxmlformats.org/officeDocument/2006/relationships" xmlns:p14="http://schemas.microsoft.com/office/powerpoint/2010/main" xmlns:p15="http://schemas.microsoft.com/office/powerpoint/2012/main" xmlns:mc="http://schemas.openxmlformats.org/markup-compatibility/2006">
+  <p:cSld>
+    <p:spTree>
+      <p:nvGrpSpPr>
+        <p:cNvPr id="1" name=""/>
+        <p:cNvGrpSpPr/>
+        <p:nvPr/>
+      </p:nvGrpSpPr>
+      <p:grpSpPr>
+        <a:xfrm>
+          <a:off x="0" y="0"/>
+          <a:ext cx="0" cy="0"/>
+          <a:chOff x="0" y="0"/>
+          <a:chExt cx="0" cy="0"/>
+        </a:xfrm>
+      </p:grpSpPr>
+      <p:sp>
+        <p:nvSpPr>
+          <p:cNvPr id="281" name="PlaceHolder 1"/>
+          <p:cNvSpPr>
+            <a:spLocks noGrp="1"/>
+          </p:cNvSpPr>
+          <p:nvPr>
+            <p:ph type="sldImg"/>
+          </p:nvPr>
+        </p:nvSpPr>
+        <p:spPr>
+          <a:xfrm>
+            <a:off x="382680" y="685800"/>
+            <a:ext cx="6087600" cy="3423960"/>
+          </a:xfrm>
+          <a:prstGeom prst="rect">
+            <a:avLst/>
+          </a:prstGeom>
+          <a:ln w="0">
+            <a:noFill/>
+          </a:ln>
+        </p:spPr>
+      </p:sp>
+      <p:sp>
+        <p:nvSpPr>
+          <p:cNvPr id="282" name="PlaceHolder 2"/>
+          <p:cNvSpPr>
+            <a:spLocks noGrp="1"/>
+          </p:cNvSpPr>
+          <p:nvPr>
+            <p:ph type="body"/>
+          </p:nvPr>
+        </p:nvSpPr>
+        <p:spPr>
+          <a:xfrm>
+            <a:off x="685800" y="4343400"/>
+            <a:ext cx="5480280" cy="4108680"/>
+          </a:xfrm>
+          <a:prstGeom prst="rect">
+            <a:avLst/>
+          </a:prstGeom>
+          <a:noFill/>
+          <a:ln w="0">
+            <a:noFill/>
+          </a:ln>
+        </p:spPr>
+        <p:txBody>
+          <a:bodyPr lIns="0" rIns="0" tIns="0" bIns="0" anchor="t">
+            <a:noAutofit/>
+          </a:bodyPr>
+          <a:p>
+            <a:pPr marL="216000" indent="-216000">
+              <a:lnSpc>
+                <a:spcPct val="100000"/>
+              </a:lnSpc>
+              <a:buNone/>
+            </a:pPr>
+            <a:r>
+              <a:rPr b="0" lang="en-US" sz="1800" spc="-1" strike="noStrike">
+                <a:latin typeface="Arial"/>
+              </a:rPr>
+              <a:t>Figure from https://www.mycutegraphics.com/graphics/cow/cow-in-the-mud-with-flies.html</a:t>
+            </a:r>
+            <a:endParaRPr b="0" lang="en-US" sz="1800" spc="-1" strike="noStrike">
+              <a:latin typeface="Arial"/>
+            </a:endParaRPr>
+          </a:p>
+        </p:txBody>
+      </p:sp>
+      <p:sp>
+        <p:nvSpPr>
+          <p:cNvPr id="283" name="PlaceHolder 3"/>
+          <p:cNvSpPr>
+            <a:spLocks noGrp="1"/>
+          </p:cNvSpPr>
+          <p:nvPr>
+            <p:ph type="sldNum" idx="19"/>
+          </p:nvPr>
+        </p:nvSpPr>
+        <p:spPr>
+          <a:xfrm>
+            <a:off x="3884760" y="8685360"/>
+            <a:ext cx="2965680" cy="451080"/>
+          </a:xfrm>
+          <a:prstGeom prst="rect">
+            <a:avLst/>
+          </a:prstGeom>
+          <a:noFill/>
+          <a:ln w="0">
+            <a:noFill/>
+          </a:ln>
+        </p:spPr>
+        <p:txBody>
+          <a:bodyPr lIns="0" rIns="0" tIns="0" bIns="0" anchor="b">
+            <a:noAutofit/>
+          </a:bodyPr>
+          <a:lstStyle>
+            <a:lvl1pPr algn="r">
+              <a:lnSpc>
+                <a:spcPct val="100000"/>
+              </a:lnSpc>
+              <a:buNone/>
+              <a:tabLst>
+                <a:tab algn="l" pos="0"/>
+              </a:tabLst>
+              <a:defRPr b="0" lang="en-US" sz="1200" spc="-1" strike="noStrike">
+                <a:solidFill>
+                  <a:srgbClr val="000000"/>
+                </a:solidFill>
+                <a:latin typeface="Arial"/>
+                <a:ea typeface="Arial"/>
+              </a:defRPr>
+            </a:lvl1pPr>
+          </a:lstStyle>
+          <a:p>
+            <a:pPr algn="r">
+              <a:lnSpc>
+                <a:spcPct val="100000"/>
+              </a:lnSpc>
+              <a:buNone/>
+              <a:tabLst>
+                <a:tab algn="l" pos="0"/>
+              </a:tabLst>
+            </a:pPr>
+            <a:fld id="{A6802AC0-361B-4BF5-AB93-6C42BCD0114F}" type="slidenum">
+              <a:rPr b="0" lang="en-US" sz="1200" spc="-1" strike="noStrike">
+                <a:solidFill>
+                  <a:srgbClr val="000000"/>
+                </a:solidFill>
+                <a:latin typeface="Arial"/>
+                <a:ea typeface="Arial"/>
+              </a:rPr>
+              <a:t>&lt;number&gt;</a:t>
+            </a:fld>
+            <a:endParaRPr b="0" lang="en-US" sz="1200" spc="-1" strike="noStrike">
+              <a:latin typeface="Times New Roman"/>
+            </a:endParaRPr>
+          </a:p>
+        </p:txBody>
+      </p:sp>
+    </p:spTree>
+  </p:cSld>
+</p:notes>
+</file>
+
+<file path=ppt/notesSlides/notesSlide17.xml><?xml version="1.0" encoding="utf-8"?>
+<p:notes xmlns:a="http://schemas.openxmlformats.org/drawingml/2006/main" xmlns:p="http://schemas.openxmlformats.org/presentationml/2006/main" xmlns:r="http://schemas.openxmlformats.org/officeDocument/2006/relationships" xmlns:p14="http://schemas.microsoft.com/office/powerpoint/2010/main" xmlns:p15="http://schemas.microsoft.com/office/powerpoint/2012/main" xmlns:mc="http://schemas.openxmlformats.org/markup-compatibility/2006">
+  <p:cSld>
+    <p:spTree>
+      <p:nvGrpSpPr>
+        <p:cNvPr id="1" name=""/>
+        <p:cNvGrpSpPr/>
+        <p:nvPr/>
+      </p:nvGrpSpPr>
+      <p:grpSpPr>
+        <a:xfrm>
+          <a:off x="0" y="0"/>
+          <a:ext cx="0" cy="0"/>
+          <a:chOff x="0" y="0"/>
+          <a:chExt cx="0" cy="0"/>
+        </a:xfrm>
+      </p:grpSpPr>
+      <p:sp>
+        <p:nvSpPr>
+          <p:cNvPr id="284" name="PlaceHolder 1"/>
+          <p:cNvSpPr>
+            <a:spLocks noGrp="1"/>
+          </p:cNvSpPr>
+          <p:nvPr>
+            <p:ph type="sldImg"/>
+          </p:nvPr>
+        </p:nvSpPr>
+        <p:spPr>
+          <a:xfrm>
+            <a:off x="382680" y="685800"/>
+            <a:ext cx="6087600" cy="3423960"/>
+          </a:xfrm>
+          <a:prstGeom prst="rect">
+            <a:avLst/>
+          </a:prstGeom>
+          <a:ln w="0">
+            <a:noFill/>
+          </a:ln>
+        </p:spPr>
+      </p:sp>
+      <p:sp>
+        <p:nvSpPr>
+          <p:cNvPr id="285" name="PlaceHolder 2"/>
+          <p:cNvSpPr>
+            <a:spLocks noGrp="1"/>
+          </p:cNvSpPr>
+          <p:nvPr>
+            <p:ph type="body"/>
+          </p:nvPr>
+        </p:nvSpPr>
+        <p:spPr>
+          <a:xfrm>
+            <a:off x="685800" y="4343400"/>
+            <a:ext cx="5480280" cy="4108680"/>
+          </a:xfrm>
+          <a:prstGeom prst="rect">
+            <a:avLst/>
+          </a:prstGeom>
+          <a:noFill/>
+          <a:ln w="0">
+            <a:noFill/>
+          </a:ln>
+        </p:spPr>
+        <p:txBody>
+          <a:bodyPr lIns="0" rIns="0" tIns="0" bIns="0" anchor="t">
+            <a:noAutofit/>
+          </a:bodyPr>
+          <a:p>
+            <a:pPr marL="216000" indent="-216000">
+              <a:lnSpc>
+                <a:spcPct val="100000"/>
+              </a:lnSpc>
+              <a:buNone/>
+            </a:pPr>
+            <a:r>
+              <a:rPr b="0" lang="en-US" sz="1800" spc="-1" strike="noStrike">
+                <a:latin typeface="Arial"/>
+              </a:rPr>
+              <a:t>Figure from https://www.mycutegraphics.com/graphics/cow/cow-in-the-mud-with-flies.html</a:t>
+            </a:r>
+            <a:endParaRPr b="0" lang="en-US" sz="1800" spc="-1" strike="noStrike">
+              <a:latin typeface="Arial"/>
+            </a:endParaRPr>
+          </a:p>
+        </p:txBody>
+      </p:sp>
+      <p:sp>
+        <p:nvSpPr>
+          <p:cNvPr id="286" name="PlaceHolder 3"/>
+          <p:cNvSpPr>
+            <a:spLocks noGrp="1"/>
+          </p:cNvSpPr>
+          <p:nvPr>
+            <p:ph type="sldNum" idx="20"/>
+          </p:nvPr>
+        </p:nvSpPr>
+        <p:spPr>
+          <a:xfrm>
+            <a:off x="3884760" y="8685360"/>
+            <a:ext cx="2965680" cy="451080"/>
+          </a:xfrm>
+          <a:prstGeom prst="rect">
+            <a:avLst/>
+          </a:prstGeom>
+          <a:noFill/>
+          <a:ln w="0">
+            <a:noFill/>
+          </a:ln>
+        </p:spPr>
+        <p:txBody>
+          <a:bodyPr lIns="0" rIns="0" tIns="0" bIns="0" anchor="b">
+            <a:noAutofit/>
+          </a:bodyPr>
+          <a:lstStyle>
+            <a:lvl1pPr algn="r">
+              <a:lnSpc>
+                <a:spcPct val="100000"/>
+              </a:lnSpc>
+              <a:buNone/>
+              <a:tabLst>
+                <a:tab algn="l" pos="0"/>
+              </a:tabLst>
+              <a:defRPr b="0" lang="en-US" sz="1200" spc="-1" strike="noStrike">
+                <a:solidFill>
+                  <a:srgbClr val="000000"/>
+                </a:solidFill>
+                <a:latin typeface="Arial"/>
+                <a:ea typeface="Arial"/>
+              </a:defRPr>
+            </a:lvl1pPr>
+          </a:lstStyle>
+          <a:p>
+            <a:pPr algn="r">
+              <a:lnSpc>
+                <a:spcPct val="100000"/>
+              </a:lnSpc>
+              <a:buNone/>
+              <a:tabLst>
+                <a:tab algn="l" pos="0"/>
+              </a:tabLst>
+            </a:pPr>
+            <a:fld id="{396D114B-C123-4EFB-80FE-BB959A4DC8FA}" type="slidenum">
+              <a:rPr b="0" lang="en-US" sz="1200" spc="-1" strike="noStrike">
+                <a:solidFill>
+                  <a:srgbClr val="000000"/>
+                </a:solidFill>
+                <a:latin typeface="Arial"/>
+                <a:ea typeface="Arial"/>
+              </a:rPr>
+              <a:t>&lt;number&gt;</a:t>
+            </a:fld>
+            <a:endParaRPr b="0" lang="en-US" sz="1200" spc="-1" strike="noStrike">
+              <a:latin typeface="Times New Roman"/>
+            </a:endParaRPr>
+          </a:p>
+        </p:txBody>
+      </p:sp>
+    </p:spTree>
+  </p:cSld>
+</p:notes>
+</file>
+
+<file path=ppt/notesSlides/notesSlide18.xml><?xml version="1.0" encoding="utf-8"?>
+<p:notes xmlns:a="http://schemas.openxmlformats.org/drawingml/2006/main" xmlns:p="http://schemas.openxmlformats.org/presentationml/2006/main" xmlns:r="http://schemas.openxmlformats.org/officeDocument/2006/relationships" xmlns:p14="http://schemas.microsoft.com/office/powerpoint/2010/main" xmlns:p15="http://schemas.microsoft.com/office/powerpoint/2012/main" xmlns:mc="http://schemas.openxmlformats.org/markup-compatibility/2006">
+  <p:cSld>
+    <p:spTree>
+      <p:nvGrpSpPr>
+        <p:cNvPr id="1" name=""/>
+        <p:cNvGrpSpPr/>
+        <p:nvPr/>
+      </p:nvGrpSpPr>
+      <p:grpSpPr>
+        <a:xfrm>
+          <a:off x="0" y="0"/>
+          <a:ext cx="0" cy="0"/>
+          <a:chOff x="0" y="0"/>
+          <a:chExt cx="0" cy="0"/>
+        </a:xfrm>
+      </p:grpSpPr>
+      <p:sp>
+        <p:nvSpPr>
+          <p:cNvPr id="287" name="PlaceHolder 1"/>
+          <p:cNvSpPr>
+            <a:spLocks noGrp="1"/>
+          </p:cNvSpPr>
+          <p:nvPr>
+            <p:ph type="sldImg"/>
+          </p:nvPr>
+        </p:nvSpPr>
+        <p:spPr>
+          <a:xfrm>
+            <a:off x="384120" y="685800"/>
+            <a:ext cx="6084360" cy="3422160"/>
+          </a:xfrm>
+          <a:prstGeom prst="rect">
+            <a:avLst/>
+          </a:prstGeom>
+          <a:ln w="0">
+            <a:noFill/>
+          </a:ln>
+        </p:spPr>
+      </p:sp>
+      <p:sp>
+        <p:nvSpPr>
+          <p:cNvPr id="288" name="PlaceHolder 2"/>
+          <p:cNvSpPr>
+            <a:spLocks noGrp="1"/>
+          </p:cNvSpPr>
+          <p:nvPr>
+            <p:ph type="body"/>
+          </p:nvPr>
+        </p:nvSpPr>
+        <p:spPr>
+          <a:xfrm>
+            <a:off x="685800" y="4343400"/>
+            <a:ext cx="5480280" cy="4108680"/>
+          </a:xfrm>
+          <a:prstGeom prst="rect">
+            <a:avLst/>
+          </a:prstGeom>
+          <a:noFill/>
+          <a:ln w="0">
+            <a:noFill/>
+          </a:ln>
+        </p:spPr>
+        <p:txBody>
+          <a:bodyPr lIns="0" rIns="0" tIns="0" bIns="0" anchor="t">
+            <a:noAutofit/>
+          </a:bodyPr>
+          <a:p>
+            <a:endParaRPr b="0" lang="en-US" sz="2000" spc="-1" strike="noStrike">
+              <a:latin typeface="Arial"/>
+            </a:endParaRPr>
+          </a:p>
+        </p:txBody>
+      </p:sp>
+      <p:sp>
+        <p:nvSpPr>
+          <p:cNvPr id="289" name="PlaceHolder 3"/>
+          <p:cNvSpPr>
+            <a:spLocks noGrp="1"/>
+          </p:cNvSpPr>
+          <p:nvPr>
+            <p:ph type="sldNum" idx="21"/>
+          </p:nvPr>
+        </p:nvSpPr>
+        <p:spPr>
+          <a:xfrm>
+            <a:off x="3884760" y="8685360"/>
+            <a:ext cx="2965680" cy="451080"/>
+          </a:xfrm>
+          <a:prstGeom prst="rect">
+            <a:avLst/>
+          </a:prstGeom>
+          <a:noFill/>
+          <a:ln w="0">
+            <a:noFill/>
+          </a:ln>
+        </p:spPr>
+        <p:txBody>
+          <a:bodyPr lIns="0" rIns="0" tIns="0" bIns="0" anchor="b">
+            <a:noAutofit/>
+          </a:bodyPr>
+          <a:lstStyle>
+            <a:lvl1pPr algn="r">
+              <a:lnSpc>
+                <a:spcPct val="100000"/>
+              </a:lnSpc>
+              <a:buNone/>
+              <a:tabLst>
+                <a:tab algn="l" pos="0"/>
+              </a:tabLst>
+              <a:defRPr b="0" lang="en-US" sz="1200" spc="-1" strike="noStrike">
+                <a:solidFill>
+                  <a:srgbClr val="000000"/>
+                </a:solidFill>
+                <a:latin typeface="Arial"/>
+                <a:ea typeface="Arial"/>
+              </a:defRPr>
+            </a:lvl1pPr>
+          </a:lstStyle>
+          <a:p>
+            <a:pPr algn="r">
+              <a:lnSpc>
+                <a:spcPct val="100000"/>
+              </a:lnSpc>
+              <a:buNone/>
+              <a:tabLst>
+                <a:tab algn="l" pos="0"/>
+              </a:tabLst>
+            </a:pPr>
+            <a:fld id="{A6B6070A-2BFB-45DE-A56F-77B8060F3A1B}" type="slidenum">
+              <a:rPr b="0" lang="en-US" sz="1200" spc="-1" strike="noStrike">
+                <a:solidFill>
+                  <a:srgbClr val="000000"/>
+                </a:solidFill>
+                <a:latin typeface="Arial"/>
+                <a:ea typeface="Arial"/>
+              </a:rPr>
+              <a:t>&lt;number&gt;</a:t>
             </a:fld>
             <a:endParaRPr b="0" lang="en-US" sz="1200" spc="-1" strike="noStrike">
               <a:latin typeface="Times New Roman"/>
@@ -1405,7 +1926,7 @@
       </p:grpSpPr>
       <p:sp>
         <p:nvSpPr>
-          <p:cNvPr id="229" name="PlaceHolder 1"/>
+          <p:cNvPr id="239" name="PlaceHolder 1"/>
           <p:cNvSpPr>
             <a:spLocks noGrp="1"/>
           </p:cNvSpPr>
@@ -1428,7 +1949,7 @@
       </p:sp>
       <p:sp>
         <p:nvSpPr>
-          <p:cNvPr id="230" name="PlaceHolder 2"/>
+          <p:cNvPr id="240" name="PlaceHolder 2"/>
           <p:cNvSpPr>
             <a:spLocks noGrp="1"/>
           </p:cNvSpPr>
@@ -1462,7 +1983,7 @@
       </p:sp>
       <p:sp>
         <p:nvSpPr>
-          <p:cNvPr id="231" name="PlaceHolder 3"/>
+          <p:cNvPr id="241" name="PlaceHolder 3"/>
           <p:cNvSpPr>
             <a:spLocks noGrp="1"/>
           </p:cNvSpPr>
@@ -1515,7 +2036,7 @@
                 <a:tab algn="l" pos="0"/>
               </a:tabLst>
             </a:pPr>
-            <a:fld id="{F21B87D1-9723-437D-B46D-1FD664E9FDBC}" type="slidenum">
+            <a:fld id="{9B4AAE22-52E6-405F-A339-0EE244AB70D4}" type="slidenum">
               <a:rPr b="0" lang="en-US" sz="1200" spc="-1" strike="noStrike">
                 <a:solidFill>
                   <a:srgbClr val="000000"/>
@@ -1555,7 +2076,7 @@
       </p:grpSpPr>
       <p:sp>
         <p:nvSpPr>
-          <p:cNvPr id="232" name="PlaceHolder 1"/>
+          <p:cNvPr id="242" name="PlaceHolder 1"/>
           <p:cNvSpPr>
             <a:spLocks noGrp="1"/>
           </p:cNvSpPr>
@@ -1578,7 +2099,7 @@
       </p:sp>
       <p:sp>
         <p:nvSpPr>
-          <p:cNvPr id="233" name="PlaceHolder 2"/>
+          <p:cNvPr id="243" name="PlaceHolder 2"/>
           <p:cNvSpPr>
             <a:spLocks noGrp="1"/>
           </p:cNvSpPr>
@@ -1608,7 +2129,271 @@
               <a:rPr b="0" lang="en-US" sz="2000" spc="-1" strike="noStrike">
                 <a:latin typeface="Arial"/>
               </a:rPr>
-              <a:t>https://fineartamerica.com/featured/scylla-attacking-the-ship-of-odysseus-roger-payne.html</a:t>
+              <a:t>http</a:t>
+            </a:r>
+            <a:r>
+              <a:rPr b="0" lang="en-US" sz="2000" spc="-1" strike="noStrike">
+                <a:latin typeface="Arial"/>
+              </a:rPr>
+              <a:t>s:/</a:t>
+            </a:r>
+            <a:r>
+              <a:rPr b="0" lang="en-US" sz="2000" spc="-1" strike="noStrike">
+                <a:latin typeface="Arial"/>
+              </a:rPr>
+              <a:t>/</a:t>
+            </a:r>
+            <a:r>
+              <a:rPr b="0" lang="en-US" sz="2000" spc="-1" strike="noStrike">
+                <a:latin typeface="Arial"/>
+              </a:rPr>
+              <a:t>fin</a:t>
+            </a:r>
+            <a:r>
+              <a:rPr b="0" lang="en-US" sz="2000" spc="-1" strike="noStrike">
+                <a:latin typeface="Arial"/>
+              </a:rPr>
+              <a:t>ea</a:t>
+            </a:r>
+            <a:r>
+              <a:rPr b="0" lang="en-US" sz="2000" spc="-1" strike="noStrike">
+                <a:latin typeface="Arial"/>
+              </a:rPr>
+              <a:t>rt</a:t>
+            </a:r>
+            <a:r>
+              <a:rPr b="0" lang="en-US" sz="2000" spc="-1" strike="noStrike">
+                <a:latin typeface="Arial"/>
+              </a:rPr>
+              <a:t>a</a:t>
+            </a:r>
+            <a:r>
+              <a:rPr b="0" lang="en-US" sz="2000" spc="-1" strike="noStrike">
+                <a:latin typeface="Arial"/>
+              </a:rPr>
+              <a:t>m</a:t>
+            </a:r>
+            <a:r>
+              <a:rPr b="0" lang="en-US" sz="2000" spc="-1" strike="noStrike">
+                <a:latin typeface="Arial"/>
+              </a:rPr>
+              <a:t>eri</a:t>
+            </a:r>
+            <a:r>
+              <a:rPr b="0" lang="en-US" sz="2000" spc="-1" strike="noStrike">
+                <a:latin typeface="Arial"/>
+              </a:rPr>
+              <a:t>ca</a:t>
+            </a:r>
+            <a:r>
+              <a:rPr b="0" lang="en-US" sz="2000" spc="-1" strike="noStrike">
+                <a:latin typeface="Arial"/>
+              </a:rPr>
+              <a:t>.c</a:t>
+            </a:r>
+            <a:r>
+              <a:rPr b="0" lang="en-US" sz="2000" spc="-1" strike="noStrike">
+                <a:latin typeface="Arial"/>
+              </a:rPr>
+              <a:t>o</a:t>
+            </a:r>
+            <a:r>
+              <a:rPr b="0" lang="en-US" sz="2000" spc="-1" strike="noStrike">
+                <a:latin typeface="Arial"/>
+              </a:rPr>
+              <a:t>m/</a:t>
+            </a:r>
+            <a:r>
+              <a:rPr b="0" lang="en-US" sz="2000" spc="-1" strike="noStrike">
+                <a:latin typeface="Arial"/>
+              </a:rPr>
+              <a:t>fe</a:t>
+            </a:r>
+            <a:r>
+              <a:rPr b="0" lang="en-US" sz="2000" spc="-1" strike="noStrike">
+                <a:latin typeface="Arial"/>
+              </a:rPr>
+              <a:t>at</a:t>
+            </a:r>
+            <a:r>
+              <a:rPr b="0" lang="en-US" sz="2000" spc="-1" strike="noStrike">
+                <a:latin typeface="Arial"/>
+              </a:rPr>
+              <a:t>ur</a:t>
+            </a:r>
+            <a:r>
+              <a:rPr b="0" lang="en-US" sz="2000" spc="-1" strike="noStrike">
+                <a:latin typeface="Arial"/>
+              </a:rPr>
+              <a:t>ed</a:t>
+            </a:r>
+            <a:r>
+              <a:rPr b="0" lang="en-US" sz="2000" spc="-1" strike="noStrike">
+                <a:latin typeface="Arial"/>
+              </a:rPr>
+              <a:t>/</a:t>
+            </a:r>
+            <a:r>
+              <a:rPr b="0" lang="en-US" sz="2000" spc="-1" strike="noStrike">
+                <a:latin typeface="Arial"/>
+              </a:rPr>
+              <a:t>sc</a:t>
+            </a:r>
+            <a:r>
+              <a:rPr b="0" lang="en-US" sz="2000" spc="-1" strike="noStrike">
+                <a:latin typeface="Arial"/>
+              </a:rPr>
+              <a:t>yll</a:t>
+            </a:r>
+            <a:r>
+              <a:rPr b="0" lang="en-US" sz="2000" spc="-1" strike="noStrike">
+                <a:latin typeface="Arial"/>
+              </a:rPr>
+              <a:t>a-</a:t>
+            </a:r>
+            <a:r>
+              <a:rPr b="0" lang="en-US" sz="2000" spc="-1" strike="noStrike">
+                <a:latin typeface="Arial"/>
+              </a:rPr>
+              <a:t>at</a:t>
+            </a:r>
+            <a:r>
+              <a:rPr b="0" lang="en-US" sz="2000" spc="-1" strike="noStrike">
+                <a:latin typeface="Arial"/>
+              </a:rPr>
+              <a:t>ta</a:t>
+            </a:r>
+            <a:r>
+              <a:rPr b="0" lang="en-US" sz="2000" spc="-1" strike="noStrike">
+                <a:latin typeface="Arial"/>
+              </a:rPr>
+              <a:t>ck</a:t>
+            </a:r>
+            <a:r>
+              <a:rPr b="0" lang="en-US" sz="2000" spc="-1" strike="noStrike">
+                <a:latin typeface="Arial"/>
+              </a:rPr>
+              <a:t>in</a:t>
+            </a:r>
+            <a:r>
+              <a:rPr b="0" lang="en-US" sz="2000" spc="-1" strike="noStrike">
+                <a:latin typeface="Arial"/>
+              </a:rPr>
+              <a:t>g-</a:t>
+            </a:r>
+            <a:r>
+              <a:rPr b="0" lang="en-US" sz="2000" spc="-1" strike="noStrike">
+                <a:latin typeface="Arial"/>
+              </a:rPr>
+              <a:t>th</a:t>
+            </a:r>
+            <a:r>
+              <a:rPr b="0" lang="en-US" sz="2000" spc="-1" strike="noStrike">
+                <a:latin typeface="Arial"/>
+              </a:rPr>
+              <a:t>e-</a:t>
+            </a:r>
+            <a:r>
+              <a:rPr b="0" lang="en-US" sz="2000" spc="-1" strike="noStrike">
+                <a:latin typeface="Arial"/>
+              </a:rPr>
+              <a:t>sh</a:t>
+            </a:r>
+            <a:r>
+              <a:rPr b="0" lang="en-US" sz="2000" spc="-1" strike="noStrike">
+                <a:latin typeface="Arial"/>
+              </a:rPr>
+              <a:t>ip-</a:t>
+            </a:r>
+            <a:r>
+              <a:rPr b="0" lang="en-US" sz="2000" spc="-1" strike="noStrike">
+                <a:latin typeface="Arial"/>
+              </a:rPr>
+              <a:t>of</a:t>
+            </a:r>
+            <a:r>
+              <a:rPr b="0" lang="en-US" sz="2000" spc="-1" strike="noStrike">
+                <a:latin typeface="Arial"/>
+              </a:rPr>
+              <a:t>-</a:t>
+            </a:r>
+            <a:r>
+              <a:rPr b="0" lang="en-US" sz="2000" spc="-1" strike="noStrike">
+                <a:latin typeface="Arial"/>
+              </a:rPr>
+              <a:t>od</a:t>
+            </a:r>
+            <a:r>
+              <a:rPr b="0" lang="en-US" sz="2000" spc="-1" strike="noStrike">
+                <a:latin typeface="Arial"/>
+              </a:rPr>
+              <a:t>ys</a:t>
+            </a:r>
+            <a:r>
+              <a:rPr b="0" lang="en-US" sz="2000" spc="-1" strike="noStrike">
+                <a:latin typeface="Arial"/>
+              </a:rPr>
+              <a:t>se</a:t>
+            </a:r>
+            <a:r>
+              <a:rPr b="0" lang="en-US" sz="2000" spc="-1" strike="noStrike">
+                <a:latin typeface="Arial"/>
+              </a:rPr>
+              <a:t>us</a:t>
+            </a:r>
+            <a:r>
+              <a:rPr b="0" lang="en-US" sz="2000" spc="-1" strike="noStrike">
+                <a:latin typeface="Arial"/>
+              </a:rPr>
+              <a:t>-</a:t>
+            </a:r>
+            <a:r>
+              <a:rPr b="0" lang="en-US" sz="2000" spc="-1" strike="noStrike">
+                <a:latin typeface="Arial"/>
+              </a:rPr>
+              <a:t>ro</a:t>
+            </a:r>
+            <a:r>
+              <a:rPr b="0" lang="en-US" sz="2000" spc="-1" strike="noStrike">
+                <a:latin typeface="Arial"/>
+              </a:rPr>
+              <a:t>ge</a:t>
+            </a:r>
+            <a:r>
+              <a:rPr b="0" lang="en-US" sz="2000" spc="-1" strike="noStrike">
+                <a:latin typeface="Arial"/>
+              </a:rPr>
+              <a:t>r-</a:t>
+            </a:r>
+            <a:r>
+              <a:rPr b="0" lang="en-US" sz="2000" spc="-1" strike="noStrike">
+                <a:latin typeface="Arial"/>
+              </a:rPr>
+              <a:t>pa</a:t>
+            </a:r>
+            <a:r>
+              <a:rPr b="0" lang="en-US" sz="2000" spc="-1" strike="noStrike">
+                <a:latin typeface="Arial"/>
+              </a:rPr>
+              <a:t>yn</a:t>
+            </a:r>
+            <a:r>
+              <a:rPr b="0" lang="en-US" sz="2000" spc="-1" strike="noStrike">
+                <a:latin typeface="Arial"/>
+              </a:rPr>
+              <a:t>e.</a:t>
+            </a:r>
+            <a:r>
+              <a:rPr b="0" lang="en-US" sz="2000" spc="-1" strike="noStrike">
+                <a:latin typeface="Arial"/>
+              </a:rPr>
+              <a:t>ht</a:t>
+            </a:r>
+            <a:r>
+              <a:rPr b="0" lang="en-US" sz="2000" spc="-1" strike="noStrike">
+                <a:latin typeface="Arial"/>
+              </a:rPr>
+              <a:t>ml</a:t>
             </a:r>
             <a:endParaRPr b="0" lang="en-US" sz="2000" spc="-1" strike="noStrike">
               <a:latin typeface="Arial"/>
@@ -1618,7 +2403,7 @@
       </p:sp>
       <p:sp>
         <p:nvSpPr>
-          <p:cNvPr id="234" name="PlaceHolder 3"/>
+          <p:cNvPr id="244" name="PlaceHolder 3"/>
           <p:cNvSpPr>
             <a:spLocks noGrp="1"/>
           </p:cNvSpPr>
@@ -1671,7 +2456,7 @@
                 <a:tab algn="l" pos="0"/>
               </a:tabLst>
             </a:pPr>
-            <a:fld id="{E17B4F53-FB62-4BAE-9D6E-EDF05BF4403B}" type="slidenum">
+            <a:fld id="{E18FA3B3-7F9B-4996-AC0E-1FEC00DD6420}" type="slidenum">
               <a:rPr b="0" lang="en-US" sz="1200" spc="-1" strike="noStrike">
                 <a:solidFill>
                   <a:srgbClr val="000000"/>
@@ -1711,7 +2496,7 @@
       </p:grpSpPr>
       <p:sp>
         <p:nvSpPr>
-          <p:cNvPr id="235" name="PlaceHolder 1"/>
+          <p:cNvPr id="245" name="PlaceHolder 1"/>
           <p:cNvSpPr>
             <a:spLocks noGrp="1"/>
           </p:cNvSpPr>
@@ -1734,7 +2519,7 @@
       </p:sp>
       <p:sp>
         <p:nvSpPr>
-          <p:cNvPr id="236" name="PlaceHolder 2"/>
+          <p:cNvPr id="246" name="PlaceHolder 2"/>
           <p:cNvSpPr>
             <a:spLocks noGrp="1"/>
           </p:cNvSpPr>
@@ -1768,7 +2553,7 @@
       </p:sp>
       <p:sp>
         <p:nvSpPr>
-          <p:cNvPr id="237" name="PlaceHolder 3"/>
+          <p:cNvPr id="247" name="PlaceHolder 3"/>
           <p:cNvSpPr>
             <a:spLocks noGrp="1"/>
           </p:cNvSpPr>
@@ -1821,7 +2606,7 @@
                 <a:tab algn="l" pos="0"/>
               </a:tabLst>
             </a:pPr>
-            <a:fld id="{AEFFDE7F-76B5-4BFD-B631-FDEAC381D9CB}" type="slidenum">
+            <a:fld id="{875978F0-E99A-4692-91F3-1ECFC86535F3}" type="slidenum">
               <a:rPr b="0" lang="en-US" sz="1200" spc="-1" strike="noStrike">
                 <a:solidFill>
                   <a:srgbClr val="000000"/>
@@ -1861,7 +2646,7 @@
       </p:grpSpPr>
       <p:sp>
         <p:nvSpPr>
-          <p:cNvPr id="238" name="PlaceHolder 1"/>
+          <p:cNvPr id="248" name="PlaceHolder 1"/>
           <p:cNvSpPr>
             <a:spLocks noGrp="1"/>
           </p:cNvSpPr>
@@ -1884,7 +2669,7 @@
       </p:sp>
       <p:sp>
         <p:nvSpPr>
-          <p:cNvPr id="239" name="PlaceHolder 2"/>
+          <p:cNvPr id="249" name="PlaceHolder 2"/>
           <p:cNvSpPr>
             <a:spLocks noGrp="1"/>
           </p:cNvSpPr>
@@ -1920,17 +2705,53 @@
               <a:rPr b="0" lang="en-US" sz="1800" spc="-1" strike="noStrike">
                 <a:latin typeface="Arial"/>
               </a:rPr>
-              <a:t>Figure from https://www.mycutegraphics.com/graphics/cow/cow-in-the-mud-with-flies.html</a:t>
-            </a:r>
-            <a:endParaRPr b="0" lang="en-US" sz="1800" spc="-1" strike="noStrike">
-              <a:latin typeface="Arial"/>
-            </a:endParaRPr>
-          </a:p>
-        </p:txBody>
-      </p:sp>
-      <p:sp>
-        <p:nvSpPr>
-          <p:cNvPr id="240" name="PlaceHolder 3"/>
+              <a:t>Figure from </a:t>
+            </a:r>
+            <a:r>
+              <a:rPr b="0" lang="en-US" sz="1800" spc="-1" strike="noStrike">
+                <a:latin typeface="Arial"/>
+              </a:rPr>
+              <a:t>https://www.m</a:t>
+            </a:r>
+            <a:r>
+              <a:rPr b="0" lang="en-US" sz="1800" spc="-1" strike="noStrike">
+                <a:latin typeface="Arial"/>
+              </a:rPr>
+              <a:t>ycutegraphics</a:t>
+            </a:r>
+            <a:r>
+              <a:rPr b="0" lang="en-US" sz="1800" spc="-1" strike="noStrike">
+                <a:latin typeface="Arial"/>
+              </a:rPr>
+              <a:t>.com/graphics</a:t>
+            </a:r>
+            <a:r>
+              <a:rPr b="0" lang="en-US" sz="1800" spc="-1" strike="noStrike">
+                <a:latin typeface="Arial"/>
+              </a:rPr>
+              <a:t>/cow/cow-in-</a:t>
+            </a:r>
+            <a:r>
+              <a:rPr b="0" lang="en-US" sz="1800" spc="-1" strike="noStrike">
+                <a:latin typeface="Arial"/>
+              </a:rPr>
+              <a:t>the-mud-with-</a:t>
+            </a:r>
+            <a:r>
+              <a:rPr b="0" lang="en-US" sz="1800" spc="-1" strike="noStrike">
+                <a:latin typeface="Arial"/>
+              </a:rPr>
+              <a:t>flies.html</a:t>
+            </a:r>
+            <a:endParaRPr b="0" lang="en-US" sz="1800" spc="-1" strike="noStrike">
+              <a:latin typeface="Arial"/>
+            </a:endParaRPr>
+          </a:p>
+        </p:txBody>
+      </p:sp>
+      <p:sp>
+        <p:nvSpPr>
+          <p:cNvPr id="250" name="PlaceHolder 3"/>
           <p:cNvSpPr>
             <a:spLocks noGrp="1"/>
           </p:cNvSpPr>
@@ -1983,7 +2804,7 @@
                 <a:tab algn="l" pos="0"/>
               </a:tabLst>
             </a:pPr>
-            <a:fld id="{43A351EB-B33D-4CDA-8F64-0C0F22F64912}" type="slidenum">
+            <a:fld id="{2AF61D8C-3680-4692-92E4-F46E1C4812A5}" type="slidenum">
               <a:rPr b="0" lang="en-US" sz="1200" spc="-1" strike="noStrike">
                 <a:solidFill>
                   <a:srgbClr val="000000"/>
@@ -2023,7 +2844,7 @@
       </p:grpSpPr>
       <p:sp>
         <p:nvSpPr>
-          <p:cNvPr id="241" name="PlaceHolder 1"/>
+          <p:cNvPr id="251" name="PlaceHolder 1"/>
           <p:cNvSpPr>
             <a:spLocks noGrp="1"/>
           </p:cNvSpPr>
@@ -2046,7 +2867,7 @@
       </p:sp>
       <p:sp>
         <p:nvSpPr>
-          <p:cNvPr id="242" name="PlaceHolder 2"/>
+          <p:cNvPr id="252" name="PlaceHolder 2"/>
           <p:cNvSpPr>
             <a:spLocks noGrp="1"/>
           </p:cNvSpPr>
@@ -2092,7 +2913,7 @@
       </p:sp>
       <p:sp>
         <p:nvSpPr>
-          <p:cNvPr id="243" name="PlaceHolder 3"/>
+          <p:cNvPr id="253" name="PlaceHolder 3"/>
           <p:cNvSpPr>
             <a:spLocks noGrp="1"/>
           </p:cNvSpPr>
@@ -2145,7 +2966,7 @@
                 <a:tab algn="l" pos="0"/>
               </a:tabLst>
             </a:pPr>
-            <a:fld id="{4A795ED0-3F3D-4577-938F-BE3EC18792C5}" type="slidenum">
+            <a:fld id="{47700E9A-D4A4-4C0A-B41A-69CE149009E0}" type="slidenum">
               <a:rPr b="0" lang="en-US" sz="1200" spc="-1" strike="noStrike">
                 <a:solidFill>
                   <a:srgbClr val="000000"/>
@@ -2153,7 +2974,7 @@
                 <a:latin typeface="Arial"/>
                 <a:ea typeface="Arial"/>
               </a:rPr>
-              <a:t>8</a:t>
+              <a:t>&lt;number&gt;</a:t>
             </a:fld>
             <a:endParaRPr b="0" lang="en-US" sz="1200" spc="-1" strike="noStrike">
               <a:latin typeface="Times New Roman"/>
@@ -2185,7 +3006,7 @@
       </p:grpSpPr>
       <p:sp>
         <p:nvSpPr>
-          <p:cNvPr id="244" name="PlaceHolder 1"/>
+          <p:cNvPr id="254" name="PlaceHolder 1"/>
           <p:cNvSpPr>
             <a:spLocks noGrp="1"/>
           </p:cNvSpPr>
@@ -2208,7 +3029,7 @@
       </p:sp>
       <p:sp>
         <p:nvSpPr>
-          <p:cNvPr id="245" name="PlaceHolder 2"/>
+          <p:cNvPr id="255" name="PlaceHolder 2"/>
           <p:cNvSpPr>
             <a:spLocks noGrp="1"/>
           </p:cNvSpPr>
@@ -2242,7 +3063,7 @@
       </p:sp>
       <p:sp>
         <p:nvSpPr>
-          <p:cNvPr id="246" name="PlaceHolder 3"/>
+          <p:cNvPr id="256" name="PlaceHolder 3"/>
           <p:cNvSpPr>
             <a:spLocks noGrp="1"/>
           </p:cNvSpPr>
@@ -2295,7 +3116,7 @@
                 <a:tab algn="l" pos="0"/>
               </a:tabLst>
             </a:pPr>
-            <a:fld id="{91A025AD-6D4D-458B-A7CA-208011B8084B}" type="slidenum">
+            <a:fld id="{459B084F-5CD5-4972-AE4D-4F898CF67F16}" type="slidenum">
               <a:rPr b="0" lang="en-US" sz="1200" spc="-1" strike="noStrike">
                 <a:solidFill>
                   <a:srgbClr val="000000"/>
@@ -2303,7 +3124,7 @@
                 <a:latin typeface="Arial"/>
                 <a:ea typeface="Arial"/>
               </a:rPr>
-              <a:t>8</a:t>
+              <a:t>&lt;number&gt;</a:t>
             </a:fld>
             <a:endParaRPr b="0" lang="en-US" sz="1200" spc="-1" strike="noStrike">
               <a:latin typeface="Times New Roman"/>
@@ -2335,7 +3156,7 @@
       </p:grpSpPr>
       <p:sp>
         <p:nvSpPr>
-          <p:cNvPr id="247" name="PlaceHolder 1"/>
+          <p:cNvPr id="257" name="PlaceHolder 1"/>
           <p:cNvSpPr>
             <a:spLocks noGrp="1"/>
           </p:cNvSpPr>
@@ -2358,7 +3179,7 @@
       </p:sp>
       <p:sp>
         <p:nvSpPr>
-          <p:cNvPr id="248" name="PlaceHolder 2"/>
+          <p:cNvPr id="258" name="PlaceHolder 2"/>
           <p:cNvSpPr>
             <a:spLocks noGrp="1"/>
           </p:cNvSpPr>
@@ -2394,41 +3215,17 @@
               <a:rPr b="0" lang="en-US" sz="1800" spc="-1" strike="noStrike">
                 <a:latin typeface="Arial"/>
               </a:rPr>
-              <a:t>Figure from </a:t>
-            </a:r>
-            <a:r>
-              <a:rPr b="0" lang="en-US" sz="1800" spc="-1" strike="noStrike">
-                <a:latin typeface="Arial"/>
-              </a:rPr>
-              <a:t>https://www.mycutegra</a:t>
-            </a:r>
-            <a:r>
-              <a:rPr b="0" lang="en-US" sz="1800" spc="-1" strike="noStrike">
-                <a:latin typeface="Arial"/>
-              </a:rPr>
-              <a:t>phics.com/graphics/co</a:t>
-            </a:r>
-            <a:r>
-              <a:rPr b="0" lang="en-US" sz="1800" spc="-1" strike="noStrike">
-                <a:latin typeface="Arial"/>
-              </a:rPr>
-              <a:t>w/cow-in-the-mud-</a:t>
-            </a:r>
-            <a:r>
-              <a:rPr b="0" lang="en-US" sz="1800" spc="-1" strike="noStrike">
-                <a:latin typeface="Arial"/>
-              </a:rPr>
-              <a:t>with-flies.html</a:t>
-            </a:r>
-            <a:endParaRPr b="0" lang="en-US" sz="1800" spc="-1" strike="noStrike">
-              <a:latin typeface="Arial"/>
-            </a:endParaRPr>
-          </a:p>
-        </p:txBody>
-      </p:sp>
-      <p:sp>
-        <p:nvSpPr>
-          <p:cNvPr id="249" name="PlaceHolder 3"/>
+              <a:t>Figure from https://www.mycutegraphics.com/graphics/cow/cow-in-the-mud-with-flies.html</a:t>
+            </a:r>
+            <a:endParaRPr b="0" lang="en-US" sz="1800" spc="-1" strike="noStrike">
+              <a:latin typeface="Arial"/>
+            </a:endParaRPr>
+          </a:p>
+        </p:txBody>
+      </p:sp>
+      <p:sp>
+        <p:nvSpPr>
+          <p:cNvPr id="259" name="PlaceHolder 3"/>
           <p:cNvSpPr>
             <a:spLocks noGrp="1"/>
           </p:cNvSpPr>
@@ -2481,7 +3278,7 @@
                 <a:tab algn="l" pos="0"/>
               </a:tabLst>
             </a:pPr>
-            <a:fld id="{99203E4A-2431-4014-A03D-204F200E9441}" type="slidenum">
+            <a:fld id="{47650257-F569-4A85-A25B-5C6A11F622DE}" type="slidenum">
               <a:rPr b="0" lang="en-US" sz="1200" spc="-1" strike="noStrike">
                 <a:solidFill>
                   <a:srgbClr val="000000"/>
@@ -2489,7 +3286,7 @@
                 <a:latin typeface="Arial"/>
                 <a:ea typeface="Arial"/>
               </a:rPr>
-              <a:t>8</a:t>
+              <a:t>&lt;number&gt;</a:t>
             </a:fld>
             <a:endParaRPr b="0" lang="en-US" sz="1200" spc="-1" strike="noStrike">
               <a:latin typeface="Times New Roman"/>
@@ -2521,7 +3318,7 @@
       </p:grpSpPr>
       <p:sp>
         <p:nvSpPr>
-          <p:cNvPr id="250" name="PlaceHolder 1"/>
+          <p:cNvPr id="260" name="PlaceHolder 1"/>
           <p:cNvSpPr>
             <a:spLocks noGrp="1"/>
           </p:cNvSpPr>
@@ -2544,7 +3341,7 @@
       </p:sp>
       <p:sp>
         <p:nvSpPr>
-          <p:cNvPr id="251" name="PlaceHolder 2"/>
+          <p:cNvPr id="261" name="PlaceHolder 2"/>
           <p:cNvSpPr>
             <a:spLocks noGrp="1"/>
           </p:cNvSpPr>
@@ -2580,119 +3377,17 @@
               <a:rPr b="0" lang="en-US" sz="1800" spc="-1" strike="noStrike">
                 <a:latin typeface="Arial"/>
               </a:rPr>
-              <a:t>Figure </a:t>
-            </a:r>
-            <a:r>
-              <a:rPr b="0" lang="en-US" sz="1800" spc="-1" strike="noStrike">
-                <a:latin typeface="Arial"/>
-              </a:rPr>
-              <a:t>from </a:t>
-            </a:r>
-            <a:r>
-              <a:rPr b="0" lang="en-US" sz="1800" spc="-1" strike="noStrike">
-                <a:latin typeface="Arial"/>
-              </a:rPr>
-              <a:t>https:</a:t>
-            </a:r>
-            <a:r>
-              <a:rPr b="0" lang="en-US" sz="1800" spc="-1" strike="noStrike">
-                <a:latin typeface="Arial"/>
-              </a:rPr>
-              <a:t>//ww</a:t>
-            </a:r>
-            <a:r>
-              <a:rPr b="0" lang="en-US" sz="1800" spc="-1" strike="noStrike">
-                <a:latin typeface="Arial"/>
-              </a:rPr>
-              <a:t>w.my</a:t>
-            </a:r>
-            <a:r>
-              <a:rPr b="0" lang="en-US" sz="1800" spc="-1" strike="noStrike">
-                <a:latin typeface="Arial"/>
-              </a:rPr>
-              <a:t>cuteg</a:t>
-            </a:r>
-            <a:r>
-              <a:rPr b="0" lang="en-US" sz="1800" spc="-1" strike="noStrike">
-                <a:latin typeface="Arial"/>
-              </a:rPr>
-              <a:t>raphi</a:t>
-            </a:r>
-            <a:r>
-              <a:rPr b="0" lang="en-US" sz="1800" spc="-1" strike="noStrike">
-                <a:latin typeface="Arial"/>
-              </a:rPr>
-              <a:t>cs.co</a:t>
-            </a:r>
-            <a:r>
-              <a:rPr b="0" lang="en-US" sz="1800" spc="-1" strike="noStrike">
-                <a:latin typeface="Arial"/>
-              </a:rPr>
-              <a:t>m/gra</a:t>
-            </a:r>
-            <a:r>
-              <a:rPr b="0" lang="en-US" sz="1800" spc="-1" strike="noStrike">
-                <a:latin typeface="Arial"/>
-              </a:rPr>
-              <a:t>phics/</a:t>
-            </a:r>
-            <a:r>
-              <a:rPr b="0" lang="en-US" sz="1800" spc="-1" strike="noStrike">
-                <a:latin typeface="Arial"/>
-              </a:rPr>
-              <a:t>cow/c</a:t>
-            </a:r>
-            <a:r>
-              <a:rPr b="0" lang="en-US" sz="1800" spc="-1" strike="noStrike">
-                <a:latin typeface="Arial"/>
-              </a:rPr>
-              <a:t>ow-</a:t>
-            </a:r>
-            <a:r>
-              <a:rPr b="0" lang="en-US" sz="1800" spc="-1" strike="noStrike">
-                <a:latin typeface="Arial"/>
-              </a:rPr>
-              <a:t>in-</a:t>
-            </a:r>
-            <a:r>
-              <a:rPr b="0" lang="en-US" sz="1800" spc="-1" strike="noStrike">
-                <a:latin typeface="Arial"/>
-              </a:rPr>
-              <a:t>the-</a:t>
-            </a:r>
-            <a:r>
-              <a:rPr b="0" lang="en-US" sz="1800" spc="-1" strike="noStrike">
-                <a:latin typeface="Arial"/>
-              </a:rPr>
-              <a:t>mud-</a:t>
-            </a:r>
-            <a:r>
-              <a:rPr b="0" lang="en-US" sz="1800" spc="-1" strike="noStrike">
-                <a:latin typeface="Arial"/>
-              </a:rPr>
-              <a:t>with-</a:t>
-            </a:r>
-            <a:r>
-              <a:rPr b="0" lang="en-US" sz="1800" spc="-1" strike="noStrike">
-                <a:latin typeface="Arial"/>
-              </a:rPr>
-              <a:t>flies.h</a:t>
-            </a:r>
-            <a:r>
-              <a:rPr b="0" lang="en-US" sz="1800" spc="-1" strike="noStrike">
-                <a:latin typeface="Arial"/>
-              </a:rPr>
-              <a:t>tml</a:t>
-            </a:r>
-            <a:endParaRPr b="0" lang="en-US" sz="1800" spc="-1" strike="noStrike">
-              <a:latin typeface="Arial"/>
-            </a:endParaRPr>
-          </a:p>
-        </p:txBody>
-      </p:sp>
-      <p:sp>
-        <p:nvSpPr>
-          <p:cNvPr id="252" name="PlaceHolder 3"/>
+              <a:t>Figure from https://www.mycutegraphics.com/graphics/cow/cow-in-the-mud-with-flies.html</a:t>
+            </a:r>
+            <a:endParaRPr b="0" lang="en-US" sz="1800" spc="-1" strike="noStrike">
+              <a:latin typeface="Arial"/>
+            </a:endParaRPr>
+          </a:p>
+        </p:txBody>
+      </p:sp>
+      <p:sp>
+        <p:nvSpPr>
+          <p:cNvPr id="262" name="PlaceHolder 3"/>
           <p:cNvSpPr>
             <a:spLocks noGrp="1"/>
           </p:cNvSpPr>
@@ -2745,7 +3440,7 @@
                 <a:tab algn="l" pos="0"/>
               </a:tabLst>
             </a:pPr>
-            <a:fld id="{E325EB06-6C13-4355-A7B1-C78B643AE98C}" type="slidenum">
+            <a:fld id="{62B6E780-F540-4AD4-BB4E-BDE026E2A635}" type="slidenum">
               <a:rPr b="0" lang="en-US" sz="1200" spc="-1" strike="noStrike">
                 <a:solidFill>
                   <a:srgbClr val="000000"/>
@@ -2753,7 +3448,7 @@
                 <a:latin typeface="Arial"/>
                 <a:ea typeface="Arial"/>
               </a:rPr>
-              <a:t>8</a:t>
+              <a:t>&lt;number&gt;</a:t>
             </a:fld>
             <a:endParaRPr b="0" lang="en-US" sz="1200" spc="-1" strike="noStrike">
               <a:latin typeface="Times New Roman"/>
@@ -10159,7 +10854,7 @@
                 <a:tab algn="l" pos="0"/>
               </a:tabLst>
             </a:pPr>
-            <a:fld id="{8A2E5EE7-BF03-4676-944F-C586A0A8C564}" type="slidenum">
+            <a:fld id="{1DD1B273-B4F6-4E5B-B2CA-5DD941FDDFFF}" type="slidenum">
               <a:rPr b="0" lang="en-US" sz="2400" spc="-1" strike="noStrike">
                 <a:solidFill>
                   <a:srgbClr val="000000"/>
@@ -10265,7 +10960,16 @@
                 </a:solidFill>
                 <a:latin typeface="Arial"/>
               </a:rPr>
-              <a:t>Click to edit the title text format</a:t>
+              <a:t>Click to edit the title text </a:t>
+            </a:r>
+            <a:r>
+              <a:rPr b="0" lang="en-US" sz="1800" spc="-1" strike="noStrike">
+                <a:solidFill>
+                  <a:srgbClr val="ffffff"/>
+                </a:solidFill>
+                <a:latin typeface="Arial"/>
+              </a:rPr>
+              <a:t>format</a:t>
             </a:r>
             <a:endParaRPr b="0" lang="en-US" sz="1800" spc="-1" strike="noStrike">
               <a:solidFill>
@@ -10742,7 +11446,7 @@
                 <a:tab algn="l" pos="0"/>
               </a:tabLst>
             </a:pPr>
-            <a:fld id="{523660C9-7EF5-4655-A11D-160A83F4A7A0}" type="slidenum">
+            <a:fld id="{870984AE-2827-45E6-A4B4-46DD092B2DA5}" type="slidenum">
               <a:rPr b="0" lang="en-US" sz="2400" spc="-1" strike="noStrike">
                 <a:solidFill>
                   <a:srgbClr val="000000"/>
@@ -11277,7 +11981,7 @@
                 <a:tab algn="l" pos="0"/>
               </a:tabLst>
             </a:pPr>
-            <a:fld id="{65745CED-859C-462F-8C69-4A0F23C1A337}" type="slidenum">
+            <a:fld id="{1AF0725A-86D7-49C2-999D-04B9452FE45C}" type="slidenum">
               <a:rPr b="0" lang="en-US" sz="2400" spc="-1" strike="noStrike">
                 <a:solidFill>
                   <a:srgbClr val="000000"/>
@@ -11805,7 +12509,7 @@
                 <a:tab algn="l" pos="0"/>
               </a:tabLst>
             </a:pPr>
-            <a:fld id="{0D9C5EDE-6B3D-4AE4-BDD2-DD6F7090BD2D}" type="slidenum">
+            <a:fld id="{29B9502B-136C-47B2-820D-9767C703814C}" type="slidenum">
               <a:rPr b="0" lang="en-US" sz="2400" spc="-1" strike="noStrike">
                 <a:solidFill>
                   <a:srgbClr val="000000"/>
@@ -12572,16 +13276,16 @@
               </a:tabLst>
             </a:pPr>
             <a:r>
-              <a:rPr b="0" lang="en-US" sz="3000" spc="-1" strike="noStrike">
-                <a:solidFill>
-                  <a:srgbClr val="ffffff"/>
-                </a:solidFill>
-                <a:latin typeface="Arial"/>
-                <a:ea typeface="Arial"/>
-              </a:rPr>
-              <a:t>Mean Field Theory: example Ising Model</a:t>
-            </a:r>
-            <a:endParaRPr b="0" lang="en-US" sz="3000" spc="-1" strike="noStrike">
+              <a:rPr b="0" lang="en-US" sz="2200" spc="-1" strike="noStrike">
+                <a:solidFill>
+                  <a:srgbClr val="ffffff"/>
+                </a:solidFill>
+                <a:latin typeface="Arial"/>
+                <a:ea typeface="Arial"/>
+              </a:rPr>
+              <a:t>Mean Field Theory (Ned spoke about Weiss Model): example Ising Model</a:t>
+            </a:r>
+            <a:endParaRPr b="0" lang="en-US" sz="2200" spc="-1" strike="noStrike">
               <a:latin typeface="Arial"/>
             </a:endParaRPr>
           </a:p>
@@ -13057,14 +13761,14 @@
       </p:grpSpPr>
       <p:sp>
         <p:nvSpPr>
-          <p:cNvPr id="216" name="Google Shape;135;p 6"/>
+          <p:cNvPr id="216" name="Google Shape;165;p 3"/>
           <p:cNvSpPr/>
           <p:nvPr/>
         </p:nvSpPr>
         <p:spPr>
           <a:xfrm>
-            <a:off x="116280" y="72720"/>
-            <a:ext cx="9026640" cy="2737080"/>
+            <a:off x="232200" y="1025640"/>
+            <a:ext cx="8571960" cy="2367360"/>
           </a:xfrm>
           <a:prstGeom prst="rect">
             <a:avLst/>
@@ -13085,7 +13789,7 @@
             <a:noAutofit/>
           </a:bodyPr>
           <a:p>
-            <a:pPr algn="ctr">
+            <a:pPr>
               <a:lnSpc>
                 <a:spcPct val="100000"/>
               </a:lnSpc>
@@ -13094,32 +13798,106 @@
                 <a:tab algn="l" pos="0"/>
               </a:tabLst>
             </a:pPr>
-            <a:r>
-              <a:rPr b="0" lang="en-US" sz="3000" spc="-1" strike="noStrike">
-                <a:solidFill>
-                  <a:srgbClr val="ffffff"/>
-                </a:solidFill>
-                <a:latin typeface="Arial"/>
-                <a:ea typeface="Arial"/>
-              </a:rPr>
-              <a:t>Topological Materials: Introduction</a:t>
-            </a:r>
-            <a:endParaRPr b="0" lang="en-US" sz="3000" spc="-1" strike="noStrike">
-              <a:latin typeface="Arial"/>
-            </a:endParaRPr>
-          </a:p>
-        </p:txBody>
-      </p:sp>
-      <p:sp>
-        <p:nvSpPr>
-          <p:cNvPr id="217" name="Google Shape;136;p 6"/>
+            <a:endParaRPr b="0" lang="en-US" sz="1800" spc="-1" strike="noStrike">
+              <a:latin typeface="Arial"/>
+            </a:endParaRPr>
+          </a:p>
+          <a:p>
+            <a:pPr>
+              <a:lnSpc>
+                <a:spcPct val="100000"/>
+              </a:lnSpc>
+              <a:buNone/>
+              <a:tabLst>
+                <a:tab algn="l" pos="0"/>
+              </a:tabLst>
+            </a:pPr>
+            <a:endParaRPr b="0" lang="en-US" sz="1800" spc="-1" strike="noStrike">
+              <a:latin typeface="Arial"/>
+            </a:endParaRPr>
+          </a:p>
+          <a:p>
+            <a:pPr>
+              <a:lnSpc>
+                <a:spcPct val="100000"/>
+              </a:lnSpc>
+              <a:buNone/>
+              <a:tabLst>
+                <a:tab algn="l" pos="0"/>
+              </a:tabLst>
+            </a:pPr>
+            <a:endParaRPr b="0" lang="en-US" sz="1800" spc="-1" strike="noStrike">
+              <a:latin typeface="Arial"/>
+            </a:endParaRPr>
+          </a:p>
+          <a:p>
+            <a:pPr>
+              <a:lnSpc>
+                <a:spcPct val="100000"/>
+              </a:lnSpc>
+              <a:buNone/>
+              <a:tabLst>
+                <a:tab algn="l" pos="0"/>
+              </a:tabLst>
+            </a:pPr>
+            <a:endParaRPr b="0" lang="en-US" sz="1800" spc="-1" strike="noStrike">
+              <a:latin typeface="Arial"/>
+            </a:endParaRPr>
+          </a:p>
+          <a:p>
+            <a:pPr>
+              <a:lnSpc>
+                <a:spcPct val="100000"/>
+              </a:lnSpc>
+              <a:buNone/>
+              <a:tabLst>
+                <a:tab algn="l" pos="0"/>
+              </a:tabLst>
+            </a:pPr>
+            <a:endParaRPr b="0" lang="en-US" sz="1800" spc="-1" strike="noStrike">
+              <a:latin typeface="Arial"/>
+            </a:endParaRPr>
+          </a:p>
+          <a:p>
+            <a:pPr>
+              <a:lnSpc>
+                <a:spcPct val="100000"/>
+              </a:lnSpc>
+              <a:buNone/>
+              <a:tabLst>
+                <a:tab algn="l" pos="0"/>
+              </a:tabLst>
+            </a:pPr>
+            <a:endParaRPr b="0" lang="en-US" sz="1800" spc="-1" strike="noStrike">
+              <a:latin typeface="Arial"/>
+            </a:endParaRPr>
+          </a:p>
+          <a:p>
+            <a:pPr>
+              <a:lnSpc>
+                <a:spcPct val="100000"/>
+              </a:lnSpc>
+              <a:buNone/>
+              <a:tabLst>
+                <a:tab algn="l" pos="0"/>
+              </a:tabLst>
+            </a:pPr>
+            <a:endParaRPr b="0" lang="en-US" sz="1800" spc="-1" strike="noStrike">
+              <a:latin typeface="Arial"/>
+            </a:endParaRPr>
+          </a:p>
+        </p:txBody>
+      </p:sp>
+      <p:sp>
+        <p:nvSpPr>
+          <p:cNvPr id="217" name="Google Shape;167;p 4"/>
           <p:cNvSpPr/>
           <p:nvPr/>
         </p:nvSpPr>
         <p:spPr>
           <a:xfrm>
-            <a:off x="409680" y="1025640"/>
-            <a:ext cx="8951760" cy="1217520"/>
+            <a:off x="0" y="291600"/>
+            <a:ext cx="8804160" cy="2737080"/>
           </a:xfrm>
           <a:prstGeom prst="rect">
             <a:avLst/>
@@ -13140,7 +13918,7 @@
             <a:noAutofit/>
           </a:bodyPr>
           <a:p>
-            <a:pPr>
+            <a:pPr algn="ctr">
               <a:lnSpc>
                 <a:spcPct val="100000"/>
               </a:lnSpc>
@@ -13149,22 +13927,12 @@
                 <a:tab algn="l" pos="0"/>
               </a:tabLst>
             </a:pPr>
-            <a:r>
-              <a:rPr b="0" lang="en-US" sz="1800" spc="-1" strike="noStrike" baseline="-25000">
-                <a:solidFill>
-                  <a:srgbClr val="000000"/>
-                </a:solidFill>
-                <a:latin typeface="Arial"/>
-                <a:ea typeface="Arial"/>
-              </a:rPr>
-              <a:t> </a:t>
-            </a:r>
-            <a:endParaRPr b="0" lang="en-US" sz="1800" spc="-1" strike="noStrike">
-              <a:latin typeface="Arial"/>
-            </a:endParaRPr>
-          </a:p>
-          <a:p>
-            <a:pPr>
+            <a:endParaRPr b="0" lang="en-US" sz="4400" spc="-1" strike="noStrike">
+              <a:latin typeface="Arial"/>
+            </a:endParaRPr>
+          </a:p>
+          <a:p>
+            <a:pPr algn="ctr">
               <a:lnSpc>
                 <a:spcPct val="100000"/>
               </a:lnSpc>
@@ -13173,12 +13941,22 @@
                 <a:tab algn="l" pos="0"/>
               </a:tabLst>
             </a:pPr>
-            <a:endParaRPr b="0" lang="en-US" sz="1800" spc="-1" strike="noStrike">
-              <a:latin typeface="Arial"/>
-            </a:endParaRPr>
-          </a:p>
-          <a:p>
-            <a:pPr>
+            <a:r>
+              <a:rPr b="0" lang="en-US" sz="4400" spc="-1" strike="sngStrike">
+                <a:solidFill>
+                  <a:srgbClr val="ffffff"/>
+                </a:solidFill>
+                <a:latin typeface="Arial"/>
+                <a:ea typeface="Arial"/>
+              </a:rPr>
+              <a:t>What is Many body physics?</a:t>
+            </a:r>
+            <a:endParaRPr b="0" lang="en-US" sz="4400" spc="-1" strike="noStrike">
+              <a:latin typeface="Arial"/>
+            </a:endParaRPr>
+          </a:p>
+          <a:p>
+            <a:pPr algn="ctr">
               <a:lnSpc>
                 <a:spcPct val="100000"/>
               </a:lnSpc>
@@ -13187,12 +13965,32 @@
                 <a:tab algn="l" pos="0"/>
               </a:tabLst>
             </a:pPr>
-            <a:endParaRPr b="0" lang="en-US" sz="1800" spc="-1" strike="noStrike">
-              <a:latin typeface="Arial"/>
-            </a:endParaRPr>
-          </a:p>
-          <a:p>
-            <a:pPr>
+            <a:r>
+              <a:rPr b="0" lang="en-US" sz="4400" spc="-1" strike="sngStrike">
+                <a:solidFill>
+                  <a:srgbClr val="ffffff"/>
+                </a:solidFill>
+                <a:latin typeface="Arial"/>
+                <a:ea typeface="Arial"/>
+              </a:rPr>
+              <a:t>What is DMFT?</a:t>
+            </a:r>
+            <a:r>
+              <a:rPr b="0" lang="en-US" sz="4400" spc="-1" strike="noStrike">
+                <a:solidFill>
+                  <a:srgbClr val="81d41a"/>
+                </a:solidFill>
+                <a:latin typeface="Arial"/>
+                <a:ea typeface="Arial"/>
+              </a:rPr>
+              <a:t> </a:t>
+            </a:r>
+            <a:endParaRPr b="0" lang="en-US" sz="4400" spc="-1" strike="noStrike">
+              <a:latin typeface="Arial"/>
+            </a:endParaRPr>
+          </a:p>
+          <a:p>
+            <a:pPr algn="ctr">
               <a:lnSpc>
                 <a:spcPct val="100000"/>
               </a:lnSpc>
@@ -13201,176 +13999,69 @@
                 <a:tab algn="l" pos="0"/>
               </a:tabLst>
             </a:pPr>
-            <a:endParaRPr b="0" lang="en-US" sz="1800" spc="-1" strike="noStrike">
-              <a:latin typeface="Arial"/>
-            </a:endParaRPr>
-          </a:p>
-        </p:txBody>
-      </p:sp>
-      <p:sp>
-        <p:nvSpPr>
-          <p:cNvPr id="218" name=""/>
-          <p:cNvSpPr txBox="1"/>
-          <p:nvPr/>
-        </p:nvSpPr>
-        <p:spPr>
-          <a:xfrm>
-            <a:off x="224280" y="776520"/>
-            <a:ext cx="8215920" cy="4697640"/>
-          </a:xfrm>
-          <a:prstGeom prst="rect">
-            <a:avLst/>
-          </a:prstGeom>
-          <a:noFill/>
-          <a:ln w="0">
-            <a:noFill/>
-          </a:ln>
-        </p:spPr>
-        <p:txBody>
-          <a:bodyPr lIns="90000" rIns="90000" tIns="45000" bIns="45000" anchor="t">
-            <a:noAutofit/>
-          </a:bodyPr>
-          <a:p>
-            <a:r>
-              <a:rPr b="0" lang="en-US" sz="1800" spc="-1" strike="noStrike">
-                <a:solidFill>
-                  <a:srgbClr val="ffffff"/>
-                </a:solidFill>
-                <a:latin typeface="Arial"/>
-              </a:rPr>
-              <a:t>So far: electronic Hamilonians</a:t>
-            </a:r>
-            <a:endParaRPr b="0" lang="en-US" sz="1800" spc="-1" strike="noStrike">
-              <a:latin typeface="Arial"/>
-            </a:endParaRPr>
-          </a:p>
-          <a:p>
-            <a:endParaRPr b="0" lang="en-US" sz="1800" spc="-1" strike="noStrike">
-              <a:latin typeface="Arial"/>
-            </a:endParaRPr>
-          </a:p>
-          <a:p>
-            <a:r>
-              <a:rPr b="0" lang="en-US" sz="1800" spc="-1" strike="noStrike">
-                <a:solidFill>
-                  <a:srgbClr val="ffffff"/>
-                </a:solidFill>
-                <a:latin typeface="Arial"/>
-              </a:rPr>
-              <a:t>Now: how do we deal with the wavefunction?  </a:t>
-            </a:r>
-            <a:endParaRPr b="0" lang="en-US" sz="1800" spc="-1" strike="noStrike">
-              <a:latin typeface="Arial"/>
-            </a:endParaRPr>
-          </a:p>
-          <a:p>
-            <a:endParaRPr b="0" lang="en-US" sz="1800" spc="-1" strike="noStrike">
-              <a:latin typeface="Arial"/>
-            </a:endParaRPr>
-          </a:p>
-          <a:p>
-            <a:endParaRPr b="0" lang="en-US" sz="1800" spc="-1" strike="noStrike">
-              <a:latin typeface="Arial"/>
-            </a:endParaRPr>
-          </a:p>
-          <a:p>
-            <a:endParaRPr b="0" lang="en-US" sz="1800" spc="-1" strike="noStrike">
-              <a:latin typeface="Arial"/>
-            </a:endParaRPr>
-          </a:p>
-          <a:p>
-            <a:endParaRPr b="0" lang="en-US" sz="1800" spc="-1" strike="noStrike">
-              <a:latin typeface="Arial"/>
-            </a:endParaRPr>
-          </a:p>
-          <a:p>
-            <a:endParaRPr b="0" lang="en-US" sz="1800" spc="-1" strike="noStrike">
-              <a:latin typeface="Arial"/>
-            </a:endParaRPr>
-          </a:p>
-          <a:p>
-            <a:endParaRPr b="0" lang="en-US" sz="1800" spc="-1" strike="noStrike">
-              <a:latin typeface="Arial"/>
-            </a:endParaRPr>
-          </a:p>
-          <a:p>
-            <a:endParaRPr b="0" lang="en-US" sz="1800" spc="-1" strike="noStrike">
-              <a:latin typeface="Arial"/>
-            </a:endParaRPr>
-          </a:p>
-          <a:p>
-            <a:endParaRPr b="0" lang="en-US" sz="1800" spc="-1" strike="noStrike">
-              <a:latin typeface="Arial"/>
-            </a:endParaRPr>
-          </a:p>
-          <a:p>
-            <a:endParaRPr b="0" lang="en-US" sz="1800" spc="-1" strike="noStrike">
-              <a:latin typeface="Arial"/>
-            </a:endParaRPr>
-          </a:p>
-          <a:p>
-            <a:endParaRPr b="0" lang="en-US" sz="1800" spc="-1" strike="noStrike">
-              <a:latin typeface="Arial"/>
-            </a:endParaRPr>
-          </a:p>
-          <a:p>
-            <a:endParaRPr b="0" lang="en-US" sz="1800" spc="-1" strike="noStrike">
-              <a:latin typeface="Arial"/>
-            </a:endParaRPr>
-          </a:p>
-          <a:p>
-            <a:r>
-              <a:rPr b="0" lang="en-US" sz="1800" spc="-1" strike="noStrike">
-                <a:solidFill>
-                  <a:srgbClr val="ffffff"/>
-                </a:solidFill>
-                <a:latin typeface="Arial"/>
-              </a:rPr>
-              <a:t>Problem: Expensive computationally or not good enough</a:t>
-            </a:r>
-            <a:endParaRPr b="0" lang="en-US" sz="1800" spc="-1" strike="noStrike">
-              <a:latin typeface="Arial"/>
-            </a:endParaRPr>
-          </a:p>
-          <a:p>
-            <a:r>
-              <a:rPr b="0" lang="en-US" sz="1800" spc="-1" strike="noStrike">
-                <a:solidFill>
-                  <a:srgbClr val="ffffff"/>
-                </a:solidFill>
-                <a:latin typeface="Arial"/>
-              </a:rPr>
-              <a:t>  </a:t>
-            </a:r>
-            <a:endParaRPr b="0" lang="en-US" sz="1800" spc="-1" strike="noStrike">
-              <a:latin typeface="Arial"/>
-            </a:endParaRPr>
-          </a:p>
-          <a:p>
-            <a:endParaRPr b="0" lang="en-US" sz="1800" spc="-1" strike="noStrike">
-              <a:latin typeface="Arial"/>
-            </a:endParaRPr>
-          </a:p>
-          <a:p>
-            <a:r>
-              <a:rPr b="0" lang="en-US" sz="1800" spc="-1" strike="noStrike">
-                <a:solidFill>
-                  <a:srgbClr val="ffffff"/>
-                </a:solidFill>
-                <a:latin typeface="Arial"/>
-              </a:rPr>
-              <a:t>	</a:t>
-            </a:r>
-            <a:r>
-              <a:rPr b="0" lang="en-US" sz="1800" spc="-1" strike="noStrike">
-                <a:solidFill>
-                  <a:srgbClr val="ffffff"/>
-                </a:solidFill>
-                <a:latin typeface="Arial"/>
-              </a:rPr>
-              <a:t>	</a:t>
-            </a:r>
-            <a:endParaRPr b="0" lang="en-US" sz="1800" spc="-1" strike="noStrike">
+            <a:r>
+              <a:rPr b="0" lang="en-US" sz="4400" spc="-1" strike="noStrike">
+                <a:solidFill>
+                  <a:srgbClr val="81d41a"/>
+                </a:solidFill>
+                <a:latin typeface="Arial"/>
+                <a:ea typeface="Arial"/>
+              </a:rPr>
+              <a:t>What are topological materials?</a:t>
+            </a:r>
+            <a:endParaRPr b="0" lang="en-US" sz="4400" spc="-1" strike="noStrike">
+              <a:latin typeface="Arial"/>
+            </a:endParaRPr>
+          </a:p>
+          <a:p>
+            <a:pPr algn="ctr">
+              <a:lnSpc>
+                <a:spcPct val="100000"/>
+              </a:lnSpc>
+              <a:buNone/>
+              <a:tabLst>
+                <a:tab algn="l" pos="0"/>
+              </a:tabLst>
+            </a:pPr>
+            <a:r>
+              <a:rPr b="0" lang="en-US" sz="4400" spc="-1" strike="noStrike">
+                <a:solidFill>
+                  <a:srgbClr val="ffffff"/>
+                </a:solidFill>
+                <a:latin typeface="Arial"/>
+                <a:ea typeface="Arial"/>
+              </a:rPr>
+              <a:t>How are these related?</a:t>
+            </a:r>
+            <a:endParaRPr b="0" lang="en-US" sz="4400" spc="-1" strike="noStrike">
+              <a:latin typeface="Arial"/>
+            </a:endParaRPr>
+          </a:p>
+          <a:p>
+            <a:pPr algn="ctr">
+              <a:lnSpc>
+                <a:spcPct val="100000"/>
+              </a:lnSpc>
+              <a:buNone/>
+              <a:tabLst>
+                <a:tab algn="l" pos="0"/>
+              </a:tabLst>
+            </a:pPr>
+            <a:endParaRPr b="0" lang="en-US" sz="4400" spc="-1" strike="noStrike">
+              <a:latin typeface="Arial"/>
+            </a:endParaRPr>
+          </a:p>
+          <a:p>
+            <a:pPr algn="ctr">
+              <a:lnSpc>
+                <a:spcPct val="100000"/>
+              </a:lnSpc>
+              <a:buNone/>
+              <a:tabLst>
+                <a:tab algn="l" pos="0"/>
+              </a:tabLst>
+            </a:pPr>
+            <a:endParaRPr b="0" lang="en-US" sz="4400" spc="-1" strike="noStrike">
               <a:latin typeface="Arial"/>
             </a:endParaRPr>
           </a:p>
@@ -13403,7 +14094,7 @@
       </p:grpSpPr>
       <p:sp>
         <p:nvSpPr>
-          <p:cNvPr id="219" name="Google Shape;135;p 7"/>
+          <p:cNvPr id="218" name="Google Shape;135;p 6"/>
           <p:cNvSpPr/>
           <p:nvPr/>
         </p:nvSpPr>
@@ -13448,37 +14139,7 @@
                 <a:latin typeface="Arial"/>
                 <a:ea typeface="Arial"/>
               </a:rPr>
-              <a:t>Strongly Correlated Topolgical Materials: Bi</a:t>
-            </a:r>
-            <a:r>
-              <a:rPr b="0" lang="en-US" sz="3000" spc="-1" strike="noStrike" baseline="-8000">
-                <a:solidFill>
-                  <a:srgbClr val="ffffff"/>
-                </a:solidFill>
-                <a:latin typeface="Arial"/>
-                <a:ea typeface="Arial"/>
-              </a:rPr>
-              <a:t>2</a:t>
-            </a:r>
-            <a:r>
-              <a:rPr b="0" lang="en-US" sz="3000" spc="-1" strike="noStrike">
-                <a:solidFill>
-                  <a:srgbClr val="ffffff"/>
-                </a:solidFill>
-                <a:latin typeface="Arial"/>
-                <a:ea typeface="Arial"/>
-              </a:rPr>
-              <a:t>Se</a:t>
-            </a:r>
-            <a:r>
-              <a:rPr b="0" lang="en-US" sz="3000" spc="-1" strike="noStrike" baseline="-8000">
-                <a:solidFill>
-                  <a:srgbClr val="ffffff"/>
-                </a:solidFill>
-                <a:latin typeface="Arial"/>
-                <a:ea typeface="Arial"/>
-              </a:rPr>
-              <a:t>3</a:t>
+              <a:t>Topological Materials: Introduction</a:t>
             </a:r>
             <a:endParaRPr b="0" lang="en-US" sz="3000" spc="-1" strike="noStrike">
               <a:latin typeface="Arial"/>
@@ -13488,7 +14149,7 @@
       </p:sp>
       <p:sp>
         <p:nvSpPr>
-          <p:cNvPr id="220" name="Google Shape;136;p 7"/>
+          <p:cNvPr id="219" name="Google Shape;136;p 6"/>
           <p:cNvSpPr/>
           <p:nvPr/>
         </p:nvSpPr>
@@ -13585,7 +14246,7 @@
       </p:sp>
       <p:sp>
         <p:nvSpPr>
-          <p:cNvPr id="221" name=""/>
+          <p:cNvPr id="220" name=""/>
           <p:cNvSpPr txBox="1"/>
           <p:nvPr/>
         </p:nvSpPr>
@@ -13779,14 +14440,14 @@
       </p:grpSpPr>
       <p:sp>
         <p:nvSpPr>
-          <p:cNvPr id="222" name="Google Shape;135;p 8"/>
+          <p:cNvPr id="221" name="Google Shape;165;p 4"/>
           <p:cNvSpPr/>
           <p:nvPr/>
         </p:nvSpPr>
         <p:spPr>
           <a:xfrm>
-            <a:off x="116280" y="72720"/>
-            <a:ext cx="9026640" cy="2737080"/>
+            <a:off x="232200" y="1025640"/>
+            <a:ext cx="8571960" cy="2367360"/>
           </a:xfrm>
           <a:prstGeom prst="rect">
             <a:avLst/>
@@ -13807,7 +14468,7 @@
             <a:noAutofit/>
           </a:bodyPr>
           <a:p>
-            <a:pPr algn="ctr">
+            <a:pPr>
               <a:lnSpc>
                 <a:spcPct val="100000"/>
               </a:lnSpc>
@@ -13816,32 +14477,106 @@
                 <a:tab algn="l" pos="0"/>
               </a:tabLst>
             </a:pPr>
-            <a:r>
-              <a:rPr b="0" lang="en-US" sz="3000" spc="-1" strike="noStrike">
-                <a:solidFill>
-                  <a:srgbClr val="ffffff"/>
-                </a:solidFill>
-                <a:latin typeface="Arial"/>
-                <a:ea typeface="Arial"/>
-              </a:rPr>
-              <a:t>Flat Bands??? </a:t>
-            </a:r>
-            <a:endParaRPr b="0" lang="en-US" sz="3000" spc="-1" strike="noStrike">
-              <a:latin typeface="Arial"/>
-            </a:endParaRPr>
-          </a:p>
-        </p:txBody>
-      </p:sp>
-      <p:sp>
-        <p:nvSpPr>
-          <p:cNvPr id="223" name="Google Shape;136;p 8"/>
+            <a:endParaRPr b="0" lang="en-US" sz="1800" spc="-1" strike="noStrike">
+              <a:latin typeface="Arial"/>
+            </a:endParaRPr>
+          </a:p>
+          <a:p>
+            <a:pPr>
+              <a:lnSpc>
+                <a:spcPct val="100000"/>
+              </a:lnSpc>
+              <a:buNone/>
+              <a:tabLst>
+                <a:tab algn="l" pos="0"/>
+              </a:tabLst>
+            </a:pPr>
+            <a:endParaRPr b="0" lang="en-US" sz="1800" spc="-1" strike="noStrike">
+              <a:latin typeface="Arial"/>
+            </a:endParaRPr>
+          </a:p>
+          <a:p>
+            <a:pPr>
+              <a:lnSpc>
+                <a:spcPct val="100000"/>
+              </a:lnSpc>
+              <a:buNone/>
+              <a:tabLst>
+                <a:tab algn="l" pos="0"/>
+              </a:tabLst>
+            </a:pPr>
+            <a:endParaRPr b="0" lang="en-US" sz="1800" spc="-1" strike="noStrike">
+              <a:latin typeface="Arial"/>
+            </a:endParaRPr>
+          </a:p>
+          <a:p>
+            <a:pPr>
+              <a:lnSpc>
+                <a:spcPct val="100000"/>
+              </a:lnSpc>
+              <a:buNone/>
+              <a:tabLst>
+                <a:tab algn="l" pos="0"/>
+              </a:tabLst>
+            </a:pPr>
+            <a:endParaRPr b="0" lang="en-US" sz="1800" spc="-1" strike="noStrike">
+              <a:latin typeface="Arial"/>
+            </a:endParaRPr>
+          </a:p>
+          <a:p>
+            <a:pPr>
+              <a:lnSpc>
+                <a:spcPct val="100000"/>
+              </a:lnSpc>
+              <a:buNone/>
+              <a:tabLst>
+                <a:tab algn="l" pos="0"/>
+              </a:tabLst>
+            </a:pPr>
+            <a:endParaRPr b="0" lang="en-US" sz="1800" spc="-1" strike="noStrike">
+              <a:latin typeface="Arial"/>
+            </a:endParaRPr>
+          </a:p>
+          <a:p>
+            <a:pPr>
+              <a:lnSpc>
+                <a:spcPct val="100000"/>
+              </a:lnSpc>
+              <a:buNone/>
+              <a:tabLst>
+                <a:tab algn="l" pos="0"/>
+              </a:tabLst>
+            </a:pPr>
+            <a:endParaRPr b="0" lang="en-US" sz="1800" spc="-1" strike="noStrike">
+              <a:latin typeface="Arial"/>
+            </a:endParaRPr>
+          </a:p>
+          <a:p>
+            <a:pPr>
+              <a:lnSpc>
+                <a:spcPct val="100000"/>
+              </a:lnSpc>
+              <a:buNone/>
+              <a:tabLst>
+                <a:tab algn="l" pos="0"/>
+              </a:tabLst>
+            </a:pPr>
+            <a:endParaRPr b="0" lang="en-US" sz="1800" spc="-1" strike="noStrike">
+              <a:latin typeface="Arial"/>
+            </a:endParaRPr>
+          </a:p>
+        </p:txBody>
+      </p:sp>
+      <p:sp>
+        <p:nvSpPr>
+          <p:cNvPr id="222" name="Google Shape;167;p 5"/>
           <p:cNvSpPr/>
           <p:nvPr/>
         </p:nvSpPr>
         <p:spPr>
           <a:xfrm>
-            <a:off x="409680" y="1025640"/>
-            <a:ext cx="8951760" cy="1217520"/>
+            <a:off x="0" y="291600"/>
+            <a:ext cx="8804160" cy="2737080"/>
           </a:xfrm>
           <a:prstGeom prst="rect">
             <a:avLst/>
@@ -13862,7 +14597,7 @@
             <a:noAutofit/>
           </a:bodyPr>
           <a:p>
-            <a:pPr>
+            <a:pPr algn="ctr">
               <a:lnSpc>
                 <a:spcPct val="100000"/>
               </a:lnSpc>
@@ -13871,22 +14606,12 @@
                 <a:tab algn="l" pos="0"/>
               </a:tabLst>
             </a:pPr>
-            <a:r>
-              <a:rPr b="0" lang="en-US" sz="1800" spc="-1" strike="noStrike" baseline="-25000">
-                <a:solidFill>
-                  <a:srgbClr val="000000"/>
-                </a:solidFill>
-                <a:latin typeface="Arial"/>
-                <a:ea typeface="Arial"/>
-              </a:rPr>
-              <a:t> </a:t>
-            </a:r>
-            <a:endParaRPr b="0" lang="en-US" sz="1800" spc="-1" strike="noStrike">
-              <a:latin typeface="Arial"/>
-            </a:endParaRPr>
-          </a:p>
-          <a:p>
-            <a:pPr>
+            <a:endParaRPr b="0" lang="en-US" sz="4400" spc="-1" strike="noStrike">
+              <a:latin typeface="Arial"/>
+            </a:endParaRPr>
+          </a:p>
+          <a:p>
+            <a:pPr algn="ctr">
               <a:lnSpc>
                 <a:spcPct val="100000"/>
               </a:lnSpc>
@@ -13895,12 +14620,22 @@
                 <a:tab algn="l" pos="0"/>
               </a:tabLst>
             </a:pPr>
-            <a:endParaRPr b="0" lang="en-US" sz="1800" spc="-1" strike="noStrike">
-              <a:latin typeface="Arial"/>
-            </a:endParaRPr>
-          </a:p>
-          <a:p>
-            <a:pPr>
+            <a:r>
+              <a:rPr b="0" lang="en-US" sz="4400" spc="-1" strike="sngStrike">
+                <a:solidFill>
+                  <a:srgbClr val="ffffff"/>
+                </a:solidFill>
+                <a:latin typeface="Arial"/>
+                <a:ea typeface="Arial"/>
+              </a:rPr>
+              <a:t>What is Many body physics?</a:t>
+            </a:r>
+            <a:endParaRPr b="0" lang="en-US" sz="4400" spc="-1" strike="noStrike">
+              <a:latin typeface="Arial"/>
+            </a:endParaRPr>
+          </a:p>
+          <a:p>
+            <a:pPr algn="ctr">
               <a:lnSpc>
                 <a:spcPct val="100000"/>
               </a:lnSpc>
@@ -13909,12 +14644,32 @@
                 <a:tab algn="l" pos="0"/>
               </a:tabLst>
             </a:pPr>
-            <a:endParaRPr b="0" lang="en-US" sz="1800" spc="-1" strike="noStrike">
-              <a:latin typeface="Arial"/>
-            </a:endParaRPr>
-          </a:p>
-          <a:p>
-            <a:pPr>
+            <a:r>
+              <a:rPr b="0" lang="en-US" sz="4400" spc="-1" strike="sngStrike">
+                <a:solidFill>
+                  <a:srgbClr val="ffffff"/>
+                </a:solidFill>
+                <a:latin typeface="Arial"/>
+                <a:ea typeface="Arial"/>
+              </a:rPr>
+              <a:t>What is DMFT?</a:t>
+            </a:r>
+            <a:r>
+              <a:rPr b="0" lang="en-US" sz="4400" spc="-1" strike="noStrike">
+                <a:solidFill>
+                  <a:srgbClr val="81d41a"/>
+                </a:solidFill>
+                <a:latin typeface="Arial"/>
+                <a:ea typeface="Arial"/>
+              </a:rPr>
+              <a:t> </a:t>
+            </a:r>
+            <a:endParaRPr b="0" lang="en-US" sz="4400" spc="-1" strike="noStrike">
+              <a:latin typeface="Arial"/>
+            </a:endParaRPr>
+          </a:p>
+          <a:p>
+            <a:pPr algn="ctr">
               <a:lnSpc>
                 <a:spcPct val="100000"/>
               </a:lnSpc>
@@ -13923,176 +14678,69 @@
                 <a:tab algn="l" pos="0"/>
               </a:tabLst>
             </a:pPr>
-            <a:endParaRPr b="0" lang="en-US" sz="1800" spc="-1" strike="noStrike">
-              <a:latin typeface="Arial"/>
-            </a:endParaRPr>
-          </a:p>
-        </p:txBody>
-      </p:sp>
-      <p:sp>
-        <p:nvSpPr>
-          <p:cNvPr id="224" name=""/>
-          <p:cNvSpPr txBox="1"/>
-          <p:nvPr/>
-        </p:nvSpPr>
-        <p:spPr>
-          <a:xfrm>
-            <a:off x="224280" y="776520"/>
-            <a:ext cx="8215920" cy="4697640"/>
-          </a:xfrm>
-          <a:prstGeom prst="rect">
-            <a:avLst/>
-          </a:prstGeom>
-          <a:noFill/>
-          <a:ln w="0">
-            <a:noFill/>
-          </a:ln>
-        </p:spPr>
-        <p:txBody>
-          <a:bodyPr lIns="90000" rIns="90000" tIns="45000" bIns="45000" anchor="t">
-            <a:noAutofit/>
-          </a:bodyPr>
-          <a:p>
-            <a:r>
-              <a:rPr b="0" lang="en-US" sz="1800" spc="-1" strike="noStrike">
-                <a:solidFill>
-                  <a:srgbClr val="ffffff"/>
-                </a:solidFill>
-                <a:latin typeface="Arial"/>
-              </a:rPr>
-              <a:t>So far: electronic Hamilonians</a:t>
-            </a:r>
-            <a:endParaRPr b="0" lang="en-US" sz="1800" spc="-1" strike="noStrike">
-              <a:latin typeface="Arial"/>
-            </a:endParaRPr>
-          </a:p>
-          <a:p>
-            <a:endParaRPr b="0" lang="en-US" sz="1800" spc="-1" strike="noStrike">
-              <a:latin typeface="Arial"/>
-            </a:endParaRPr>
-          </a:p>
-          <a:p>
-            <a:r>
-              <a:rPr b="0" lang="en-US" sz="1800" spc="-1" strike="noStrike">
-                <a:solidFill>
-                  <a:srgbClr val="ffffff"/>
-                </a:solidFill>
-                <a:latin typeface="Arial"/>
-              </a:rPr>
-              <a:t>Now: how do we deal with the wavefunction?  </a:t>
-            </a:r>
-            <a:endParaRPr b="0" lang="en-US" sz="1800" spc="-1" strike="noStrike">
-              <a:latin typeface="Arial"/>
-            </a:endParaRPr>
-          </a:p>
-          <a:p>
-            <a:endParaRPr b="0" lang="en-US" sz="1800" spc="-1" strike="noStrike">
-              <a:latin typeface="Arial"/>
-            </a:endParaRPr>
-          </a:p>
-          <a:p>
-            <a:endParaRPr b="0" lang="en-US" sz="1800" spc="-1" strike="noStrike">
-              <a:latin typeface="Arial"/>
-            </a:endParaRPr>
-          </a:p>
-          <a:p>
-            <a:endParaRPr b="0" lang="en-US" sz="1800" spc="-1" strike="noStrike">
-              <a:latin typeface="Arial"/>
-            </a:endParaRPr>
-          </a:p>
-          <a:p>
-            <a:endParaRPr b="0" lang="en-US" sz="1800" spc="-1" strike="noStrike">
-              <a:latin typeface="Arial"/>
-            </a:endParaRPr>
-          </a:p>
-          <a:p>
-            <a:endParaRPr b="0" lang="en-US" sz="1800" spc="-1" strike="noStrike">
-              <a:latin typeface="Arial"/>
-            </a:endParaRPr>
-          </a:p>
-          <a:p>
-            <a:endParaRPr b="0" lang="en-US" sz="1800" spc="-1" strike="noStrike">
-              <a:latin typeface="Arial"/>
-            </a:endParaRPr>
-          </a:p>
-          <a:p>
-            <a:endParaRPr b="0" lang="en-US" sz="1800" spc="-1" strike="noStrike">
-              <a:latin typeface="Arial"/>
-            </a:endParaRPr>
-          </a:p>
-          <a:p>
-            <a:endParaRPr b="0" lang="en-US" sz="1800" spc="-1" strike="noStrike">
-              <a:latin typeface="Arial"/>
-            </a:endParaRPr>
-          </a:p>
-          <a:p>
-            <a:endParaRPr b="0" lang="en-US" sz="1800" spc="-1" strike="noStrike">
-              <a:latin typeface="Arial"/>
-            </a:endParaRPr>
-          </a:p>
-          <a:p>
-            <a:endParaRPr b="0" lang="en-US" sz="1800" spc="-1" strike="noStrike">
-              <a:latin typeface="Arial"/>
-            </a:endParaRPr>
-          </a:p>
-          <a:p>
-            <a:endParaRPr b="0" lang="en-US" sz="1800" spc="-1" strike="noStrike">
-              <a:latin typeface="Arial"/>
-            </a:endParaRPr>
-          </a:p>
-          <a:p>
-            <a:r>
-              <a:rPr b="0" lang="en-US" sz="1800" spc="-1" strike="noStrike">
-                <a:solidFill>
-                  <a:srgbClr val="ffffff"/>
-                </a:solidFill>
-                <a:latin typeface="Arial"/>
-              </a:rPr>
-              <a:t>Problem: Expensive computationally or not good enough</a:t>
-            </a:r>
-            <a:endParaRPr b="0" lang="en-US" sz="1800" spc="-1" strike="noStrike">
-              <a:latin typeface="Arial"/>
-            </a:endParaRPr>
-          </a:p>
-          <a:p>
-            <a:r>
-              <a:rPr b="0" lang="en-US" sz="1800" spc="-1" strike="noStrike">
-                <a:solidFill>
-                  <a:srgbClr val="ffffff"/>
-                </a:solidFill>
-                <a:latin typeface="Arial"/>
-              </a:rPr>
-              <a:t>  </a:t>
-            </a:r>
-            <a:endParaRPr b="0" lang="en-US" sz="1800" spc="-1" strike="noStrike">
-              <a:latin typeface="Arial"/>
-            </a:endParaRPr>
-          </a:p>
-          <a:p>
-            <a:endParaRPr b="0" lang="en-US" sz="1800" spc="-1" strike="noStrike">
-              <a:latin typeface="Arial"/>
-            </a:endParaRPr>
-          </a:p>
-          <a:p>
-            <a:r>
-              <a:rPr b="0" lang="en-US" sz="1800" spc="-1" strike="noStrike">
-                <a:solidFill>
-                  <a:srgbClr val="ffffff"/>
-                </a:solidFill>
-                <a:latin typeface="Arial"/>
-              </a:rPr>
-              <a:t>	</a:t>
-            </a:r>
-            <a:r>
-              <a:rPr b="0" lang="en-US" sz="1800" spc="-1" strike="noStrike">
-                <a:solidFill>
-                  <a:srgbClr val="ffffff"/>
-                </a:solidFill>
-                <a:latin typeface="Arial"/>
-              </a:rPr>
-              <a:t>	</a:t>
-            </a:r>
-            <a:endParaRPr b="0" lang="en-US" sz="1800" spc="-1" strike="noStrike">
+            <a:r>
+              <a:rPr b="0" lang="en-US" sz="4400" spc="-1" strike="sngStrike">
+                <a:solidFill>
+                  <a:srgbClr val="ffffff"/>
+                </a:solidFill>
+                <a:latin typeface="Arial"/>
+                <a:ea typeface="Arial"/>
+              </a:rPr>
+              <a:t>What are topological materials?</a:t>
+            </a:r>
+            <a:endParaRPr b="0" lang="en-US" sz="4400" spc="-1" strike="noStrike">
+              <a:latin typeface="Arial"/>
+            </a:endParaRPr>
+          </a:p>
+          <a:p>
+            <a:pPr algn="ctr">
+              <a:lnSpc>
+                <a:spcPct val="100000"/>
+              </a:lnSpc>
+              <a:buNone/>
+              <a:tabLst>
+                <a:tab algn="l" pos="0"/>
+              </a:tabLst>
+            </a:pPr>
+            <a:r>
+              <a:rPr b="0" lang="en-US" sz="4400" spc="-1" strike="noStrike">
+                <a:solidFill>
+                  <a:srgbClr val="81d41a"/>
+                </a:solidFill>
+                <a:latin typeface="Arial"/>
+                <a:ea typeface="Arial"/>
+              </a:rPr>
+              <a:t>How are these related?</a:t>
+            </a:r>
+            <a:endParaRPr b="0" lang="en-US" sz="4400" spc="-1" strike="noStrike">
+              <a:latin typeface="Arial"/>
+            </a:endParaRPr>
+          </a:p>
+          <a:p>
+            <a:pPr algn="ctr">
+              <a:lnSpc>
+                <a:spcPct val="100000"/>
+              </a:lnSpc>
+              <a:buNone/>
+              <a:tabLst>
+                <a:tab algn="l" pos="0"/>
+              </a:tabLst>
+            </a:pPr>
+            <a:endParaRPr b="0" lang="en-US" sz="4400" spc="-1" strike="noStrike">
+              <a:latin typeface="Arial"/>
+            </a:endParaRPr>
+          </a:p>
+          <a:p>
+            <a:pPr algn="ctr">
+              <a:lnSpc>
+                <a:spcPct val="100000"/>
+              </a:lnSpc>
+              <a:buNone/>
+              <a:tabLst>
+                <a:tab algn="l" pos="0"/>
+              </a:tabLst>
+            </a:pPr>
+            <a:endParaRPr b="0" lang="en-US" sz="4400" spc="-1" strike="noStrike">
               <a:latin typeface="Arial"/>
             </a:endParaRPr>
           </a:p>
@@ -14125,7 +14773,1448 @@
       </p:grpSpPr>
       <p:sp>
         <p:nvSpPr>
-          <p:cNvPr id="225" name="PlaceHolder 1"/>
+          <p:cNvPr id="223" name="Google Shape;135;p 7"/>
+          <p:cNvSpPr/>
+          <p:nvPr/>
+        </p:nvSpPr>
+        <p:spPr>
+          <a:xfrm>
+            <a:off x="116280" y="72720"/>
+            <a:ext cx="9026640" cy="2737080"/>
+          </a:xfrm>
+          <a:prstGeom prst="rect">
+            <a:avLst/>
+          </a:prstGeom>
+          <a:noFill/>
+          <a:ln w="0">
+            <a:noFill/>
+          </a:ln>
+        </p:spPr>
+        <p:style>
+          <a:lnRef idx="0"/>
+          <a:fillRef idx="0"/>
+          <a:effectRef idx="0"/>
+          <a:fontRef idx="minor"/>
+        </p:style>
+        <p:txBody>
+          <a:bodyPr lIns="90000" rIns="90000" tIns="45000" bIns="45000" anchor="t">
+            <a:noAutofit/>
+          </a:bodyPr>
+          <a:p>
+            <a:pPr algn="ctr">
+              <a:lnSpc>
+                <a:spcPct val="100000"/>
+              </a:lnSpc>
+              <a:buNone/>
+              <a:tabLst>
+                <a:tab algn="l" pos="0"/>
+              </a:tabLst>
+            </a:pPr>
+            <a:r>
+              <a:rPr b="0" lang="en-US" sz="3000" spc="-1" strike="noStrike">
+                <a:solidFill>
+                  <a:srgbClr val="ffffff"/>
+                </a:solidFill>
+                <a:latin typeface="Arial"/>
+                <a:ea typeface="Arial"/>
+              </a:rPr>
+              <a:t>Strongly Correlated Topolgical Materials: Bi</a:t>
+            </a:r>
+            <a:r>
+              <a:rPr b="0" lang="en-US" sz="3000" spc="-1" strike="noStrike" baseline="-8000">
+                <a:solidFill>
+                  <a:srgbClr val="ffffff"/>
+                </a:solidFill>
+                <a:latin typeface="Arial"/>
+                <a:ea typeface="Arial"/>
+              </a:rPr>
+              <a:t>2</a:t>
+            </a:r>
+            <a:r>
+              <a:rPr b="0" lang="en-US" sz="3000" spc="-1" strike="noStrike">
+                <a:solidFill>
+                  <a:srgbClr val="ffffff"/>
+                </a:solidFill>
+                <a:latin typeface="Arial"/>
+                <a:ea typeface="Arial"/>
+              </a:rPr>
+              <a:t>Se</a:t>
+            </a:r>
+            <a:r>
+              <a:rPr b="0" lang="en-US" sz="3000" spc="-1" strike="noStrike" baseline="-8000">
+                <a:solidFill>
+                  <a:srgbClr val="ffffff"/>
+                </a:solidFill>
+                <a:latin typeface="Arial"/>
+                <a:ea typeface="Arial"/>
+              </a:rPr>
+              <a:t>3</a:t>
+            </a:r>
+            <a:endParaRPr b="0" lang="en-US" sz="3000" spc="-1" strike="noStrike">
+              <a:latin typeface="Arial"/>
+            </a:endParaRPr>
+          </a:p>
+        </p:txBody>
+      </p:sp>
+      <p:sp>
+        <p:nvSpPr>
+          <p:cNvPr id="224" name="Google Shape;136;p 7"/>
+          <p:cNvSpPr/>
+          <p:nvPr/>
+        </p:nvSpPr>
+        <p:spPr>
+          <a:xfrm>
+            <a:off x="409680" y="1025640"/>
+            <a:ext cx="8951760" cy="1217520"/>
+          </a:xfrm>
+          <a:prstGeom prst="rect">
+            <a:avLst/>
+          </a:prstGeom>
+          <a:noFill/>
+          <a:ln w="0">
+            <a:noFill/>
+          </a:ln>
+        </p:spPr>
+        <p:style>
+          <a:lnRef idx="0"/>
+          <a:fillRef idx="0"/>
+          <a:effectRef idx="0"/>
+          <a:fontRef idx="minor"/>
+        </p:style>
+        <p:txBody>
+          <a:bodyPr lIns="90000" rIns="90000" tIns="45000" bIns="45000" anchor="t">
+            <a:noAutofit/>
+          </a:bodyPr>
+          <a:p>
+            <a:pPr>
+              <a:lnSpc>
+                <a:spcPct val="100000"/>
+              </a:lnSpc>
+              <a:buNone/>
+              <a:tabLst>
+                <a:tab algn="l" pos="0"/>
+              </a:tabLst>
+            </a:pPr>
+            <a:r>
+              <a:rPr b="0" lang="en-US" sz="1800" spc="-1" strike="noStrike" baseline="-25000">
+                <a:solidFill>
+                  <a:srgbClr val="000000"/>
+                </a:solidFill>
+                <a:latin typeface="Arial"/>
+                <a:ea typeface="Arial"/>
+              </a:rPr>
+              <a:t> </a:t>
+            </a:r>
+            <a:endParaRPr b="0" lang="en-US" sz="1800" spc="-1" strike="noStrike">
+              <a:latin typeface="Arial"/>
+            </a:endParaRPr>
+          </a:p>
+          <a:p>
+            <a:pPr>
+              <a:lnSpc>
+                <a:spcPct val="100000"/>
+              </a:lnSpc>
+              <a:buNone/>
+              <a:tabLst>
+                <a:tab algn="l" pos="0"/>
+              </a:tabLst>
+            </a:pPr>
+            <a:endParaRPr b="0" lang="en-US" sz="1800" spc="-1" strike="noStrike">
+              <a:latin typeface="Arial"/>
+            </a:endParaRPr>
+          </a:p>
+          <a:p>
+            <a:pPr>
+              <a:lnSpc>
+                <a:spcPct val="100000"/>
+              </a:lnSpc>
+              <a:buNone/>
+              <a:tabLst>
+                <a:tab algn="l" pos="0"/>
+              </a:tabLst>
+            </a:pPr>
+            <a:endParaRPr b="0" lang="en-US" sz="1800" spc="-1" strike="noStrike">
+              <a:latin typeface="Arial"/>
+            </a:endParaRPr>
+          </a:p>
+          <a:p>
+            <a:pPr>
+              <a:lnSpc>
+                <a:spcPct val="100000"/>
+              </a:lnSpc>
+              <a:buNone/>
+              <a:tabLst>
+                <a:tab algn="l" pos="0"/>
+              </a:tabLst>
+            </a:pPr>
+            <a:endParaRPr b="0" lang="en-US" sz="1800" spc="-1" strike="noStrike">
+              <a:latin typeface="Arial"/>
+            </a:endParaRPr>
+          </a:p>
+        </p:txBody>
+      </p:sp>
+      <p:sp>
+        <p:nvSpPr>
+          <p:cNvPr id="225" name=""/>
+          <p:cNvSpPr txBox="1"/>
+          <p:nvPr/>
+        </p:nvSpPr>
+        <p:spPr>
+          <a:xfrm>
+            <a:off x="224280" y="776520"/>
+            <a:ext cx="8215920" cy="4697640"/>
+          </a:xfrm>
+          <a:prstGeom prst="rect">
+            <a:avLst/>
+          </a:prstGeom>
+          <a:noFill/>
+          <a:ln w="0">
+            <a:noFill/>
+          </a:ln>
+        </p:spPr>
+        <p:txBody>
+          <a:bodyPr lIns="90000" rIns="90000" tIns="45000" bIns="45000" anchor="t">
+            <a:noAutofit/>
+          </a:bodyPr>
+          <a:p>
+            <a:r>
+              <a:rPr b="0" lang="en-US" sz="1800" spc="-1" strike="noStrike">
+                <a:solidFill>
+                  <a:srgbClr val="ffffff"/>
+                </a:solidFill>
+                <a:latin typeface="Arial"/>
+              </a:rPr>
+              <a:t>So far: electronic Hamilonians</a:t>
+            </a:r>
+            <a:endParaRPr b="0" lang="en-US" sz="1800" spc="-1" strike="noStrike">
+              <a:latin typeface="Arial"/>
+            </a:endParaRPr>
+          </a:p>
+          <a:p>
+            <a:endParaRPr b="0" lang="en-US" sz="1800" spc="-1" strike="noStrike">
+              <a:latin typeface="Arial"/>
+            </a:endParaRPr>
+          </a:p>
+          <a:p>
+            <a:r>
+              <a:rPr b="0" lang="en-US" sz="1800" spc="-1" strike="noStrike">
+                <a:solidFill>
+                  <a:srgbClr val="ffffff"/>
+                </a:solidFill>
+                <a:latin typeface="Arial"/>
+              </a:rPr>
+              <a:t>Now: how do we deal with the wavefunction?  </a:t>
+            </a:r>
+            <a:endParaRPr b="0" lang="en-US" sz="1800" spc="-1" strike="noStrike">
+              <a:latin typeface="Arial"/>
+            </a:endParaRPr>
+          </a:p>
+          <a:p>
+            <a:endParaRPr b="0" lang="en-US" sz="1800" spc="-1" strike="noStrike">
+              <a:latin typeface="Arial"/>
+            </a:endParaRPr>
+          </a:p>
+          <a:p>
+            <a:endParaRPr b="0" lang="en-US" sz="1800" spc="-1" strike="noStrike">
+              <a:latin typeface="Arial"/>
+            </a:endParaRPr>
+          </a:p>
+          <a:p>
+            <a:endParaRPr b="0" lang="en-US" sz="1800" spc="-1" strike="noStrike">
+              <a:latin typeface="Arial"/>
+            </a:endParaRPr>
+          </a:p>
+          <a:p>
+            <a:endParaRPr b="0" lang="en-US" sz="1800" spc="-1" strike="noStrike">
+              <a:latin typeface="Arial"/>
+            </a:endParaRPr>
+          </a:p>
+          <a:p>
+            <a:endParaRPr b="0" lang="en-US" sz="1800" spc="-1" strike="noStrike">
+              <a:latin typeface="Arial"/>
+            </a:endParaRPr>
+          </a:p>
+          <a:p>
+            <a:endParaRPr b="0" lang="en-US" sz="1800" spc="-1" strike="noStrike">
+              <a:latin typeface="Arial"/>
+            </a:endParaRPr>
+          </a:p>
+          <a:p>
+            <a:endParaRPr b="0" lang="en-US" sz="1800" spc="-1" strike="noStrike">
+              <a:latin typeface="Arial"/>
+            </a:endParaRPr>
+          </a:p>
+          <a:p>
+            <a:endParaRPr b="0" lang="en-US" sz="1800" spc="-1" strike="noStrike">
+              <a:latin typeface="Arial"/>
+            </a:endParaRPr>
+          </a:p>
+          <a:p>
+            <a:endParaRPr b="0" lang="en-US" sz="1800" spc="-1" strike="noStrike">
+              <a:latin typeface="Arial"/>
+            </a:endParaRPr>
+          </a:p>
+          <a:p>
+            <a:endParaRPr b="0" lang="en-US" sz="1800" spc="-1" strike="noStrike">
+              <a:latin typeface="Arial"/>
+            </a:endParaRPr>
+          </a:p>
+          <a:p>
+            <a:endParaRPr b="0" lang="en-US" sz="1800" spc="-1" strike="noStrike">
+              <a:latin typeface="Arial"/>
+            </a:endParaRPr>
+          </a:p>
+          <a:p>
+            <a:r>
+              <a:rPr b="0" lang="en-US" sz="1800" spc="-1" strike="noStrike">
+                <a:solidFill>
+                  <a:srgbClr val="ffffff"/>
+                </a:solidFill>
+                <a:latin typeface="Arial"/>
+              </a:rPr>
+              <a:t>Problem: Expensive computationally or not good enough</a:t>
+            </a:r>
+            <a:endParaRPr b="0" lang="en-US" sz="1800" spc="-1" strike="noStrike">
+              <a:latin typeface="Arial"/>
+            </a:endParaRPr>
+          </a:p>
+          <a:p>
+            <a:r>
+              <a:rPr b="0" lang="en-US" sz="1800" spc="-1" strike="noStrike">
+                <a:solidFill>
+                  <a:srgbClr val="ffffff"/>
+                </a:solidFill>
+                <a:latin typeface="Arial"/>
+              </a:rPr>
+              <a:t>  </a:t>
+            </a:r>
+            <a:endParaRPr b="0" lang="en-US" sz="1800" spc="-1" strike="noStrike">
+              <a:latin typeface="Arial"/>
+            </a:endParaRPr>
+          </a:p>
+          <a:p>
+            <a:endParaRPr b="0" lang="en-US" sz="1800" spc="-1" strike="noStrike">
+              <a:latin typeface="Arial"/>
+            </a:endParaRPr>
+          </a:p>
+          <a:p>
+            <a:r>
+              <a:rPr b="0" lang="en-US" sz="1800" spc="-1" strike="noStrike">
+                <a:solidFill>
+                  <a:srgbClr val="ffffff"/>
+                </a:solidFill>
+                <a:latin typeface="Arial"/>
+              </a:rPr>
+              <a:t>	</a:t>
+            </a:r>
+            <a:r>
+              <a:rPr b="0" lang="en-US" sz="1800" spc="-1" strike="noStrike">
+                <a:solidFill>
+                  <a:srgbClr val="ffffff"/>
+                </a:solidFill>
+                <a:latin typeface="Arial"/>
+              </a:rPr>
+              <a:t>	</a:t>
+            </a:r>
+            <a:endParaRPr b="0" lang="en-US" sz="1800" spc="-1" strike="noStrike">
+              <a:latin typeface="Arial"/>
+            </a:endParaRPr>
+          </a:p>
+        </p:txBody>
+      </p:sp>
+    </p:spTree>
+  </p:cSld>
+  <p:transition>
+    <p:fade/>
+  </p:transition>
+</p:sld>
+</file>
+
+<file path=ppt/slides/slide16.xml><?xml version="1.0" encoding="utf-8"?>
+<p:sld xmlns:a="http://schemas.openxmlformats.org/drawingml/2006/main" xmlns:p="http://schemas.openxmlformats.org/presentationml/2006/main" xmlns:r="http://schemas.openxmlformats.org/officeDocument/2006/relationships" xmlns:p14="http://schemas.microsoft.com/office/powerpoint/2010/main" xmlns:p15="http://schemas.microsoft.com/office/powerpoint/2012/main" xmlns:mc="http://schemas.openxmlformats.org/markup-compatibility/2006">
+  <p:cSld>
+    <p:spTree>
+      <p:nvGrpSpPr>
+        <p:cNvPr id="1" name=""/>
+        <p:cNvGrpSpPr/>
+        <p:nvPr/>
+      </p:nvGrpSpPr>
+      <p:grpSpPr>
+        <a:xfrm>
+          <a:off x="0" y="0"/>
+          <a:ext cx="0" cy="0"/>
+          <a:chOff x="0" y="0"/>
+          <a:chExt cx="0" cy="0"/>
+        </a:xfrm>
+      </p:grpSpPr>
+      <p:sp>
+        <p:nvSpPr>
+          <p:cNvPr id="226" name="Google Shape;135;p 8"/>
+          <p:cNvSpPr/>
+          <p:nvPr/>
+        </p:nvSpPr>
+        <p:spPr>
+          <a:xfrm>
+            <a:off x="116280" y="72720"/>
+            <a:ext cx="9026640" cy="2737080"/>
+          </a:xfrm>
+          <a:prstGeom prst="rect">
+            <a:avLst/>
+          </a:prstGeom>
+          <a:noFill/>
+          <a:ln w="0">
+            <a:noFill/>
+          </a:ln>
+        </p:spPr>
+        <p:style>
+          <a:lnRef idx="0"/>
+          <a:fillRef idx="0"/>
+          <a:effectRef idx="0"/>
+          <a:fontRef idx="minor"/>
+        </p:style>
+        <p:txBody>
+          <a:bodyPr lIns="90000" rIns="90000" tIns="45000" bIns="45000" anchor="t">
+            <a:noAutofit/>
+          </a:bodyPr>
+          <a:p>
+            <a:pPr algn="ctr">
+              <a:lnSpc>
+                <a:spcPct val="100000"/>
+              </a:lnSpc>
+              <a:buNone/>
+              <a:tabLst>
+                <a:tab algn="l" pos="0"/>
+              </a:tabLst>
+            </a:pPr>
+            <a:r>
+              <a:rPr b="0" lang="en-US" sz="3000" spc="-1" strike="noStrike">
+                <a:solidFill>
+                  <a:srgbClr val="ffffff"/>
+                </a:solidFill>
+                <a:latin typeface="Arial"/>
+                <a:ea typeface="Arial"/>
+              </a:rPr>
+              <a:t>Flat Bands??? </a:t>
+            </a:r>
+            <a:endParaRPr b="0" lang="en-US" sz="3000" spc="-1" strike="noStrike">
+              <a:latin typeface="Arial"/>
+            </a:endParaRPr>
+          </a:p>
+        </p:txBody>
+      </p:sp>
+      <p:sp>
+        <p:nvSpPr>
+          <p:cNvPr id="227" name="Google Shape;136;p 8"/>
+          <p:cNvSpPr/>
+          <p:nvPr/>
+        </p:nvSpPr>
+        <p:spPr>
+          <a:xfrm>
+            <a:off x="409680" y="1025640"/>
+            <a:ext cx="8951760" cy="1217520"/>
+          </a:xfrm>
+          <a:prstGeom prst="rect">
+            <a:avLst/>
+          </a:prstGeom>
+          <a:noFill/>
+          <a:ln w="0">
+            <a:noFill/>
+          </a:ln>
+        </p:spPr>
+        <p:style>
+          <a:lnRef idx="0"/>
+          <a:fillRef idx="0"/>
+          <a:effectRef idx="0"/>
+          <a:fontRef idx="minor"/>
+        </p:style>
+        <p:txBody>
+          <a:bodyPr lIns="90000" rIns="90000" tIns="45000" bIns="45000" anchor="t">
+            <a:noAutofit/>
+          </a:bodyPr>
+          <a:p>
+            <a:pPr>
+              <a:lnSpc>
+                <a:spcPct val="100000"/>
+              </a:lnSpc>
+              <a:buNone/>
+              <a:tabLst>
+                <a:tab algn="l" pos="0"/>
+              </a:tabLst>
+            </a:pPr>
+            <a:r>
+              <a:rPr b="0" lang="en-US" sz="1800" spc="-1" strike="noStrike" baseline="-25000">
+                <a:solidFill>
+                  <a:srgbClr val="000000"/>
+                </a:solidFill>
+                <a:latin typeface="Arial"/>
+                <a:ea typeface="Arial"/>
+              </a:rPr>
+              <a:t> </a:t>
+            </a:r>
+            <a:endParaRPr b="0" lang="en-US" sz="1800" spc="-1" strike="noStrike">
+              <a:latin typeface="Arial"/>
+            </a:endParaRPr>
+          </a:p>
+          <a:p>
+            <a:pPr>
+              <a:lnSpc>
+                <a:spcPct val="100000"/>
+              </a:lnSpc>
+              <a:buNone/>
+              <a:tabLst>
+                <a:tab algn="l" pos="0"/>
+              </a:tabLst>
+            </a:pPr>
+            <a:endParaRPr b="0" lang="en-US" sz="1800" spc="-1" strike="noStrike">
+              <a:latin typeface="Arial"/>
+            </a:endParaRPr>
+          </a:p>
+          <a:p>
+            <a:pPr>
+              <a:lnSpc>
+                <a:spcPct val="100000"/>
+              </a:lnSpc>
+              <a:buNone/>
+              <a:tabLst>
+                <a:tab algn="l" pos="0"/>
+              </a:tabLst>
+            </a:pPr>
+            <a:endParaRPr b="0" lang="en-US" sz="1800" spc="-1" strike="noStrike">
+              <a:latin typeface="Arial"/>
+            </a:endParaRPr>
+          </a:p>
+          <a:p>
+            <a:pPr>
+              <a:lnSpc>
+                <a:spcPct val="100000"/>
+              </a:lnSpc>
+              <a:buNone/>
+              <a:tabLst>
+                <a:tab algn="l" pos="0"/>
+              </a:tabLst>
+            </a:pPr>
+            <a:endParaRPr b="0" lang="en-US" sz="1800" spc="-1" strike="noStrike">
+              <a:latin typeface="Arial"/>
+            </a:endParaRPr>
+          </a:p>
+        </p:txBody>
+      </p:sp>
+      <p:sp>
+        <p:nvSpPr>
+          <p:cNvPr id="228" name=""/>
+          <p:cNvSpPr txBox="1"/>
+          <p:nvPr/>
+        </p:nvSpPr>
+        <p:spPr>
+          <a:xfrm>
+            <a:off x="224280" y="776520"/>
+            <a:ext cx="8215920" cy="4697640"/>
+          </a:xfrm>
+          <a:prstGeom prst="rect">
+            <a:avLst/>
+          </a:prstGeom>
+          <a:noFill/>
+          <a:ln w="0">
+            <a:noFill/>
+          </a:ln>
+        </p:spPr>
+        <p:txBody>
+          <a:bodyPr lIns="90000" rIns="90000" tIns="45000" bIns="45000" anchor="t">
+            <a:noAutofit/>
+          </a:bodyPr>
+          <a:p>
+            <a:r>
+              <a:rPr b="0" lang="en-US" sz="1800" spc="-1" strike="noStrike">
+                <a:solidFill>
+                  <a:srgbClr val="ffffff"/>
+                </a:solidFill>
+                <a:latin typeface="Arial"/>
+              </a:rPr>
+              <a:t>So far: electronic </a:t>
+            </a:r>
+            <a:r>
+              <a:rPr b="0" lang="en-US" sz="1800" spc="-1" strike="noStrike">
+                <a:solidFill>
+                  <a:srgbClr val="ffffff"/>
+                </a:solidFill>
+                <a:latin typeface="Arial"/>
+              </a:rPr>
+              <a:t>Hamilonians</a:t>
+            </a:r>
+            <a:endParaRPr b="0" lang="en-US" sz="1800" spc="-1" strike="noStrike">
+              <a:latin typeface="Arial"/>
+            </a:endParaRPr>
+          </a:p>
+          <a:p>
+            <a:endParaRPr b="0" lang="en-US" sz="1800" spc="-1" strike="noStrike">
+              <a:latin typeface="Arial"/>
+            </a:endParaRPr>
+          </a:p>
+          <a:p>
+            <a:r>
+              <a:rPr b="0" lang="en-US" sz="1800" spc="-1" strike="noStrike">
+                <a:solidFill>
+                  <a:srgbClr val="ffffff"/>
+                </a:solidFill>
+                <a:latin typeface="Arial"/>
+              </a:rPr>
+              <a:t>Now: how do we deal </a:t>
+            </a:r>
+            <a:r>
+              <a:rPr b="0" lang="en-US" sz="1800" spc="-1" strike="noStrike">
+                <a:solidFill>
+                  <a:srgbClr val="ffffff"/>
+                </a:solidFill>
+                <a:latin typeface="Arial"/>
+              </a:rPr>
+              <a:t>with the wavefunction?  </a:t>
+            </a:r>
+            <a:endParaRPr b="0" lang="en-US" sz="1800" spc="-1" strike="noStrike">
+              <a:latin typeface="Arial"/>
+            </a:endParaRPr>
+          </a:p>
+          <a:p>
+            <a:endParaRPr b="0" lang="en-US" sz="1800" spc="-1" strike="noStrike">
+              <a:latin typeface="Arial"/>
+            </a:endParaRPr>
+          </a:p>
+          <a:p>
+            <a:endParaRPr b="0" lang="en-US" sz="1800" spc="-1" strike="noStrike">
+              <a:latin typeface="Arial"/>
+            </a:endParaRPr>
+          </a:p>
+          <a:p>
+            <a:endParaRPr b="0" lang="en-US" sz="1800" spc="-1" strike="noStrike">
+              <a:latin typeface="Arial"/>
+            </a:endParaRPr>
+          </a:p>
+          <a:p>
+            <a:endParaRPr b="0" lang="en-US" sz="1800" spc="-1" strike="noStrike">
+              <a:latin typeface="Arial"/>
+            </a:endParaRPr>
+          </a:p>
+          <a:p>
+            <a:endParaRPr b="0" lang="en-US" sz="1800" spc="-1" strike="noStrike">
+              <a:latin typeface="Arial"/>
+            </a:endParaRPr>
+          </a:p>
+          <a:p>
+            <a:endParaRPr b="0" lang="en-US" sz="1800" spc="-1" strike="noStrike">
+              <a:latin typeface="Arial"/>
+            </a:endParaRPr>
+          </a:p>
+          <a:p>
+            <a:endParaRPr b="0" lang="en-US" sz="1800" spc="-1" strike="noStrike">
+              <a:latin typeface="Arial"/>
+            </a:endParaRPr>
+          </a:p>
+          <a:p>
+            <a:endParaRPr b="0" lang="en-US" sz="1800" spc="-1" strike="noStrike">
+              <a:latin typeface="Arial"/>
+            </a:endParaRPr>
+          </a:p>
+          <a:p>
+            <a:endParaRPr b="0" lang="en-US" sz="1800" spc="-1" strike="noStrike">
+              <a:latin typeface="Arial"/>
+            </a:endParaRPr>
+          </a:p>
+          <a:p>
+            <a:endParaRPr b="0" lang="en-US" sz="1800" spc="-1" strike="noStrike">
+              <a:latin typeface="Arial"/>
+            </a:endParaRPr>
+          </a:p>
+          <a:p>
+            <a:endParaRPr b="0" lang="en-US" sz="1800" spc="-1" strike="noStrike">
+              <a:latin typeface="Arial"/>
+            </a:endParaRPr>
+          </a:p>
+          <a:p>
+            <a:r>
+              <a:rPr b="0" lang="en-US" sz="1800" spc="-1" strike="noStrike">
+                <a:solidFill>
+                  <a:srgbClr val="ffffff"/>
+                </a:solidFill>
+                <a:latin typeface="Arial"/>
+              </a:rPr>
+              <a:t>Problem: Expensive </a:t>
+            </a:r>
+            <a:r>
+              <a:rPr b="0" lang="en-US" sz="1800" spc="-1" strike="noStrike">
+                <a:solidFill>
+                  <a:srgbClr val="ffffff"/>
+                </a:solidFill>
+                <a:latin typeface="Arial"/>
+              </a:rPr>
+              <a:t>computationally or not </a:t>
+            </a:r>
+            <a:r>
+              <a:rPr b="0" lang="en-US" sz="1800" spc="-1" strike="noStrike">
+                <a:solidFill>
+                  <a:srgbClr val="ffffff"/>
+                </a:solidFill>
+                <a:latin typeface="Arial"/>
+              </a:rPr>
+              <a:t>good enough</a:t>
+            </a:r>
+            <a:endParaRPr b="0" lang="en-US" sz="1800" spc="-1" strike="noStrike">
+              <a:latin typeface="Arial"/>
+            </a:endParaRPr>
+          </a:p>
+          <a:p>
+            <a:r>
+              <a:rPr b="0" lang="en-US" sz="1800" spc="-1" strike="noStrike">
+                <a:solidFill>
+                  <a:srgbClr val="ffffff"/>
+                </a:solidFill>
+                <a:latin typeface="Arial"/>
+              </a:rPr>
+              <a:t>  </a:t>
+            </a:r>
+            <a:endParaRPr b="0" lang="en-US" sz="1800" spc="-1" strike="noStrike">
+              <a:latin typeface="Arial"/>
+            </a:endParaRPr>
+          </a:p>
+          <a:p>
+            <a:endParaRPr b="0" lang="en-US" sz="1800" spc="-1" strike="noStrike">
+              <a:latin typeface="Arial"/>
+            </a:endParaRPr>
+          </a:p>
+          <a:p>
+            <a:r>
+              <a:rPr b="0" lang="en-US" sz="1800" spc="-1" strike="noStrike">
+                <a:solidFill>
+                  <a:srgbClr val="ffffff"/>
+                </a:solidFill>
+                <a:latin typeface="Arial"/>
+              </a:rPr>
+              <a:t>	</a:t>
+            </a:r>
+            <a:r>
+              <a:rPr b="0" lang="en-US" sz="1800" spc="-1" strike="noStrike">
+                <a:solidFill>
+                  <a:srgbClr val="ffffff"/>
+                </a:solidFill>
+                <a:latin typeface="Arial"/>
+              </a:rPr>
+              <a:t>	</a:t>
+            </a:r>
+            <a:endParaRPr b="0" lang="en-US" sz="1800" spc="-1" strike="noStrike">
+              <a:latin typeface="Arial"/>
+            </a:endParaRPr>
+          </a:p>
+        </p:txBody>
+      </p:sp>
+    </p:spTree>
+  </p:cSld>
+  <p:transition>
+    <p:fade/>
+  </p:transition>
+</p:sld>
+</file>
+
+<file path=ppt/slides/slide17.xml><?xml version="1.0" encoding="utf-8"?>
+<p:sld xmlns:a="http://schemas.openxmlformats.org/drawingml/2006/main" xmlns:p="http://schemas.openxmlformats.org/presentationml/2006/main" xmlns:r="http://schemas.openxmlformats.org/officeDocument/2006/relationships" xmlns:p14="http://schemas.microsoft.com/office/powerpoint/2010/main" xmlns:p15="http://schemas.microsoft.com/office/powerpoint/2012/main" xmlns:mc="http://schemas.openxmlformats.org/markup-compatibility/2006">
+  <p:cSld>
+    <p:spTree>
+      <p:nvGrpSpPr>
+        <p:cNvPr id="1" name=""/>
+        <p:cNvGrpSpPr/>
+        <p:nvPr/>
+      </p:nvGrpSpPr>
+      <p:grpSpPr>
+        <a:xfrm>
+          <a:off x="0" y="0"/>
+          <a:ext cx="0" cy="0"/>
+          <a:chOff x="0" y="0"/>
+          <a:chExt cx="0" cy="0"/>
+        </a:xfrm>
+      </p:grpSpPr>
+      <p:sp>
+        <p:nvSpPr>
+          <p:cNvPr id="229" name="Google Shape;135;p 11"/>
+          <p:cNvSpPr/>
+          <p:nvPr/>
+        </p:nvSpPr>
+        <p:spPr>
+          <a:xfrm>
+            <a:off x="116280" y="72720"/>
+            <a:ext cx="9026640" cy="2737080"/>
+          </a:xfrm>
+          <a:prstGeom prst="rect">
+            <a:avLst/>
+          </a:prstGeom>
+          <a:noFill/>
+          <a:ln w="0">
+            <a:noFill/>
+          </a:ln>
+        </p:spPr>
+        <p:style>
+          <a:lnRef idx="0"/>
+          <a:fillRef idx="0"/>
+          <a:effectRef idx="0"/>
+          <a:fontRef idx="minor"/>
+        </p:style>
+        <p:txBody>
+          <a:bodyPr lIns="90000" rIns="90000" tIns="45000" bIns="45000" anchor="t">
+            <a:noAutofit/>
+          </a:bodyPr>
+          <a:p>
+            <a:pPr algn="ctr">
+              <a:lnSpc>
+                <a:spcPct val="100000"/>
+              </a:lnSpc>
+              <a:buNone/>
+              <a:tabLst>
+                <a:tab algn="l" pos="0"/>
+              </a:tabLst>
+            </a:pPr>
+            <a:r>
+              <a:rPr b="0" lang="en-US" sz="3000" spc="-1" strike="noStrike">
+                <a:solidFill>
+                  <a:srgbClr val="ffffff"/>
+                </a:solidFill>
+                <a:latin typeface="Arial"/>
+                <a:ea typeface="Arial"/>
+              </a:rPr>
+              <a:t>F</a:t>
+            </a:r>
+            <a:r>
+              <a:rPr b="0" lang="en-US" sz="3000" spc="-1" strike="noStrike">
+                <a:solidFill>
+                  <a:srgbClr val="ffffff"/>
+                </a:solidFill>
+                <a:latin typeface="Arial"/>
+                <a:ea typeface="Arial"/>
+              </a:rPr>
+              <a:t>la</a:t>
+            </a:r>
+            <a:r>
+              <a:rPr b="0" lang="en-US" sz="3000" spc="-1" strike="noStrike">
+                <a:solidFill>
+                  <a:srgbClr val="ffffff"/>
+                </a:solidFill>
+                <a:latin typeface="Arial"/>
+                <a:ea typeface="Arial"/>
+              </a:rPr>
+              <a:t>t </a:t>
+            </a:r>
+            <a:r>
+              <a:rPr b="0" lang="en-US" sz="3000" spc="-1" strike="noStrike">
+                <a:solidFill>
+                  <a:srgbClr val="ffffff"/>
+                </a:solidFill>
+                <a:latin typeface="Arial"/>
+                <a:ea typeface="Arial"/>
+              </a:rPr>
+              <a:t>B</a:t>
+            </a:r>
+            <a:r>
+              <a:rPr b="0" lang="en-US" sz="3000" spc="-1" strike="noStrike">
+                <a:solidFill>
+                  <a:srgbClr val="ffffff"/>
+                </a:solidFill>
+                <a:latin typeface="Arial"/>
+                <a:ea typeface="Arial"/>
+              </a:rPr>
+              <a:t>a</a:t>
+            </a:r>
+            <a:r>
+              <a:rPr b="0" lang="en-US" sz="3000" spc="-1" strike="noStrike">
+                <a:solidFill>
+                  <a:srgbClr val="ffffff"/>
+                </a:solidFill>
+                <a:latin typeface="Arial"/>
+                <a:ea typeface="Arial"/>
+              </a:rPr>
+              <a:t>n</a:t>
+            </a:r>
+            <a:r>
+              <a:rPr b="0" lang="en-US" sz="3000" spc="-1" strike="noStrike">
+                <a:solidFill>
+                  <a:srgbClr val="ffffff"/>
+                </a:solidFill>
+                <a:latin typeface="Arial"/>
+                <a:ea typeface="Arial"/>
+              </a:rPr>
+              <a:t>d</a:t>
+            </a:r>
+            <a:r>
+              <a:rPr b="0" lang="en-US" sz="3000" spc="-1" strike="noStrike">
+                <a:solidFill>
+                  <a:srgbClr val="ffffff"/>
+                </a:solidFill>
+                <a:latin typeface="Arial"/>
+                <a:ea typeface="Arial"/>
+              </a:rPr>
+              <a:t>s</a:t>
+            </a:r>
+            <a:r>
+              <a:rPr b="0" lang="en-US" sz="3000" spc="-1" strike="noStrike">
+                <a:solidFill>
+                  <a:srgbClr val="ffffff"/>
+                </a:solidFill>
+                <a:latin typeface="Arial"/>
+                <a:ea typeface="Arial"/>
+              </a:rPr>
+              <a:t>?</a:t>
+            </a:r>
+            <a:r>
+              <a:rPr b="0" lang="en-US" sz="3000" spc="-1" strike="noStrike">
+                <a:solidFill>
+                  <a:srgbClr val="ffffff"/>
+                </a:solidFill>
+                <a:latin typeface="Arial"/>
+                <a:ea typeface="Arial"/>
+              </a:rPr>
+              <a:t>?</a:t>
+            </a:r>
+            <a:r>
+              <a:rPr b="0" lang="en-US" sz="3000" spc="-1" strike="noStrike">
+                <a:solidFill>
+                  <a:srgbClr val="ffffff"/>
+                </a:solidFill>
+                <a:latin typeface="Arial"/>
+                <a:ea typeface="Arial"/>
+              </a:rPr>
+              <a:t>? </a:t>
+            </a:r>
+            <a:endParaRPr b="0" lang="en-US" sz="3000" spc="-1" strike="noStrike">
+              <a:latin typeface="Arial"/>
+            </a:endParaRPr>
+          </a:p>
+        </p:txBody>
+      </p:sp>
+      <p:sp>
+        <p:nvSpPr>
+          <p:cNvPr id="230" name="Google Shape;136;p 12"/>
+          <p:cNvSpPr/>
+          <p:nvPr/>
+        </p:nvSpPr>
+        <p:spPr>
+          <a:xfrm>
+            <a:off x="409680" y="1025640"/>
+            <a:ext cx="8951760" cy="1217520"/>
+          </a:xfrm>
+          <a:prstGeom prst="rect">
+            <a:avLst/>
+          </a:prstGeom>
+          <a:noFill/>
+          <a:ln w="0">
+            <a:noFill/>
+          </a:ln>
+        </p:spPr>
+        <p:style>
+          <a:lnRef idx="0"/>
+          <a:fillRef idx="0"/>
+          <a:effectRef idx="0"/>
+          <a:fontRef idx="minor"/>
+        </p:style>
+        <p:txBody>
+          <a:bodyPr lIns="90000" rIns="90000" tIns="45000" bIns="45000" anchor="t">
+            <a:noAutofit/>
+          </a:bodyPr>
+          <a:p>
+            <a:pPr>
+              <a:lnSpc>
+                <a:spcPct val="100000"/>
+              </a:lnSpc>
+              <a:buNone/>
+              <a:tabLst>
+                <a:tab algn="l" pos="0"/>
+              </a:tabLst>
+            </a:pPr>
+            <a:r>
+              <a:rPr b="0" lang="en-US" sz="1800" spc="-1" strike="noStrike" baseline="-25000">
+                <a:solidFill>
+                  <a:srgbClr val="000000"/>
+                </a:solidFill>
+                <a:latin typeface="Arial"/>
+                <a:ea typeface="Arial"/>
+              </a:rPr>
+              <a:t> </a:t>
+            </a:r>
+            <a:endParaRPr b="0" lang="en-US" sz="1800" spc="-1" strike="noStrike">
+              <a:latin typeface="Arial"/>
+            </a:endParaRPr>
+          </a:p>
+          <a:p>
+            <a:pPr>
+              <a:lnSpc>
+                <a:spcPct val="100000"/>
+              </a:lnSpc>
+              <a:buNone/>
+              <a:tabLst>
+                <a:tab algn="l" pos="0"/>
+              </a:tabLst>
+            </a:pPr>
+            <a:endParaRPr b="0" lang="en-US" sz="1800" spc="-1" strike="noStrike">
+              <a:latin typeface="Arial"/>
+            </a:endParaRPr>
+          </a:p>
+          <a:p>
+            <a:pPr>
+              <a:lnSpc>
+                <a:spcPct val="100000"/>
+              </a:lnSpc>
+              <a:buNone/>
+              <a:tabLst>
+                <a:tab algn="l" pos="0"/>
+              </a:tabLst>
+            </a:pPr>
+            <a:endParaRPr b="0" lang="en-US" sz="1800" spc="-1" strike="noStrike">
+              <a:latin typeface="Arial"/>
+            </a:endParaRPr>
+          </a:p>
+          <a:p>
+            <a:pPr>
+              <a:lnSpc>
+                <a:spcPct val="100000"/>
+              </a:lnSpc>
+              <a:buNone/>
+              <a:tabLst>
+                <a:tab algn="l" pos="0"/>
+              </a:tabLst>
+            </a:pPr>
+            <a:endParaRPr b="0" lang="en-US" sz="1800" spc="-1" strike="noStrike">
+              <a:latin typeface="Arial"/>
+            </a:endParaRPr>
+          </a:p>
+        </p:txBody>
+      </p:sp>
+      <p:sp>
+        <p:nvSpPr>
+          <p:cNvPr id="231" name=""/>
+          <p:cNvSpPr txBox="1"/>
+          <p:nvPr/>
+        </p:nvSpPr>
+        <p:spPr>
+          <a:xfrm>
+            <a:off x="224280" y="776520"/>
+            <a:ext cx="8215920" cy="4697640"/>
+          </a:xfrm>
+          <a:prstGeom prst="rect">
+            <a:avLst/>
+          </a:prstGeom>
+          <a:noFill/>
+          <a:ln w="0">
+            <a:noFill/>
+          </a:ln>
+        </p:spPr>
+        <p:txBody>
+          <a:bodyPr lIns="90000" rIns="90000" tIns="45000" bIns="45000" anchor="t">
+            <a:noAutofit/>
+          </a:bodyPr>
+          <a:p>
+            <a:r>
+              <a:rPr b="0" lang="en-US" sz="1800" spc="-1" strike="noStrike">
+                <a:solidFill>
+                  <a:srgbClr val="ffffff"/>
+                </a:solidFill>
+                <a:latin typeface="Arial"/>
+              </a:rPr>
+              <a:t>So far: electronic Hamilonians</a:t>
+            </a:r>
+            <a:endParaRPr b="0" lang="en-US" sz="1800" spc="-1" strike="noStrike">
+              <a:latin typeface="Arial"/>
+            </a:endParaRPr>
+          </a:p>
+          <a:p>
+            <a:endParaRPr b="0" lang="en-US" sz="1800" spc="-1" strike="noStrike">
+              <a:latin typeface="Arial"/>
+            </a:endParaRPr>
+          </a:p>
+          <a:p>
+            <a:r>
+              <a:rPr b="0" lang="en-US" sz="1800" spc="-1" strike="noStrike">
+                <a:solidFill>
+                  <a:srgbClr val="ffffff"/>
+                </a:solidFill>
+                <a:latin typeface="Arial"/>
+              </a:rPr>
+              <a:t>Now: how do we deal with the wavefunction?  </a:t>
+            </a:r>
+            <a:endParaRPr b="0" lang="en-US" sz="1800" spc="-1" strike="noStrike">
+              <a:latin typeface="Arial"/>
+            </a:endParaRPr>
+          </a:p>
+          <a:p>
+            <a:endParaRPr b="0" lang="en-US" sz="1800" spc="-1" strike="noStrike">
+              <a:latin typeface="Arial"/>
+            </a:endParaRPr>
+          </a:p>
+          <a:p>
+            <a:endParaRPr b="0" lang="en-US" sz="1800" spc="-1" strike="noStrike">
+              <a:latin typeface="Arial"/>
+            </a:endParaRPr>
+          </a:p>
+          <a:p>
+            <a:endParaRPr b="0" lang="en-US" sz="1800" spc="-1" strike="noStrike">
+              <a:latin typeface="Arial"/>
+            </a:endParaRPr>
+          </a:p>
+          <a:p>
+            <a:endParaRPr b="0" lang="en-US" sz="1800" spc="-1" strike="noStrike">
+              <a:latin typeface="Arial"/>
+            </a:endParaRPr>
+          </a:p>
+          <a:p>
+            <a:endParaRPr b="0" lang="en-US" sz="1800" spc="-1" strike="noStrike">
+              <a:latin typeface="Arial"/>
+            </a:endParaRPr>
+          </a:p>
+          <a:p>
+            <a:endParaRPr b="0" lang="en-US" sz="1800" spc="-1" strike="noStrike">
+              <a:latin typeface="Arial"/>
+            </a:endParaRPr>
+          </a:p>
+          <a:p>
+            <a:endParaRPr b="0" lang="en-US" sz="1800" spc="-1" strike="noStrike">
+              <a:latin typeface="Arial"/>
+            </a:endParaRPr>
+          </a:p>
+          <a:p>
+            <a:endParaRPr b="0" lang="en-US" sz="1800" spc="-1" strike="noStrike">
+              <a:latin typeface="Arial"/>
+            </a:endParaRPr>
+          </a:p>
+          <a:p>
+            <a:endParaRPr b="0" lang="en-US" sz="1800" spc="-1" strike="noStrike">
+              <a:latin typeface="Arial"/>
+            </a:endParaRPr>
+          </a:p>
+          <a:p>
+            <a:endParaRPr b="0" lang="en-US" sz="1800" spc="-1" strike="noStrike">
+              <a:latin typeface="Arial"/>
+            </a:endParaRPr>
+          </a:p>
+          <a:p>
+            <a:endParaRPr b="0" lang="en-US" sz="1800" spc="-1" strike="noStrike">
+              <a:latin typeface="Arial"/>
+            </a:endParaRPr>
+          </a:p>
+          <a:p>
+            <a:r>
+              <a:rPr b="0" lang="en-US" sz="1800" spc="-1" strike="noStrike">
+                <a:solidFill>
+                  <a:srgbClr val="ffffff"/>
+                </a:solidFill>
+                <a:latin typeface="Arial"/>
+              </a:rPr>
+              <a:t>Problem: Expensive computationally or not good enough</a:t>
+            </a:r>
+            <a:endParaRPr b="0" lang="en-US" sz="1800" spc="-1" strike="noStrike">
+              <a:latin typeface="Arial"/>
+            </a:endParaRPr>
+          </a:p>
+          <a:p>
+            <a:r>
+              <a:rPr b="0" lang="en-US" sz="1800" spc="-1" strike="noStrike">
+                <a:solidFill>
+                  <a:srgbClr val="ffffff"/>
+                </a:solidFill>
+                <a:latin typeface="Arial"/>
+              </a:rPr>
+              <a:t>  </a:t>
+            </a:r>
+            <a:endParaRPr b="0" lang="en-US" sz="1800" spc="-1" strike="noStrike">
+              <a:latin typeface="Arial"/>
+            </a:endParaRPr>
+          </a:p>
+          <a:p>
+            <a:endParaRPr b="0" lang="en-US" sz="1800" spc="-1" strike="noStrike">
+              <a:latin typeface="Arial"/>
+            </a:endParaRPr>
+          </a:p>
+          <a:p>
+            <a:r>
+              <a:rPr b="0" lang="en-US" sz="1800" spc="-1" strike="noStrike">
+                <a:solidFill>
+                  <a:srgbClr val="ffffff"/>
+                </a:solidFill>
+                <a:latin typeface="Arial"/>
+              </a:rPr>
+              <a:t>	</a:t>
+            </a:r>
+            <a:r>
+              <a:rPr b="0" lang="en-US" sz="1800" spc="-1" strike="noStrike">
+                <a:solidFill>
+                  <a:srgbClr val="ffffff"/>
+                </a:solidFill>
+                <a:latin typeface="Arial"/>
+              </a:rPr>
+              <a:t>	</a:t>
+            </a:r>
+            <a:endParaRPr b="0" lang="en-US" sz="1800" spc="-1" strike="noStrike">
+              <a:latin typeface="Arial"/>
+            </a:endParaRPr>
+          </a:p>
+        </p:txBody>
+      </p:sp>
+    </p:spTree>
+  </p:cSld>
+  <p:transition>
+    <p:fade/>
+  </p:transition>
+</p:sld>
+</file>
+
+<file path=ppt/slides/slide18.xml><?xml version="1.0" encoding="utf-8"?>
+<p:sld xmlns:a="http://schemas.openxmlformats.org/drawingml/2006/main" xmlns:p="http://schemas.openxmlformats.org/presentationml/2006/main" xmlns:r="http://schemas.openxmlformats.org/officeDocument/2006/relationships" xmlns:p14="http://schemas.microsoft.com/office/powerpoint/2010/main" xmlns:p15="http://schemas.microsoft.com/office/powerpoint/2012/main" xmlns:mc="http://schemas.openxmlformats.org/markup-compatibility/2006">
+  <p:cSld>
+    <p:spTree>
+      <p:nvGrpSpPr>
+        <p:cNvPr id="1" name=""/>
+        <p:cNvGrpSpPr/>
+        <p:nvPr/>
+      </p:nvGrpSpPr>
+      <p:grpSpPr>
+        <a:xfrm>
+          <a:off x="0" y="0"/>
+          <a:ext cx="0" cy="0"/>
+          <a:chOff x="0" y="0"/>
+          <a:chExt cx="0" cy="0"/>
+        </a:xfrm>
+      </p:grpSpPr>
+      <p:sp>
+        <p:nvSpPr>
+          <p:cNvPr id="232" name="Google Shape;165;p 5"/>
+          <p:cNvSpPr/>
+          <p:nvPr/>
+        </p:nvSpPr>
+        <p:spPr>
+          <a:xfrm>
+            <a:off x="232200" y="1025640"/>
+            <a:ext cx="8571960" cy="2367360"/>
+          </a:xfrm>
+          <a:prstGeom prst="rect">
+            <a:avLst/>
+          </a:prstGeom>
+          <a:noFill/>
+          <a:ln w="0">
+            <a:noFill/>
+          </a:ln>
+        </p:spPr>
+        <p:style>
+          <a:lnRef idx="0"/>
+          <a:fillRef idx="0"/>
+          <a:effectRef idx="0"/>
+          <a:fontRef idx="minor"/>
+        </p:style>
+        <p:txBody>
+          <a:bodyPr lIns="90000" rIns="90000" tIns="45000" bIns="45000" anchor="t">
+            <a:noAutofit/>
+          </a:bodyPr>
+          <a:p>
+            <a:pPr>
+              <a:lnSpc>
+                <a:spcPct val="100000"/>
+              </a:lnSpc>
+              <a:buNone/>
+              <a:tabLst>
+                <a:tab algn="l" pos="0"/>
+              </a:tabLst>
+            </a:pPr>
+            <a:endParaRPr b="0" lang="en-US" sz="1800" spc="-1" strike="noStrike">
+              <a:latin typeface="Arial"/>
+            </a:endParaRPr>
+          </a:p>
+          <a:p>
+            <a:pPr>
+              <a:lnSpc>
+                <a:spcPct val="100000"/>
+              </a:lnSpc>
+              <a:buNone/>
+              <a:tabLst>
+                <a:tab algn="l" pos="0"/>
+              </a:tabLst>
+            </a:pPr>
+            <a:endParaRPr b="0" lang="en-US" sz="1800" spc="-1" strike="noStrike">
+              <a:latin typeface="Arial"/>
+            </a:endParaRPr>
+          </a:p>
+          <a:p>
+            <a:pPr>
+              <a:lnSpc>
+                <a:spcPct val="100000"/>
+              </a:lnSpc>
+              <a:buNone/>
+              <a:tabLst>
+                <a:tab algn="l" pos="0"/>
+              </a:tabLst>
+            </a:pPr>
+            <a:endParaRPr b="0" lang="en-US" sz="1800" spc="-1" strike="noStrike">
+              <a:latin typeface="Arial"/>
+            </a:endParaRPr>
+          </a:p>
+          <a:p>
+            <a:pPr>
+              <a:lnSpc>
+                <a:spcPct val="100000"/>
+              </a:lnSpc>
+              <a:buNone/>
+              <a:tabLst>
+                <a:tab algn="l" pos="0"/>
+              </a:tabLst>
+            </a:pPr>
+            <a:endParaRPr b="0" lang="en-US" sz="1800" spc="-1" strike="noStrike">
+              <a:latin typeface="Arial"/>
+            </a:endParaRPr>
+          </a:p>
+          <a:p>
+            <a:pPr>
+              <a:lnSpc>
+                <a:spcPct val="100000"/>
+              </a:lnSpc>
+              <a:buNone/>
+              <a:tabLst>
+                <a:tab algn="l" pos="0"/>
+              </a:tabLst>
+            </a:pPr>
+            <a:endParaRPr b="0" lang="en-US" sz="1800" spc="-1" strike="noStrike">
+              <a:latin typeface="Arial"/>
+            </a:endParaRPr>
+          </a:p>
+          <a:p>
+            <a:pPr>
+              <a:lnSpc>
+                <a:spcPct val="100000"/>
+              </a:lnSpc>
+              <a:buNone/>
+              <a:tabLst>
+                <a:tab algn="l" pos="0"/>
+              </a:tabLst>
+            </a:pPr>
+            <a:endParaRPr b="0" lang="en-US" sz="1800" spc="-1" strike="noStrike">
+              <a:latin typeface="Arial"/>
+            </a:endParaRPr>
+          </a:p>
+          <a:p>
+            <a:pPr>
+              <a:lnSpc>
+                <a:spcPct val="100000"/>
+              </a:lnSpc>
+              <a:buNone/>
+              <a:tabLst>
+                <a:tab algn="l" pos="0"/>
+              </a:tabLst>
+            </a:pPr>
+            <a:endParaRPr b="0" lang="en-US" sz="1800" spc="-1" strike="noStrike">
+              <a:latin typeface="Arial"/>
+            </a:endParaRPr>
+          </a:p>
+        </p:txBody>
+      </p:sp>
+      <p:sp>
+        <p:nvSpPr>
+          <p:cNvPr id="233" name="Google Shape;167;p 6"/>
+          <p:cNvSpPr/>
+          <p:nvPr/>
+        </p:nvSpPr>
+        <p:spPr>
+          <a:xfrm>
+            <a:off x="0" y="291600"/>
+            <a:ext cx="8804160" cy="2737080"/>
+          </a:xfrm>
+          <a:prstGeom prst="rect">
+            <a:avLst/>
+          </a:prstGeom>
+          <a:noFill/>
+          <a:ln w="0">
+            <a:noFill/>
+          </a:ln>
+        </p:spPr>
+        <p:style>
+          <a:lnRef idx="0"/>
+          <a:fillRef idx="0"/>
+          <a:effectRef idx="0"/>
+          <a:fontRef idx="minor"/>
+        </p:style>
+        <p:txBody>
+          <a:bodyPr lIns="90000" rIns="90000" tIns="45000" bIns="45000" anchor="t">
+            <a:noAutofit/>
+          </a:bodyPr>
+          <a:p>
+            <a:pPr algn="ctr">
+              <a:lnSpc>
+                <a:spcPct val="100000"/>
+              </a:lnSpc>
+              <a:buNone/>
+              <a:tabLst>
+                <a:tab algn="l" pos="0"/>
+              </a:tabLst>
+            </a:pPr>
+            <a:r>
+              <a:rPr b="0" lang="en-US" sz="4400" spc="-1" strike="noStrike">
+                <a:solidFill>
+                  <a:srgbClr val="81d41a"/>
+                </a:solidFill>
+                <a:latin typeface="Arial"/>
+                <a:ea typeface="Arial"/>
+              </a:rPr>
+              <a:t>How are these related?</a:t>
+            </a:r>
+            <a:endParaRPr b="0" lang="en-US" sz="4400" spc="-1" strike="noStrike">
+              <a:latin typeface="Arial"/>
+            </a:endParaRPr>
+          </a:p>
+          <a:p>
+            <a:pPr algn="ctr">
+              <a:lnSpc>
+                <a:spcPct val="100000"/>
+              </a:lnSpc>
+              <a:buNone/>
+              <a:tabLst>
+                <a:tab algn="l" pos="0"/>
+              </a:tabLst>
+            </a:pPr>
+            <a:endParaRPr b="0" lang="en-US" sz="4400" spc="-1" strike="noStrike">
+              <a:latin typeface="Arial"/>
+            </a:endParaRPr>
+          </a:p>
+          <a:p>
+            <a:pPr algn="ctr">
+              <a:lnSpc>
+                <a:spcPct val="100000"/>
+              </a:lnSpc>
+              <a:buNone/>
+              <a:tabLst>
+                <a:tab algn="l" pos="0"/>
+              </a:tabLst>
+            </a:pPr>
+            <a:endParaRPr b="0" lang="en-US" sz="4400" spc="-1" strike="noStrike">
+              <a:latin typeface="Arial"/>
+            </a:endParaRPr>
+          </a:p>
+        </p:txBody>
+      </p:sp>
+    </p:spTree>
+  </p:cSld>
+  <p:transition>
+    <p:fade/>
+  </p:transition>
+</p:sld>
+</file>
+
+<file path=ppt/slides/slide19.xml><?xml version="1.0" encoding="utf-8"?>
+<p:sld xmlns:a="http://schemas.openxmlformats.org/drawingml/2006/main" xmlns:p="http://schemas.openxmlformats.org/presentationml/2006/main" xmlns:r="http://schemas.openxmlformats.org/officeDocument/2006/relationships" xmlns:p14="http://schemas.microsoft.com/office/powerpoint/2010/main" xmlns:p15="http://schemas.microsoft.com/office/powerpoint/2012/main" xmlns:mc="http://schemas.openxmlformats.org/markup-compatibility/2006">
+  <p:cSld>
+    <p:spTree>
+      <p:nvGrpSpPr>
+        <p:cNvPr id="1" name=""/>
+        <p:cNvGrpSpPr/>
+        <p:nvPr/>
+      </p:nvGrpSpPr>
+      <p:grpSpPr>
+        <a:xfrm>
+          <a:off x="0" y="0"/>
+          <a:ext cx="0" cy="0"/>
+          <a:chOff x="0" y="0"/>
+          <a:chExt cx="0" cy="0"/>
+        </a:xfrm>
+      </p:grpSpPr>
+      <p:sp>
+        <p:nvSpPr>
+          <p:cNvPr id="234" name="PlaceHolder 1"/>
           <p:cNvSpPr>
             <a:spLocks noGrp="1"/>
           </p:cNvSpPr>
@@ -14135,8 +16224,8 @@
         </p:nvSpPr>
         <p:spPr>
           <a:xfrm>
-            <a:off x="2879280" y="2143080"/>
-            <a:ext cx="3109320" cy="857160"/>
+            <a:off x="264600" y="1211040"/>
+            <a:ext cx="8915400" cy="2457360"/>
           </a:xfrm>
           <a:prstGeom prst="rect">
             <a:avLst/>
@@ -14158,6 +16247,72 @@
               <a:buNone/>
             </a:pPr>
             <a:r>
+              <a:rPr b="0" lang="en-US" sz="3600" spc="-1" strike="noStrike">
+                <a:solidFill>
+                  <a:srgbClr val="ffffff"/>
+                </a:solidFill>
+                <a:latin typeface="Arial"/>
+                <a:ea typeface="DejaVu Sans"/>
+              </a:rPr>
+              <a:t>If you got nothing get this:</a:t>
+            </a:r>
+            <a:br>
+              <a:rPr sz="3600"/>
+            </a:br>
+            <a:r>
+              <a:rPr b="0" lang="en-US" sz="3600" spc="-1" strike="noStrike">
+                <a:solidFill>
+                  <a:srgbClr val="ffffff"/>
+                </a:solidFill>
+                <a:latin typeface="Arial"/>
+                <a:ea typeface="DejaVu Sans"/>
+              </a:rPr>
+              <a:t>1.DMFT is a method of </a:t>
+            </a:r>
+            <a:r>
+              <a:rPr b="1" lang="en-US" sz="3600" spc="-1" strike="noStrike">
+                <a:solidFill>
+                  <a:srgbClr val="ffffff"/>
+                </a:solidFill>
+                <a:latin typeface="Arial"/>
+                <a:ea typeface="DejaVu Sans"/>
+              </a:rPr>
+              <a:t>exactly</a:t>
+            </a:r>
+            <a:r>
+              <a:rPr b="0" lang="en-US" sz="3600" spc="-1" strike="noStrike">
+                <a:solidFill>
+                  <a:srgbClr val="ffffff"/>
+                </a:solidFill>
+                <a:latin typeface="Arial"/>
+                <a:ea typeface="DejaVu Sans"/>
+              </a:rPr>
+              <a:t> </a:t>
+            </a:r>
+            <a:r>
+              <a:rPr b="0" lang="en-US" sz="3600" spc="-1" strike="noStrike">
+                <a:solidFill>
+                  <a:srgbClr val="ffffff"/>
+                </a:solidFill>
+                <a:latin typeface="Arial"/>
+                <a:ea typeface="DejaVu Sans"/>
+              </a:rPr>
+              <a:t>mapping your lattice Hamiltonian to another solvable problem which involves a impurity, bath, and coupling aspect  </a:t>
+            </a:r>
+            <a:br>
+              <a:rPr sz="3600"/>
+            </a:br>
+            <a:r>
+              <a:rPr b="0" lang="en-US" sz="3600" spc="-1" strike="noStrike">
+                <a:solidFill>
+                  <a:srgbClr val="ffffff"/>
+                </a:solidFill>
+                <a:latin typeface="Arial"/>
+                <a:ea typeface="DejaVu Sans"/>
+              </a:rPr>
+              <a:t>2. “Topological” in topological materials is referring to “some quality” of the electronic band structure (also the robust surface state) </a:t>
+            </a:r>
+            <a:r>
               <a:rPr b="0" lang="en-US" sz="4400" spc="-1" strike="noStrike">
                 <a:solidFill>
                   <a:srgbClr val="ffffff"/>
@@ -14165,7 +16320,7 @@
                 <a:latin typeface="Arial"/>
                 <a:ea typeface="DejaVu Sans"/>
               </a:rPr>
-              <a:t>Supplement</a:t>
+              <a:t> </a:t>
             </a:r>
             <a:endParaRPr b="0" lang="en-US" sz="4400" spc="-1" strike="noStrike">
               <a:solidFill>
@@ -15612,6 +17767,119 @@
 </p:sld>
 </file>
 
+<file path=ppt/slides/slide20.xml><?xml version="1.0" encoding="utf-8"?>
+<p:sld xmlns:a="http://schemas.openxmlformats.org/drawingml/2006/main" xmlns:p="http://schemas.openxmlformats.org/presentationml/2006/main" xmlns:r="http://schemas.openxmlformats.org/officeDocument/2006/relationships" xmlns:p14="http://schemas.microsoft.com/office/powerpoint/2010/main" xmlns:p15="http://schemas.microsoft.com/office/powerpoint/2012/main" xmlns:mc="http://schemas.openxmlformats.org/markup-compatibility/2006">
+  <p:cSld>
+    <p:spTree>
+      <p:nvGrpSpPr>
+        <p:cNvPr id="1" name=""/>
+        <p:cNvGrpSpPr/>
+        <p:nvPr/>
+      </p:nvGrpSpPr>
+      <p:grpSpPr>
+        <a:xfrm>
+          <a:off x="0" y="0"/>
+          <a:ext cx="0" cy="0"/>
+          <a:chOff x="0" y="0"/>
+          <a:chExt cx="0" cy="0"/>
+        </a:xfrm>
+      </p:grpSpPr>
+      <p:sp>
+        <p:nvSpPr>
+          <p:cNvPr id="235" name="PlaceHolder 1"/>
+          <p:cNvSpPr>
+            <a:spLocks noGrp="1"/>
+          </p:cNvSpPr>
+          <p:nvPr>
+            <p:ph type="title"/>
+          </p:nvPr>
+        </p:nvSpPr>
+        <p:spPr>
+          <a:xfrm>
+            <a:off x="2879280" y="2143080"/>
+            <a:ext cx="3109320" cy="857160"/>
+          </a:xfrm>
+          <a:prstGeom prst="rect">
+            <a:avLst/>
+          </a:prstGeom>
+          <a:noFill/>
+          <a:ln w="0">
+            <a:noFill/>
+          </a:ln>
+        </p:spPr>
+        <p:txBody>
+          <a:bodyPr lIns="0" rIns="0" tIns="0" bIns="0" anchor="ctr">
+            <a:noAutofit/>
+          </a:bodyPr>
+          <a:p>
+            <a:pPr>
+              <a:lnSpc>
+                <a:spcPct val="90000"/>
+              </a:lnSpc>
+              <a:buNone/>
+            </a:pPr>
+            <a:r>
+              <a:rPr b="0" lang="en-US" sz="4400" spc="-1" strike="noStrike">
+                <a:solidFill>
+                  <a:srgbClr val="ffffff"/>
+                </a:solidFill>
+                <a:latin typeface="Arial"/>
+                <a:ea typeface="DejaVu Sans"/>
+              </a:rPr>
+              <a:t>Su</a:t>
+            </a:r>
+            <a:r>
+              <a:rPr b="0" lang="en-US" sz="4400" spc="-1" strike="noStrike">
+                <a:solidFill>
+                  <a:srgbClr val="ffffff"/>
+                </a:solidFill>
+                <a:latin typeface="Arial"/>
+                <a:ea typeface="DejaVu Sans"/>
+              </a:rPr>
+              <a:t>ppl</a:t>
+            </a:r>
+            <a:r>
+              <a:rPr b="0" lang="en-US" sz="4400" spc="-1" strike="noStrike">
+                <a:solidFill>
+                  <a:srgbClr val="ffffff"/>
+                </a:solidFill>
+                <a:latin typeface="Arial"/>
+                <a:ea typeface="DejaVu Sans"/>
+              </a:rPr>
+              <a:t>em</a:t>
+            </a:r>
+            <a:r>
+              <a:rPr b="0" lang="en-US" sz="4400" spc="-1" strike="noStrike">
+                <a:solidFill>
+                  <a:srgbClr val="ffffff"/>
+                </a:solidFill>
+                <a:latin typeface="Arial"/>
+                <a:ea typeface="DejaVu Sans"/>
+              </a:rPr>
+              <a:t>ent</a:t>
+            </a:r>
+            <a:endParaRPr b="0" lang="en-US" sz="4400" spc="-1" strike="noStrike">
+              <a:solidFill>
+                <a:srgbClr val="ffffff"/>
+              </a:solidFill>
+              <a:latin typeface="Arial"/>
+            </a:endParaRPr>
+          </a:p>
+        </p:txBody>
+      </p:sp>
+    </p:spTree>
+  </p:cSld>
+  <mc:AlternateContent>
+    <mc:Choice Requires="p14">
+      <p:transition spd="slow" p14:dur="2000"/>
+    </mc:Choice>
+    <mc:Fallback>
+      <p:transition spd="slow"/>
+    </mc:Fallback>
+  </mc:AlternateContent>
+</p:sld>
+</file>
+
 <file path=ppt/slides/slide3.xml><?xml version="1.0" encoding="utf-8"?>
 <p:sld xmlns:a="http://schemas.openxmlformats.org/drawingml/2006/main" xmlns:p="http://schemas.openxmlformats.org/presentationml/2006/main" xmlns:r="http://schemas.openxmlformats.org/officeDocument/2006/relationships" xmlns:p14="http://schemas.microsoft.com/office/powerpoint/2010/main" xmlns:p15="http://schemas.microsoft.com/office/powerpoint/2012/main" xmlns:mc="http://schemas.openxmlformats.org/markup-compatibility/2006">
   <p:cSld>
@@ -16336,7 +18604,7 @@
                 <a:latin typeface="Arial"/>
                 <a:ea typeface="Arial"/>
               </a:rPr>
-              <a:t>Solution: Ignore the slow physics</a:t>
+              <a:t>Solution: ignore the slow physics</a:t>
             </a:r>
             <a:endParaRPr b="0" lang="en-US" sz="3000" spc="-1" strike="noStrike">
               <a:latin typeface="Arial"/>
@@ -16809,7 +19077,7 @@
         </p:nvSpPr>
         <p:spPr>
           <a:xfrm>
-            <a:off x="0" y="1587600"/>
+            <a:off x="0" y="1623600"/>
             <a:ext cx="9142920" cy="5985360"/>
           </a:xfrm>
           <a:prstGeom prst="rect">
@@ -17314,7 +19582,7 @@
                 <a:latin typeface="Arial"/>
                 <a:ea typeface="Arial"/>
               </a:rPr>
-              <a:t>How are the last two related?</a:t>
+              <a:t>How are these related?</a:t>
             </a:r>
             <a:endParaRPr b="0" lang="en-US" sz="4400" spc="-1" strike="noStrike">
               <a:latin typeface="Arial"/>
@@ -17422,7 +19690,7 @@
                 <a:latin typeface="Arial"/>
                 <a:ea typeface="Arial"/>
               </a:rPr>
-              <a:t>What are strongly correlated electrons?</a:t>
+              <a:t>What are strongly correlated electrons? Review!</a:t>
             </a:r>
             <a:endParaRPr b="0" lang="en-US" sz="3000" spc="-1" strike="noStrike">
               <a:latin typeface="Arial"/>
@@ -18488,7 +20756,7 @@
         <p:spPr>
           <a:xfrm>
             <a:off x="409680" y="1433520"/>
-            <a:ext cx="8505720" cy="3417840"/>
+            <a:ext cx="8505720" cy="3673800"/>
           </a:xfrm>
           <a:prstGeom prst="rect">
             <a:avLst/>
@@ -18510,7 +20778,7 @@
                 </a:solidFill>
                 <a:latin typeface="Arial"/>
               </a:rPr>
-              <a:t>M</a:t>
+              <a:t>Methods for dealing </a:t>
             </a:r>
             <a:r>
               <a:rPr b="0" lang="en-US" sz="1800" spc="-1" strike="noStrike">
@@ -18519,7 +20787,7 @@
                 </a:solidFill>
                 <a:latin typeface="Arial"/>
               </a:rPr>
-              <a:t>e</a:t>
+              <a:t>with strongly </a:t>
             </a:r>
             <a:r>
               <a:rPr b="0" lang="en-US" sz="1800" spc="-1" strike="noStrike">
@@ -18528,475 +20796,7 @@
                 </a:solidFill>
                 <a:latin typeface="Arial"/>
               </a:rPr>
-              <a:t>t</a:t>
-            </a:r>
-            <a:r>
-              <a:rPr b="0" lang="en-US" sz="1800" spc="-1" strike="noStrike">
-                <a:solidFill>
-                  <a:srgbClr val="ffffff"/>
-                </a:solidFill>
-                <a:latin typeface="Arial"/>
-              </a:rPr>
-              <a:t>h</a:t>
-            </a:r>
-            <a:r>
-              <a:rPr b="0" lang="en-US" sz="1800" spc="-1" strike="noStrike">
-                <a:solidFill>
-                  <a:srgbClr val="ffffff"/>
-                </a:solidFill>
-                <a:latin typeface="Arial"/>
-              </a:rPr>
-              <a:t>o</a:t>
-            </a:r>
-            <a:r>
-              <a:rPr b="0" lang="en-US" sz="1800" spc="-1" strike="noStrike">
-                <a:solidFill>
-                  <a:srgbClr val="ffffff"/>
-                </a:solidFill>
-                <a:latin typeface="Arial"/>
-              </a:rPr>
-              <a:t>d</a:t>
-            </a:r>
-            <a:r>
-              <a:rPr b="0" lang="en-US" sz="1800" spc="-1" strike="noStrike">
-                <a:solidFill>
-                  <a:srgbClr val="ffffff"/>
-                </a:solidFill>
-                <a:latin typeface="Arial"/>
-              </a:rPr>
-              <a:t>s</a:t>
-            </a:r>
-            <a:r>
-              <a:rPr b="0" lang="en-US" sz="1800" spc="-1" strike="noStrike">
-                <a:solidFill>
-                  <a:srgbClr val="ffffff"/>
-                </a:solidFill>
-                <a:latin typeface="Arial"/>
-              </a:rPr>
-              <a:t> </a:t>
-            </a:r>
-            <a:r>
-              <a:rPr b="0" lang="en-US" sz="1800" spc="-1" strike="noStrike">
-                <a:solidFill>
-                  <a:srgbClr val="ffffff"/>
-                </a:solidFill>
-                <a:latin typeface="Arial"/>
-              </a:rPr>
-              <a:t>f</a:t>
-            </a:r>
-            <a:r>
-              <a:rPr b="0" lang="en-US" sz="1800" spc="-1" strike="noStrike">
-                <a:solidFill>
-                  <a:srgbClr val="ffffff"/>
-                </a:solidFill>
-                <a:latin typeface="Arial"/>
-              </a:rPr>
-              <a:t>o</a:t>
-            </a:r>
-            <a:r>
-              <a:rPr b="0" lang="en-US" sz="1800" spc="-1" strike="noStrike">
-                <a:solidFill>
-                  <a:srgbClr val="ffffff"/>
-                </a:solidFill>
-                <a:latin typeface="Arial"/>
-              </a:rPr>
-              <a:t>r</a:t>
-            </a:r>
-            <a:r>
-              <a:rPr b="0" lang="en-US" sz="1800" spc="-1" strike="noStrike">
-                <a:solidFill>
-                  <a:srgbClr val="ffffff"/>
-                </a:solidFill>
-                <a:latin typeface="Arial"/>
-              </a:rPr>
-              <a:t> </a:t>
-            </a:r>
-            <a:r>
-              <a:rPr b="0" lang="en-US" sz="1800" spc="-1" strike="noStrike">
-                <a:solidFill>
-                  <a:srgbClr val="ffffff"/>
-                </a:solidFill>
-                <a:latin typeface="Arial"/>
-              </a:rPr>
-              <a:t>d</a:t>
-            </a:r>
-            <a:r>
-              <a:rPr b="0" lang="en-US" sz="1800" spc="-1" strike="noStrike">
-                <a:solidFill>
-                  <a:srgbClr val="ffffff"/>
-                </a:solidFill>
-                <a:latin typeface="Arial"/>
-              </a:rPr>
-              <a:t>e</a:t>
-            </a:r>
-            <a:r>
-              <a:rPr b="0" lang="en-US" sz="1800" spc="-1" strike="noStrike">
-                <a:solidFill>
-                  <a:srgbClr val="ffffff"/>
-                </a:solidFill>
-                <a:latin typeface="Arial"/>
-              </a:rPr>
-              <a:t>a</a:t>
-            </a:r>
-            <a:r>
-              <a:rPr b="0" lang="en-US" sz="1800" spc="-1" strike="noStrike">
-                <a:solidFill>
-                  <a:srgbClr val="ffffff"/>
-                </a:solidFill>
-                <a:latin typeface="Arial"/>
-              </a:rPr>
-              <a:t>l</a:t>
-            </a:r>
-            <a:r>
-              <a:rPr b="0" lang="en-US" sz="1800" spc="-1" strike="noStrike">
-                <a:solidFill>
-                  <a:srgbClr val="ffffff"/>
-                </a:solidFill>
-                <a:latin typeface="Arial"/>
-              </a:rPr>
-              <a:t>i</a:t>
-            </a:r>
-            <a:r>
-              <a:rPr b="0" lang="en-US" sz="1800" spc="-1" strike="noStrike">
-                <a:solidFill>
-                  <a:srgbClr val="ffffff"/>
-                </a:solidFill>
-                <a:latin typeface="Arial"/>
-              </a:rPr>
-              <a:t>n</a:t>
-            </a:r>
-            <a:r>
-              <a:rPr b="0" lang="en-US" sz="1800" spc="-1" strike="noStrike">
-                <a:solidFill>
-                  <a:srgbClr val="ffffff"/>
-                </a:solidFill>
-                <a:latin typeface="Arial"/>
-              </a:rPr>
-              <a:t>g</a:t>
-            </a:r>
-            <a:r>
-              <a:rPr b="0" lang="en-US" sz="1800" spc="-1" strike="noStrike">
-                <a:solidFill>
-                  <a:srgbClr val="ffffff"/>
-                </a:solidFill>
-                <a:latin typeface="Arial"/>
-              </a:rPr>
-              <a:t> </a:t>
-            </a:r>
-            <a:r>
-              <a:rPr b="0" lang="en-US" sz="1800" spc="-1" strike="noStrike">
-                <a:solidFill>
-                  <a:srgbClr val="ffffff"/>
-                </a:solidFill>
-                <a:latin typeface="Arial"/>
-              </a:rPr>
-              <a:t>w</a:t>
-            </a:r>
-            <a:r>
-              <a:rPr b="0" lang="en-US" sz="1800" spc="-1" strike="noStrike">
-                <a:solidFill>
-                  <a:srgbClr val="ffffff"/>
-                </a:solidFill>
-                <a:latin typeface="Arial"/>
-              </a:rPr>
-              <a:t>i</a:t>
-            </a:r>
-            <a:r>
-              <a:rPr b="0" lang="en-US" sz="1800" spc="-1" strike="noStrike">
-                <a:solidFill>
-                  <a:srgbClr val="ffffff"/>
-                </a:solidFill>
-                <a:latin typeface="Arial"/>
-              </a:rPr>
-              <a:t>t</a:t>
-            </a:r>
-            <a:r>
-              <a:rPr b="0" lang="en-US" sz="1800" spc="-1" strike="noStrike">
-                <a:solidFill>
-                  <a:srgbClr val="ffffff"/>
-                </a:solidFill>
-                <a:latin typeface="Arial"/>
-              </a:rPr>
-              <a:t>h</a:t>
-            </a:r>
-            <a:r>
-              <a:rPr b="0" lang="en-US" sz="1800" spc="-1" strike="noStrike">
-                <a:solidFill>
-                  <a:srgbClr val="ffffff"/>
-                </a:solidFill>
-                <a:latin typeface="Arial"/>
-              </a:rPr>
-              <a:t> </a:t>
-            </a:r>
-            <a:r>
-              <a:rPr b="0" lang="en-US" sz="1800" spc="-1" strike="noStrike">
-                <a:solidFill>
-                  <a:srgbClr val="ffffff"/>
-                </a:solidFill>
-                <a:latin typeface="Arial"/>
-              </a:rPr>
-              <a:t>s</a:t>
-            </a:r>
-            <a:r>
-              <a:rPr b="0" lang="en-US" sz="1800" spc="-1" strike="noStrike">
-                <a:solidFill>
-                  <a:srgbClr val="ffffff"/>
-                </a:solidFill>
-                <a:latin typeface="Arial"/>
-              </a:rPr>
-              <a:t>t</a:t>
-            </a:r>
-            <a:r>
-              <a:rPr b="0" lang="en-US" sz="1800" spc="-1" strike="noStrike">
-                <a:solidFill>
-                  <a:srgbClr val="ffffff"/>
-                </a:solidFill>
-                <a:latin typeface="Arial"/>
-              </a:rPr>
-              <a:t>r</a:t>
-            </a:r>
-            <a:r>
-              <a:rPr b="0" lang="en-US" sz="1800" spc="-1" strike="noStrike">
-                <a:solidFill>
-                  <a:srgbClr val="ffffff"/>
-                </a:solidFill>
-                <a:latin typeface="Arial"/>
-              </a:rPr>
-              <a:t>o</a:t>
-            </a:r>
-            <a:r>
-              <a:rPr b="0" lang="en-US" sz="1800" spc="-1" strike="noStrike">
-                <a:solidFill>
-                  <a:srgbClr val="ffffff"/>
-                </a:solidFill>
-                <a:latin typeface="Arial"/>
-              </a:rPr>
-              <a:t>n</a:t>
-            </a:r>
-            <a:r>
-              <a:rPr b="0" lang="en-US" sz="1800" spc="-1" strike="noStrike">
-                <a:solidFill>
-                  <a:srgbClr val="ffffff"/>
-                </a:solidFill>
-                <a:latin typeface="Arial"/>
-              </a:rPr>
-              <a:t>g</a:t>
-            </a:r>
-            <a:r>
-              <a:rPr b="0" lang="en-US" sz="1800" spc="-1" strike="noStrike">
-                <a:solidFill>
-                  <a:srgbClr val="ffffff"/>
-                </a:solidFill>
-                <a:latin typeface="Arial"/>
-              </a:rPr>
-              <a:t>l</a:t>
-            </a:r>
-            <a:r>
-              <a:rPr b="0" lang="en-US" sz="1800" spc="-1" strike="noStrike">
-                <a:solidFill>
-                  <a:srgbClr val="ffffff"/>
-                </a:solidFill>
-                <a:latin typeface="Arial"/>
-              </a:rPr>
-              <a:t>y</a:t>
-            </a:r>
-            <a:r>
-              <a:rPr b="0" lang="en-US" sz="1800" spc="-1" strike="noStrike">
-                <a:solidFill>
-                  <a:srgbClr val="ffffff"/>
-                </a:solidFill>
-                <a:latin typeface="Arial"/>
-              </a:rPr>
-              <a:t> </a:t>
-            </a:r>
-            <a:r>
-              <a:rPr b="0" lang="en-US" sz="1800" spc="-1" strike="noStrike">
-                <a:solidFill>
-                  <a:srgbClr val="ffffff"/>
-                </a:solidFill>
-                <a:latin typeface="Arial"/>
-              </a:rPr>
-              <a:t>c</a:t>
-            </a:r>
-            <a:r>
-              <a:rPr b="0" lang="en-US" sz="1800" spc="-1" strike="noStrike">
-                <a:solidFill>
-                  <a:srgbClr val="ffffff"/>
-                </a:solidFill>
-                <a:latin typeface="Arial"/>
-              </a:rPr>
-              <a:t>o</a:t>
-            </a:r>
-            <a:r>
-              <a:rPr b="0" lang="en-US" sz="1800" spc="-1" strike="noStrike">
-                <a:solidFill>
-                  <a:srgbClr val="ffffff"/>
-                </a:solidFill>
-                <a:latin typeface="Arial"/>
-              </a:rPr>
-              <a:t>r</a:t>
-            </a:r>
-            <a:r>
-              <a:rPr b="0" lang="en-US" sz="1800" spc="-1" strike="noStrike">
-                <a:solidFill>
-                  <a:srgbClr val="ffffff"/>
-                </a:solidFill>
-                <a:latin typeface="Arial"/>
-              </a:rPr>
-              <a:t>r</a:t>
-            </a:r>
-            <a:r>
-              <a:rPr b="0" lang="en-US" sz="1800" spc="-1" strike="noStrike">
-                <a:solidFill>
-                  <a:srgbClr val="ffffff"/>
-                </a:solidFill>
-                <a:latin typeface="Arial"/>
-              </a:rPr>
-              <a:t>e</a:t>
-            </a:r>
-            <a:r>
-              <a:rPr b="0" lang="en-US" sz="1800" spc="-1" strike="noStrike">
-                <a:solidFill>
-                  <a:srgbClr val="ffffff"/>
-                </a:solidFill>
-                <a:latin typeface="Arial"/>
-              </a:rPr>
-              <a:t>l</a:t>
-            </a:r>
-            <a:r>
-              <a:rPr b="0" lang="en-US" sz="1800" spc="-1" strike="noStrike">
-                <a:solidFill>
-                  <a:srgbClr val="ffffff"/>
-                </a:solidFill>
-                <a:latin typeface="Arial"/>
-              </a:rPr>
-              <a:t>a</a:t>
-            </a:r>
-            <a:r>
-              <a:rPr b="0" lang="en-US" sz="1800" spc="-1" strike="noStrike">
-                <a:solidFill>
-                  <a:srgbClr val="ffffff"/>
-                </a:solidFill>
-                <a:latin typeface="Arial"/>
-              </a:rPr>
-              <a:t>t</a:t>
-            </a:r>
-            <a:r>
-              <a:rPr b="0" lang="en-US" sz="1800" spc="-1" strike="noStrike">
-                <a:solidFill>
-                  <a:srgbClr val="ffffff"/>
-                </a:solidFill>
-                <a:latin typeface="Arial"/>
-              </a:rPr>
-              <a:t>e</a:t>
-            </a:r>
-            <a:r>
-              <a:rPr b="0" lang="en-US" sz="1800" spc="-1" strike="noStrike">
-                <a:solidFill>
-                  <a:srgbClr val="ffffff"/>
-                </a:solidFill>
-                <a:latin typeface="Arial"/>
-              </a:rPr>
-              <a:t>d</a:t>
-            </a:r>
-            <a:r>
-              <a:rPr b="0" lang="en-US" sz="1800" spc="-1" strike="noStrike">
-                <a:solidFill>
-                  <a:srgbClr val="ffffff"/>
-                </a:solidFill>
-                <a:latin typeface="Arial"/>
-              </a:rPr>
-              <a:t> </a:t>
-            </a:r>
-            <a:r>
-              <a:rPr b="0" lang="en-US" sz="1800" spc="-1" strike="noStrike">
-                <a:solidFill>
-                  <a:srgbClr val="ffffff"/>
-                </a:solidFill>
-                <a:latin typeface="Arial"/>
-              </a:rPr>
-              <a:t>e</a:t>
-            </a:r>
-            <a:r>
-              <a:rPr b="0" lang="en-US" sz="1800" spc="-1" strike="noStrike">
-                <a:solidFill>
-                  <a:srgbClr val="ffffff"/>
-                </a:solidFill>
-                <a:latin typeface="Arial"/>
-              </a:rPr>
-              <a:t>l</a:t>
-            </a:r>
-            <a:r>
-              <a:rPr b="0" lang="en-US" sz="1800" spc="-1" strike="noStrike">
-                <a:solidFill>
-                  <a:srgbClr val="ffffff"/>
-                </a:solidFill>
-                <a:latin typeface="Arial"/>
-              </a:rPr>
-              <a:t>e</a:t>
-            </a:r>
-            <a:r>
-              <a:rPr b="0" lang="en-US" sz="1800" spc="-1" strike="noStrike">
-                <a:solidFill>
-                  <a:srgbClr val="ffffff"/>
-                </a:solidFill>
-                <a:latin typeface="Arial"/>
-              </a:rPr>
-              <a:t>c</a:t>
-            </a:r>
-            <a:r>
-              <a:rPr b="0" lang="en-US" sz="1800" spc="-1" strike="noStrike">
-                <a:solidFill>
-                  <a:srgbClr val="ffffff"/>
-                </a:solidFill>
-                <a:latin typeface="Arial"/>
-              </a:rPr>
-              <a:t>t</a:t>
-            </a:r>
-            <a:r>
-              <a:rPr b="0" lang="en-US" sz="1800" spc="-1" strike="noStrike">
-                <a:solidFill>
-                  <a:srgbClr val="ffffff"/>
-                </a:solidFill>
-                <a:latin typeface="Arial"/>
-              </a:rPr>
-              <a:t>r</a:t>
-            </a:r>
-            <a:r>
-              <a:rPr b="0" lang="en-US" sz="1800" spc="-1" strike="noStrike">
-                <a:solidFill>
-                  <a:srgbClr val="ffffff"/>
-                </a:solidFill>
-                <a:latin typeface="Arial"/>
-              </a:rPr>
-              <a:t>o</a:t>
-            </a:r>
-            <a:r>
-              <a:rPr b="0" lang="en-US" sz="1800" spc="-1" strike="noStrike">
-                <a:solidFill>
-                  <a:srgbClr val="ffffff"/>
-                </a:solidFill>
-                <a:latin typeface="Arial"/>
-              </a:rPr>
-              <a:t>n</a:t>
-            </a:r>
-            <a:r>
-              <a:rPr b="0" lang="en-US" sz="1800" spc="-1" strike="noStrike">
-                <a:solidFill>
-                  <a:srgbClr val="ffffff"/>
-                </a:solidFill>
-                <a:latin typeface="Arial"/>
-              </a:rPr>
-              <a:t>s</a:t>
-            </a:r>
-            <a:r>
-              <a:rPr b="0" lang="en-US" sz="1800" spc="-1" strike="noStrike">
-                <a:solidFill>
-                  <a:srgbClr val="ffffff"/>
-                </a:solidFill>
-                <a:latin typeface="Arial"/>
-              </a:rPr>
-              <a:t>:</a:t>
+              <a:t>correlated electrons:</a:t>
             </a:r>
             <a:endParaRPr b="0" lang="en-US" sz="1800" spc="-1" strike="noStrike">
               <a:solidFill>
@@ -19013,7 +20813,7 @@
                 </a:solidFill>
                 <a:latin typeface="Arial"/>
               </a:rPr>
-              <a:t>1</a:t>
+              <a:t>1. Exact </a:t>
             </a:r>
             <a:r>
               <a:rPr b="0" lang="en-US" sz="1800" spc="-1" strike="noStrike">
@@ -19022,7 +20822,7 @@
                 </a:solidFill>
                 <a:latin typeface="Arial"/>
               </a:rPr>
-              <a:t>.</a:t>
+              <a:t>Diagonalization </a:t>
             </a:r>
             <a:r>
               <a:rPr b="0" lang="en-US" sz="1800" spc="-1" strike="noStrike">
@@ -19031,7 +20831,7 @@
                 </a:solidFill>
                 <a:latin typeface="Arial"/>
               </a:rPr>
-              <a:t> </a:t>
+              <a:t>(subspace of </a:t>
             </a:r>
             <a:r>
               <a:rPr b="0" lang="en-US" sz="1800" spc="-1" strike="noStrike">
@@ -19040,421 +20840,7 @@
                 </a:solidFill>
                 <a:latin typeface="Arial"/>
               </a:rPr>
-              <a:t>E</a:t>
-            </a:r>
-            <a:r>
-              <a:rPr b="0" lang="en-US" sz="1800" spc="-1" strike="noStrike">
-                <a:solidFill>
-                  <a:srgbClr val="ffffff"/>
-                </a:solidFill>
-                <a:latin typeface="Arial"/>
-              </a:rPr>
-              <a:t>x</a:t>
-            </a:r>
-            <a:r>
-              <a:rPr b="0" lang="en-US" sz="1800" spc="-1" strike="noStrike">
-                <a:solidFill>
-                  <a:srgbClr val="ffffff"/>
-                </a:solidFill>
-                <a:latin typeface="Arial"/>
-              </a:rPr>
-              <a:t>a</a:t>
-            </a:r>
-            <a:r>
-              <a:rPr b="0" lang="en-US" sz="1800" spc="-1" strike="noStrike">
-                <a:solidFill>
-                  <a:srgbClr val="ffffff"/>
-                </a:solidFill>
-                <a:latin typeface="Arial"/>
-              </a:rPr>
-              <a:t>c</a:t>
-            </a:r>
-            <a:r>
-              <a:rPr b="0" lang="en-US" sz="1800" spc="-1" strike="noStrike">
-                <a:solidFill>
-                  <a:srgbClr val="ffffff"/>
-                </a:solidFill>
-                <a:latin typeface="Arial"/>
-              </a:rPr>
-              <a:t>t</a:t>
-            </a:r>
-            <a:r>
-              <a:rPr b="0" lang="en-US" sz="1800" spc="-1" strike="noStrike">
-                <a:solidFill>
-                  <a:srgbClr val="ffffff"/>
-                </a:solidFill>
-                <a:latin typeface="Arial"/>
-              </a:rPr>
-              <a:t> </a:t>
-            </a:r>
-            <a:r>
-              <a:rPr b="0" lang="en-US" sz="1800" spc="-1" strike="noStrike">
-                <a:solidFill>
-                  <a:srgbClr val="ffffff"/>
-                </a:solidFill>
-                <a:latin typeface="Arial"/>
-              </a:rPr>
-              <a:t>D</a:t>
-            </a:r>
-            <a:r>
-              <a:rPr b="0" lang="en-US" sz="1800" spc="-1" strike="noStrike">
-                <a:solidFill>
-                  <a:srgbClr val="ffffff"/>
-                </a:solidFill>
-                <a:latin typeface="Arial"/>
-              </a:rPr>
-              <a:t>i</a:t>
-            </a:r>
-            <a:r>
-              <a:rPr b="0" lang="en-US" sz="1800" spc="-1" strike="noStrike">
-                <a:solidFill>
-                  <a:srgbClr val="ffffff"/>
-                </a:solidFill>
-                <a:latin typeface="Arial"/>
-              </a:rPr>
-              <a:t>a</a:t>
-            </a:r>
-            <a:r>
-              <a:rPr b="0" lang="en-US" sz="1800" spc="-1" strike="noStrike">
-                <a:solidFill>
-                  <a:srgbClr val="ffffff"/>
-                </a:solidFill>
-                <a:latin typeface="Arial"/>
-              </a:rPr>
-              <a:t>g</a:t>
-            </a:r>
-            <a:r>
-              <a:rPr b="0" lang="en-US" sz="1800" spc="-1" strike="noStrike">
-                <a:solidFill>
-                  <a:srgbClr val="ffffff"/>
-                </a:solidFill>
-                <a:latin typeface="Arial"/>
-              </a:rPr>
-              <a:t>o</a:t>
-            </a:r>
-            <a:r>
-              <a:rPr b="0" lang="en-US" sz="1800" spc="-1" strike="noStrike">
-                <a:solidFill>
-                  <a:srgbClr val="ffffff"/>
-                </a:solidFill>
-                <a:latin typeface="Arial"/>
-              </a:rPr>
-              <a:t>n</a:t>
-            </a:r>
-            <a:r>
-              <a:rPr b="0" lang="en-US" sz="1800" spc="-1" strike="noStrike">
-                <a:solidFill>
-                  <a:srgbClr val="ffffff"/>
-                </a:solidFill>
-                <a:latin typeface="Arial"/>
-              </a:rPr>
-              <a:t>a</a:t>
-            </a:r>
-            <a:r>
-              <a:rPr b="0" lang="en-US" sz="1800" spc="-1" strike="noStrike">
-                <a:solidFill>
-                  <a:srgbClr val="ffffff"/>
-                </a:solidFill>
-                <a:latin typeface="Arial"/>
-              </a:rPr>
-              <a:t>l</a:t>
-            </a:r>
-            <a:r>
-              <a:rPr b="0" lang="en-US" sz="1800" spc="-1" strike="noStrike">
-                <a:solidFill>
-                  <a:srgbClr val="ffffff"/>
-                </a:solidFill>
-                <a:latin typeface="Arial"/>
-              </a:rPr>
-              <a:t>i</a:t>
-            </a:r>
-            <a:r>
-              <a:rPr b="0" lang="en-US" sz="1800" spc="-1" strike="noStrike">
-                <a:solidFill>
-                  <a:srgbClr val="ffffff"/>
-                </a:solidFill>
-                <a:latin typeface="Arial"/>
-              </a:rPr>
-              <a:t>z</a:t>
-            </a:r>
-            <a:r>
-              <a:rPr b="0" lang="en-US" sz="1800" spc="-1" strike="noStrike">
-                <a:solidFill>
-                  <a:srgbClr val="ffffff"/>
-                </a:solidFill>
-                <a:latin typeface="Arial"/>
-              </a:rPr>
-              <a:t>a</a:t>
-            </a:r>
-            <a:r>
-              <a:rPr b="0" lang="en-US" sz="1800" spc="-1" strike="noStrike">
-                <a:solidFill>
-                  <a:srgbClr val="ffffff"/>
-                </a:solidFill>
-                <a:latin typeface="Arial"/>
-              </a:rPr>
-              <a:t>t</a:t>
-            </a:r>
-            <a:r>
-              <a:rPr b="0" lang="en-US" sz="1800" spc="-1" strike="noStrike">
-                <a:solidFill>
-                  <a:srgbClr val="ffffff"/>
-                </a:solidFill>
-                <a:latin typeface="Arial"/>
-              </a:rPr>
-              <a:t>i</a:t>
-            </a:r>
-            <a:r>
-              <a:rPr b="0" lang="en-US" sz="1800" spc="-1" strike="noStrike">
-                <a:solidFill>
-                  <a:srgbClr val="ffffff"/>
-                </a:solidFill>
-                <a:latin typeface="Arial"/>
-              </a:rPr>
-              <a:t>o</a:t>
-            </a:r>
-            <a:r>
-              <a:rPr b="0" lang="en-US" sz="1800" spc="-1" strike="noStrike">
-                <a:solidFill>
-                  <a:srgbClr val="ffffff"/>
-                </a:solidFill>
-                <a:latin typeface="Arial"/>
-              </a:rPr>
-              <a:t>n</a:t>
-            </a:r>
-            <a:r>
-              <a:rPr b="0" lang="en-US" sz="1800" spc="-1" strike="noStrike">
-                <a:solidFill>
-                  <a:srgbClr val="ffffff"/>
-                </a:solidFill>
-                <a:latin typeface="Arial"/>
-              </a:rPr>
-              <a:t> </a:t>
-            </a:r>
-            <a:r>
-              <a:rPr b="0" lang="en-US" sz="1800" spc="-1" strike="noStrike">
-                <a:solidFill>
-                  <a:srgbClr val="ffffff"/>
-                </a:solidFill>
-                <a:latin typeface="Arial"/>
-              </a:rPr>
-              <a:t>(</a:t>
-            </a:r>
-            <a:r>
-              <a:rPr b="0" lang="en-US" sz="1800" spc="-1" strike="noStrike">
-                <a:solidFill>
-                  <a:srgbClr val="ffffff"/>
-                </a:solidFill>
-                <a:latin typeface="Arial"/>
-              </a:rPr>
-              <a:t>s</a:t>
-            </a:r>
-            <a:r>
-              <a:rPr b="0" lang="en-US" sz="1800" spc="-1" strike="noStrike">
-                <a:solidFill>
-                  <a:srgbClr val="ffffff"/>
-                </a:solidFill>
-                <a:latin typeface="Arial"/>
-              </a:rPr>
-              <a:t>u</a:t>
-            </a:r>
-            <a:r>
-              <a:rPr b="0" lang="en-US" sz="1800" spc="-1" strike="noStrike">
-                <a:solidFill>
-                  <a:srgbClr val="ffffff"/>
-                </a:solidFill>
-                <a:latin typeface="Arial"/>
-              </a:rPr>
-              <a:t>b</a:t>
-            </a:r>
-            <a:r>
-              <a:rPr b="0" lang="en-US" sz="1800" spc="-1" strike="noStrike">
-                <a:solidFill>
-                  <a:srgbClr val="ffffff"/>
-                </a:solidFill>
-                <a:latin typeface="Arial"/>
-              </a:rPr>
-              <a:t>s</a:t>
-            </a:r>
-            <a:r>
-              <a:rPr b="0" lang="en-US" sz="1800" spc="-1" strike="noStrike">
-                <a:solidFill>
-                  <a:srgbClr val="ffffff"/>
-                </a:solidFill>
-                <a:latin typeface="Arial"/>
-              </a:rPr>
-              <a:t>p</a:t>
-            </a:r>
-            <a:r>
-              <a:rPr b="0" lang="en-US" sz="1800" spc="-1" strike="noStrike">
-                <a:solidFill>
-                  <a:srgbClr val="ffffff"/>
-                </a:solidFill>
-                <a:latin typeface="Arial"/>
-              </a:rPr>
-              <a:t>a</a:t>
-            </a:r>
-            <a:r>
-              <a:rPr b="0" lang="en-US" sz="1800" spc="-1" strike="noStrike">
-                <a:solidFill>
-                  <a:srgbClr val="ffffff"/>
-                </a:solidFill>
-                <a:latin typeface="Arial"/>
-              </a:rPr>
-              <a:t>c</a:t>
-            </a:r>
-            <a:r>
-              <a:rPr b="0" lang="en-US" sz="1800" spc="-1" strike="noStrike">
-                <a:solidFill>
-                  <a:srgbClr val="ffffff"/>
-                </a:solidFill>
-                <a:latin typeface="Arial"/>
-              </a:rPr>
-              <a:t>e</a:t>
-            </a:r>
-            <a:r>
-              <a:rPr b="0" lang="en-US" sz="1800" spc="-1" strike="noStrike">
-                <a:solidFill>
-                  <a:srgbClr val="ffffff"/>
-                </a:solidFill>
-                <a:latin typeface="Arial"/>
-              </a:rPr>
-              <a:t> </a:t>
-            </a:r>
-            <a:r>
-              <a:rPr b="0" lang="en-US" sz="1800" spc="-1" strike="noStrike">
-                <a:solidFill>
-                  <a:srgbClr val="ffffff"/>
-                </a:solidFill>
-                <a:latin typeface="Arial"/>
-              </a:rPr>
-              <a:t>o</a:t>
-            </a:r>
-            <a:r>
-              <a:rPr b="0" lang="en-US" sz="1800" spc="-1" strike="noStrike">
-                <a:solidFill>
-                  <a:srgbClr val="ffffff"/>
-                </a:solidFill>
-                <a:latin typeface="Arial"/>
-              </a:rPr>
-              <a:t>f</a:t>
-            </a:r>
-            <a:r>
-              <a:rPr b="0" lang="en-US" sz="1800" spc="-1" strike="noStrike">
-                <a:solidFill>
-                  <a:srgbClr val="ffffff"/>
-                </a:solidFill>
-                <a:latin typeface="Arial"/>
-              </a:rPr>
-              <a:t> </a:t>
-            </a:r>
-            <a:r>
-              <a:rPr b="0" lang="en-US" sz="1800" spc="-1" strike="noStrike">
-                <a:solidFill>
-                  <a:srgbClr val="ffffff"/>
-                </a:solidFill>
-                <a:latin typeface="Arial"/>
-              </a:rPr>
-              <a:t>h</a:t>
-            </a:r>
-            <a:r>
-              <a:rPr b="0" lang="en-US" sz="1800" spc="-1" strike="noStrike">
-                <a:solidFill>
-                  <a:srgbClr val="ffffff"/>
-                </a:solidFill>
-                <a:latin typeface="Arial"/>
-              </a:rPr>
-              <a:t>a</a:t>
-            </a:r>
-            <a:r>
-              <a:rPr b="0" lang="en-US" sz="1800" spc="-1" strike="noStrike">
-                <a:solidFill>
-                  <a:srgbClr val="ffffff"/>
-                </a:solidFill>
-                <a:latin typeface="Arial"/>
-              </a:rPr>
-              <a:t>m</a:t>
-            </a:r>
-            <a:r>
-              <a:rPr b="0" lang="en-US" sz="1800" spc="-1" strike="noStrike">
-                <a:solidFill>
-                  <a:srgbClr val="ffffff"/>
-                </a:solidFill>
-                <a:latin typeface="Arial"/>
-              </a:rPr>
-              <a:t>i</a:t>
-            </a:r>
-            <a:r>
-              <a:rPr b="0" lang="en-US" sz="1800" spc="-1" strike="noStrike">
-                <a:solidFill>
-                  <a:srgbClr val="ffffff"/>
-                </a:solidFill>
-                <a:latin typeface="Arial"/>
-              </a:rPr>
-              <a:t>l</a:t>
-            </a:r>
-            <a:r>
-              <a:rPr b="0" lang="en-US" sz="1800" spc="-1" strike="noStrike">
-                <a:solidFill>
-                  <a:srgbClr val="ffffff"/>
-                </a:solidFill>
-                <a:latin typeface="Arial"/>
-              </a:rPr>
-              <a:t>t</a:t>
-            </a:r>
-            <a:r>
-              <a:rPr b="0" lang="en-US" sz="1800" spc="-1" strike="noStrike">
-                <a:solidFill>
-                  <a:srgbClr val="ffffff"/>
-                </a:solidFill>
-                <a:latin typeface="Arial"/>
-              </a:rPr>
-              <a:t>o</a:t>
-            </a:r>
-            <a:r>
-              <a:rPr b="0" lang="en-US" sz="1800" spc="-1" strike="noStrike">
-                <a:solidFill>
-                  <a:srgbClr val="ffffff"/>
-                </a:solidFill>
-                <a:latin typeface="Arial"/>
-              </a:rPr>
-              <a:t>n</a:t>
-            </a:r>
-            <a:r>
-              <a:rPr b="0" lang="en-US" sz="1800" spc="-1" strike="noStrike">
-                <a:solidFill>
-                  <a:srgbClr val="ffffff"/>
-                </a:solidFill>
-                <a:latin typeface="Arial"/>
-              </a:rPr>
-              <a:t>i</a:t>
-            </a:r>
-            <a:r>
-              <a:rPr b="0" lang="en-US" sz="1800" spc="-1" strike="noStrike">
-                <a:solidFill>
-                  <a:srgbClr val="ffffff"/>
-                </a:solidFill>
-                <a:latin typeface="Arial"/>
-              </a:rPr>
-              <a:t>a</a:t>
-            </a:r>
-            <a:r>
-              <a:rPr b="0" lang="en-US" sz="1800" spc="-1" strike="noStrike">
-                <a:solidFill>
-                  <a:srgbClr val="ffffff"/>
-                </a:solidFill>
-                <a:latin typeface="Arial"/>
-              </a:rPr>
-              <a:t>n</a:t>
-            </a:r>
-            <a:r>
-              <a:rPr b="0" lang="en-US" sz="1800" spc="-1" strike="noStrike">
-                <a:solidFill>
-                  <a:srgbClr val="ffffff"/>
-                </a:solidFill>
-                <a:latin typeface="Arial"/>
-              </a:rPr>
-              <a:t>)</a:t>
+              <a:t>hamiltonian)</a:t>
             </a:r>
             <a:endParaRPr b="0" lang="en-US" sz="1800" spc="-1" strike="noStrike">
               <a:solidFill>
@@ -19471,7 +20857,7 @@
                 </a:solidFill>
                 <a:latin typeface="Arial"/>
               </a:rPr>
-              <a:t>2</a:t>
+              <a:t>2. Quantum Monte </a:t>
             </a:r>
             <a:r>
               <a:rPr b="0" lang="en-US" sz="1800" spc="-1" strike="noStrike">
@@ -19480,259 +20866,7 @@
                 </a:solidFill>
                 <a:latin typeface="Arial"/>
               </a:rPr>
-              <a:t>.</a:t>
-            </a:r>
-            <a:r>
-              <a:rPr b="0" lang="en-US" sz="1800" spc="-1" strike="noStrike">
-                <a:solidFill>
-                  <a:srgbClr val="ffffff"/>
-                </a:solidFill>
-                <a:latin typeface="Arial"/>
-              </a:rPr>
-              <a:t> </a:t>
-            </a:r>
-            <a:r>
-              <a:rPr b="0" lang="en-US" sz="1800" spc="-1" strike="noStrike">
-                <a:solidFill>
-                  <a:srgbClr val="ffffff"/>
-                </a:solidFill>
-                <a:latin typeface="Arial"/>
-              </a:rPr>
-              <a:t>Q</a:t>
-            </a:r>
-            <a:r>
-              <a:rPr b="0" lang="en-US" sz="1800" spc="-1" strike="noStrike">
-                <a:solidFill>
-                  <a:srgbClr val="ffffff"/>
-                </a:solidFill>
-                <a:latin typeface="Arial"/>
-              </a:rPr>
-              <a:t>u</a:t>
-            </a:r>
-            <a:r>
-              <a:rPr b="0" lang="en-US" sz="1800" spc="-1" strike="noStrike">
-                <a:solidFill>
-                  <a:srgbClr val="ffffff"/>
-                </a:solidFill>
-                <a:latin typeface="Arial"/>
-              </a:rPr>
-              <a:t>a</a:t>
-            </a:r>
-            <a:r>
-              <a:rPr b="0" lang="en-US" sz="1800" spc="-1" strike="noStrike">
-                <a:solidFill>
-                  <a:srgbClr val="ffffff"/>
-                </a:solidFill>
-                <a:latin typeface="Arial"/>
-              </a:rPr>
-              <a:t>n</a:t>
-            </a:r>
-            <a:r>
-              <a:rPr b="0" lang="en-US" sz="1800" spc="-1" strike="noStrike">
-                <a:solidFill>
-                  <a:srgbClr val="ffffff"/>
-                </a:solidFill>
-                <a:latin typeface="Arial"/>
-              </a:rPr>
-              <a:t>t</a:t>
-            </a:r>
-            <a:r>
-              <a:rPr b="0" lang="en-US" sz="1800" spc="-1" strike="noStrike">
-                <a:solidFill>
-                  <a:srgbClr val="ffffff"/>
-                </a:solidFill>
-                <a:latin typeface="Arial"/>
-              </a:rPr>
-              <a:t>u</a:t>
-            </a:r>
-            <a:r>
-              <a:rPr b="0" lang="en-US" sz="1800" spc="-1" strike="noStrike">
-                <a:solidFill>
-                  <a:srgbClr val="ffffff"/>
-                </a:solidFill>
-                <a:latin typeface="Arial"/>
-              </a:rPr>
-              <a:t>m</a:t>
-            </a:r>
-            <a:r>
-              <a:rPr b="0" lang="en-US" sz="1800" spc="-1" strike="noStrike">
-                <a:solidFill>
-                  <a:srgbClr val="ffffff"/>
-                </a:solidFill>
-                <a:latin typeface="Arial"/>
-              </a:rPr>
-              <a:t> </a:t>
-            </a:r>
-            <a:r>
-              <a:rPr b="0" lang="en-US" sz="1800" spc="-1" strike="noStrike">
-                <a:solidFill>
-                  <a:srgbClr val="ffffff"/>
-                </a:solidFill>
-                <a:latin typeface="Arial"/>
-              </a:rPr>
-              <a:t>M</a:t>
-            </a:r>
-            <a:r>
-              <a:rPr b="0" lang="en-US" sz="1800" spc="-1" strike="noStrike">
-                <a:solidFill>
-                  <a:srgbClr val="ffffff"/>
-                </a:solidFill>
-                <a:latin typeface="Arial"/>
-              </a:rPr>
-              <a:t>o</a:t>
-            </a:r>
-            <a:r>
-              <a:rPr b="0" lang="en-US" sz="1800" spc="-1" strike="noStrike">
-                <a:solidFill>
-                  <a:srgbClr val="ffffff"/>
-                </a:solidFill>
-                <a:latin typeface="Arial"/>
-              </a:rPr>
-              <a:t>n</a:t>
-            </a:r>
-            <a:r>
-              <a:rPr b="0" lang="en-US" sz="1800" spc="-1" strike="noStrike">
-                <a:solidFill>
-                  <a:srgbClr val="ffffff"/>
-                </a:solidFill>
-                <a:latin typeface="Arial"/>
-              </a:rPr>
-              <a:t>t</a:t>
-            </a:r>
-            <a:r>
-              <a:rPr b="0" lang="en-US" sz="1800" spc="-1" strike="noStrike">
-                <a:solidFill>
-                  <a:srgbClr val="ffffff"/>
-                </a:solidFill>
-                <a:latin typeface="Arial"/>
-              </a:rPr>
-              <a:t>e</a:t>
-            </a:r>
-            <a:r>
-              <a:rPr b="0" lang="en-US" sz="1800" spc="-1" strike="noStrike">
-                <a:solidFill>
-                  <a:srgbClr val="ffffff"/>
-                </a:solidFill>
-                <a:latin typeface="Arial"/>
-              </a:rPr>
-              <a:t> </a:t>
-            </a:r>
-            <a:r>
-              <a:rPr b="0" lang="en-US" sz="1800" spc="-1" strike="noStrike">
-                <a:solidFill>
-                  <a:srgbClr val="ffffff"/>
-                </a:solidFill>
-                <a:latin typeface="Arial"/>
-              </a:rPr>
-              <a:t>C</a:t>
-            </a:r>
-            <a:r>
-              <a:rPr b="0" lang="en-US" sz="1800" spc="-1" strike="noStrike">
-                <a:solidFill>
-                  <a:srgbClr val="ffffff"/>
-                </a:solidFill>
-                <a:latin typeface="Arial"/>
-              </a:rPr>
-              <a:t>a</a:t>
-            </a:r>
-            <a:r>
-              <a:rPr b="0" lang="en-US" sz="1800" spc="-1" strike="noStrike">
-                <a:solidFill>
-                  <a:srgbClr val="ffffff"/>
-                </a:solidFill>
-                <a:latin typeface="Arial"/>
-              </a:rPr>
-              <a:t>r</a:t>
-            </a:r>
-            <a:r>
-              <a:rPr b="0" lang="en-US" sz="1800" spc="-1" strike="noStrike">
-                <a:solidFill>
-                  <a:srgbClr val="ffffff"/>
-                </a:solidFill>
-                <a:latin typeface="Arial"/>
-              </a:rPr>
-              <a:t>l</a:t>
-            </a:r>
-            <a:r>
-              <a:rPr b="0" lang="en-US" sz="1800" spc="-1" strike="noStrike">
-                <a:solidFill>
-                  <a:srgbClr val="ffffff"/>
-                </a:solidFill>
-                <a:latin typeface="Arial"/>
-              </a:rPr>
-              <a:t>o</a:t>
-            </a:r>
-            <a:r>
-              <a:rPr b="0" lang="en-US" sz="1800" spc="-1" strike="noStrike">
-                <a:solidFill>
-                  <a:srgbClr val="ffffff"/>
-                </a:solidFill>
-                <a:latin typeface="Arial"/>
-              </a:rPr>
-              <a:t> </a:t>
-            </a:r>
-            <a:r>
-              <a:rPr b="0" lang="en-US" sz="1800" spc="-1" strike="noStrike">
-                <a:solidFill>
-                  <a:srgbClr val="ffffff"/>
-                </a:solidFill>
-                <a:latin typeface="Arial"/>
-              </a:rPr>
-              <a:t>M</a:t>
-            </a:r>
-            <a:r>
-              <a:rPr b="0" lang="en-US" sz="1800" spc="-1" strike="noStrike">
-                <a:solidFill>
-                  <a:srgbClr val="ffffff"/>
-                </a:solidFill>
-                <a:latin typeface="Arial"/>
-              </a:rPr>
-              <a:t>e</a:t>
-            </a:r>
-            <a:r>
-              <a:rPr b="0" lang="en-US" sz="1800" spc="-1" strike="noStrike">
-                <a:solidFill>
-                  <a:srgbClr val="ffffff"/>
-                </a:solidFill>
-                <a:latin typeface="Arial"/>
-              </a:rPr>
-              <a:t>t</a:t>
-            </a:r>
-            <a:r>
-              <a:rPr b="0" lang="en-US" sz="1800" spc="-1" strike="noStrike">
-                <a:solidFill>
-                  <a:srgbClr val="ffffff"/>
-                </a:solidFill>
-                <a:latin typeface="Arial"/>
-              </a:rPr>
-              <a:t>h</a:t>
-            </a:r>
-            <a:r>
-              <a:rPr b="0" lang="en-US" sz="1800" spc="-1" strike="noStrike">
-                <a:solidFill>
-                  <a:srgbClr val="ffffff"/>
-                </a:solidFill>
-                <a:latin typeface="Arial"/>
-              </a:rPr>
-              <a:t>o</a:t>
-            </a:r>
-            <a:r>
-              <a:rPr b="0" lang="en-US" sz="1800" spc="-1" strike="noStrike">
-                <a:solidFill>
-                  <a:srgbClr val="ffffff"/>
-                </a:solidFill>
-                <a:latin typeface="Arial"/>
-              </a:rPr>
-              <a:t>d</a:t>
-            </a:r>
-            <a:r>
-              <a:rPr b="0" lang="en-US" sz="1800" spc="-1" strike="noStrike">
-                <a:solidFill>
-                  <a:srgbClr val="ffffff"/>
-                </a:solidFill>
-                <a:latin typeface="Arial"/>
-              </a:rPr>
-              <a:t>s</a:t>
+              <a:t>Carlo Methods</a:t>
             </a:r>
             <a:endParaRPr b="0" lang="en-US" sz="1800" spc="-1" strike="noStrike">
               <a:solidFill>
@@ -19749,7 +20883,7 @@
                 </a:solidFill>
                 <a:latin typeface="Arial"/>
               </a:rPr>
-              <a:t>3</a:t>
+              <a:t>3. DFT + Hubbard U </a:t>
             </a:r>
             <a:r>
               <a:rPr b="0" lang="en-US" sz="1800" spc="-1" strike="noStrike">
@@ -19758,250 +20892,7 @@
                 </a:solidFill>
                 <a:latin typeface="Arial"/>
               </a:rPr>
-              <a:t>.</a:t>
-            </a:r>
-            <a:r>
-              <a:rPr b="0" lang="en-US" sz="1800" spc="-1" strike="noStrike">
-                <a:solidFill>
-                  <a:srgbClr val="ffffff"/>
-                </a:solidFill>
-                <a:latin typeface="Arial"/>
-              </a:rPr>
-              <a:t> </a:t>
-            </a:r>
-            <a:r>
-              <a:rPr b="0" lang="en-US" sz="1800" spc="-1" strike="noStrike">
-                <a:solidFill>
-                  <a:srgbClr val="ffffff"/>
-                </a:solidFill>
-                <a:latin typeface="Arial"/>
-              </a:rPr>
-              <a:t>D</a:t>
-            </a:r>
-            <a:r>
-              <a:rPr b="0" lang="en-US" sz="1800" spc="-1" strike="noStrike">
-                <a:solidFill>
-                  <a:srgbClr val="ffffff"/>
-                </a:solidFill>
-                <a:latin typeface="Arial"/>
-              </a:rPr>
-              <a:t>F</a:t>
-            </a:r>
-            <a:r>
-              <a:rPr b="0" lang="en-US" sz="1800" spc="-1" strike="noStrike">
-                <a:solidFill>
-                  <a:srgbClr val="ffffff"/>
-                </a:solidFill>
-                <a:latin typeface="Arial"/>
-              </a:rPr>
-              <a:t>T</a:t>
-            </a:r>
-            <a:r>
-              <a:rPr b="0" lang="en-US" sz="1800" spc="-1" strike="noStrike">
-                <a:solidFill>
-                  <a:srgbClr val="ffffff"/>
-                </a:solidFill>
-                <a:latin typeface="Arial"/>
-              </a:rPr>
-              <a:t> </a:t>
-            </a:r>
-            <a:r>
-              <a:rPr b="0" lang="en-US" sz="1800" spc="-1" strike="noStrike">
-                <a:solidFill>
-                  <a:srgbClr val="ffffff"/>
-                </a:solidFill>
-                <a:latin typeface="Arial"/>
-              </a:rPr>
-              <a:t>+</a:t>
-            </a:r>
-            <a:r>
-              <a:rPr b="0" lang="en-US" sz="1800" spc="-1" strike="noStrike">
-                <a:solidFill>
-                  <a:srgbClr val="ffffff"/>
-                </a:solidFill>
-                <a:latin typeface="Arial"/>
-              </a:rPr>
-              <a:t> </a:t>
-            </a:r>
-            <a:r>
-              <a:rPr b="0" lang="en-US" sz="1800" spc="-1" strike="noStrike">
-                <a:solidFill>
-                  <a:srgbClr val="ffffff"/>
-                </a:solidFill>
-                <a:latin typeface="Arial"/>
-              </a:rPr>
-              <a:t>H</a:t>
-            </a:r>
-            <a:r>
-              <a:rPr b="0" lang="en-US" sz="1800" spc="-1" strike="noStrike">
-                <a:solidFill>
-                  <a:srgbClr val="ffffff"/>
-                </a:solidFill>
-                <a:latin typeface="Arial"/>
-              </a:rPr>
-              <a:t>u</a:t>
-            </a:r>
-            <a:r>
-              <a:rPr b="0" lang="en-US" sz="1800" spc="-1" strike="noStrike">
-                <a:solidFill>
-                  <a:srgbClr val="ffffff"/>
-                </a:solidFill>
-                <a:latin typeface="Arial"/>
-              </a:rPr>
-              <a:t>b</a:t>
-            </a:r>
-            <a:r>
-              <a:rPr b="0" lang="en-US" sz="1800" spc="-1" strike="noStrike">
-                <a:solidFill>
-                  <a:srgbClr val="ffffff"/>
-                </a:solidFill>
-                <a:latin typeface="Arial"/>
-              </a:rPr>
-              <a:t>b</a:t>
-            </a:r>
-            <a:r>
-              <a:rPr b="0" lang="en-US" sz="1800" spc="-1" strike="noStrike">
-                <a:solidFill>
-                  <a:srgbClr val="ffffff"/>
-                </a:solidFill>
-                <a:latin typeface="Arial"/>
-              </a:rPr>
-              <a:t>a</a:t>
-            </a:r>
-            <a:r>
-              <a:rPr b="0" lang="en-US" sz="1800" spc="-1" strike="noStrike">
-                <a:solidFill>
-                  <a:srgbClr val="ffffff"/>
-                </a:solidFill>
-                <a:latin typeface="Arial"/>
-              </a:rPr>
-              <a:t>r</a:t>
-            </a:r>
-            <a:r>
-              <a:rPr b="0" lang="en-US" sz="1800" spc="-1" strike="noStrike">
-                <a:solidFill>
-                  <a:srgbClr val="ffffff"/>
-                </a:solidFill>
-                <a:latin typeface="Arial"/>
-              </a:rPr>
-              <a:t>d</a:t>
-            </a:r>
-            <a:r>
-              <a:rPr b="0" lang="en-US" sz="1800" spc="-1" strike="noStrike">
-                <a:solidFill>
-                  <a:srgbClr val="ffffff"/>
-                </a:solidFill>
-                <a:latin typeface="Arial"/>
-              </a:rPr>
-              <a:t> </a:t>
-            </a:r>
-            <a:r>
-              <a:rPr b="0" lang="en-US" sz="1800" spc="-1" strike="noStrike">
-                <a:solidFill>
-                  <a:srgbClr val="ffffff"/>
-                </a:solidFill>
-                <a:latin typeface="Arial"/>
-              </a:rPr>
-              <a:t>U</a:t>
-            </a:r>
-            <a:r>
-              <a:rPr b="0" lang="en-US" sz="1800" spc="-1" strike="noStrike">
-                <a:solidFill>
-                  <a:srgbClr val="ffffff"/>
-                </a:solidFill>
-                <a:latin typeface="Arial"/>
-              </a:rPr>
-              <a:t> </a:t>
-            </a:r>
-            <a:r>
-              <a:rPr b="0" lang="en-US" sz="1800" spc="-1" strike="noStrike">
-                <a:solidFill>
-                  <a:srgbClr val="ffffff"/>
-                </a:solidFill>
-                <a:latin typeface="Arial"/>
-              </a:rPr>
-              <a:t>c</a:t>
-            </a:r>
-            <a:r>
-              <a:rPr b="0" lang="en-US" sz="1800" spc="-1" strike="noStrike">
-                <a:solidFill>
-                  <a:srgbClr val="ffffff"/>
-                </a:solidFill>
-                <a:latin typeface="Arial"/>
-              </a:rPr>
-              <a:t>o</a:t>
-            </a:r>
-            <a:r>
-              <a:rPr b="0" lang="en-US" sz="1800" spc="-1" strike="noStrike">
-                <a:solidFill>
-                  <a:srgbClr val="ffffff"/>
-                </a:solidFill>
-                <a:latin typeface="Arial"/>
-              </a:rPr>
-              <a:t>r</a:t>
-            </a:r>
-            <a:r>
-              <a:rPr b="0" lang="en-US" sz="1800" spc="-1" strike="noStrike">
-                <a:solidFill>
-                  <a:srgbClr val="ffffff"/>
-                </a:solidFill>
-                <a:latin typeface="Arial"/>
-              </a:rPr>
-              <a:t>r</a:t>
-            </a:r>
-            <a:r>
-              <a:rPr b="0" lang="en-US" sz="1800" spc="-1" strike="noStrike">
-                <a:solidFill>
-                  <a:srgbClr val="ffffff"/>
-                </a:solidFill>
-                <a:latin typeface="Arial"/>
-              </a:rPr>
-              <a:t>e</a:t>
-            </a:r>
-            <a:r>
-              <a:rPr b="0" lang="en-US" sz="1800" spc="-1" strike="noStrike">
-                <a:solidFill>
-                  <a:srgbClr val="ffffff"/>
-                </a:solidFill>
-                <a:latin typeface="Arial"/>
-              </a:rPr>
-              <a:t>c</a:t>
-            </a:r>
-            <a:r>
-              <a:rPr b="0" lang="en-US" sz="1800" spc="-1" strike="noStrike">
-                <a:solidFill>
-                  <a:srgbClr val="ffffff"/>
-                </a:solidFill>
-                <a:latin typeface="Arial"/>
-              </a:rPr>
-              <a:t>t</a:t>
-            </a:r>
-            <a:r>
-              <a:rPr b="0" lang="en-US" sz="1800" spc="-1" strike="noStrike">
-                <a:solidFill>
-                  <a:srgbClr val="ffffff"/>
-                </a:solidFill>
-                <a:latin typeface="Arial"/>
-              </a:rPr>
-              <a:t>i</a:t>
-            </a:r>
-            <a:r>
-              <a:rPr b="0" lang="en-US" sz="1800" spc="-1" strike="noStrike">
-                <a:solidFill>
-                  <a:srgbClr val="ffffff"/>
-                </a:solidFill>
-                <a:latin typeface="Arial"/>
-              </a:rPr>
-              <a:t>o</a:t>
-            </a:r>
-            <a:r>
-              <a:rPr b="0" lang="en-US" sz="1800" spc="-1" strike="noStrike">
-                <a:solidFill>
-                  <a:srgbClr val="ffffff"/>
-                </a:solidFill>
-                <a:latin typeface="Arial"/>
-              </a:rPr>
-              <a:t>n</a:t>
+              <a:t>correction</a:t>
             </a:r>
             <a:endParaRPr b="0" lang="en-US" sz="1800" spc="-1" strike="noStrike">
               <a:solidFill>
@@ -20018,7 +20909,7 @@
                 </a:solidFill>
                 <a:latin typeface="Arial"/>
               </a:rPr>
-              <a:t>4</a:t>
+              <a:t>4. Iterative </a:t>
             </a:r>
             <a:r>
               <a:rPr b="0" lang="en-US" sz="1800" spc="-1" strike="noStrike">
@@ -20027,277 +20918,7 @@
                 </a:solidFill>
                 <a:latin typeface="Arial"/>
               </a:rPr>
-              <a:t>.</a:t>
-            </a:r>
-            <a:r>
-              <a:rPr b="0" lang="en-US" sz="1800" spc="-1" strike="noStrike">
-                <a:solidFill>
-                  <a:srgbClr val="ffffff"/>
-                </a:solidFill>
-                <a:latin typeface="Arial"/>
-              </a:rPr>
-              <a:t> </a:t>
-            </a:r>
-            <a:r>
-              <a:rPr b="0" lang="en-US" sz="1800" spc="-1" strike="noStrike">
-                <a:solidFill>
-                  <a:srgbClr val="ffffff"/>
-                </a:solidFill>
-                <a:latin typeface="Arial"/>
-              </a:rPr>
-              <a:t>I</a:t>
-            </a:r>
-            <a:r>
-              <a:rPr b="0" lang="en-US" sz="1800" spc="-1" strike="noStrike">
-                <a:solidFill>
-                  <a:srgbClr val="ffffff"/>
-                </a:solidFill>
-                <a:latin typeface="Arial"/>
-              </a:rPr>
-              <a:t>t</a:t>
-            </a:r>
-            <a:r>
-              <a:rPr b="0" lang="en-US" sz="1800" spc="-1" strike="noStrike">
-                <a:solidFill>
-                  <a:srgbClr val="ffffff"/>
-                </a:solidFill>
-                <a:latin typeface="Arial"/>
-              </a:rPr>
-              <a:t>e</a:t>
-            </a:r>
-            <a:r>
-              <a:rPr b="0" lang="en-US" sz="1800" spc="-1" strike="noStrike">
-                <a:solidFill>
-                  <a:srgbClr val="ffffff"/>
-                </a:solidFill>
-                <a:latin typeface="Arial"/>
-              </a:rPr>
-              <a:t>r</a:t>
-            </a:r>
-            <a:r>
-              <a:rPr b="0" lang="en-US" sz="1800" spc="-1" strike="noStrike">
-                <a:solidFill>
-                  <a:srgbClr val="ffffff"/>
-                </a:solidFill>
-                <a:latin typeface="Arial"/>
-              </a:rPr>
-              <a:t>a</a:t>
-            </a:r>
-            <a:r>
-              <a:rPr b="0" lang="en-US" sz="1800" spc="-1" strike="noStrike">
-                <a:solidFill>
-                  <a:srgbClr val="ffffff"/>
-                </a:solidFill>
-                <a:latin typeface="Arial"/>
-              </a:rPr>
-              <a:t>t</a:t>
-            </a:r>
-            <a:r>
-              <a:rPr b="0" lang="en-US" sz="1800" spc="-1" strike="noStrike">
-                <a:solidFill>
-                  <a:srgbClr val="ffffff"/>
-                </a:solidFill>
-                <a:latin typeface="Arial"/>
-              </a:rPr>
-              <a:t>i</a:t>
-            </a:r>
-            <a:r>
-              <a:rPr b="0" lang="en-US" sz="1800" spc="-1" strike="noStrike">
-                <a:solidFill>
-                  <a:srgbClr val="ffffff"/>
-                </a:solidFill>
-                <a:latin typeface="Arial"/>
-              </a:rPr>
-              <a:t>v</a:t>
-            </a:r>
-            <a:r>
-              <a:rPr b="0" lang="en-US" sz="1800" spc="-1" strike="noStrike">
-                <a:solidFill>
-                  <a:srgbClr val="ffffff"/>
-                </a:solidFill>
-                <a:latin typeface="Arial"/>
-              </a:rPr>
-              <a:t>e</a:t>
-            </a:r>
-            <a:r>
-              <a:rPr b="0" lang="en-US" sz="1800" spc="-1" strike="noStrike">
-                <a:solidFill>
-                  <a:srgbClr val="ffffff"/>
-                </a:solidFill>
-                <a:latin typeface="Arial"/>
-              </a:rPr>
-              <a:t> </a:t>
-            </a:r>
-            <a:r>
-              <a:rPr b="0" lang="en-US" sz="1800" spc="-1" strike="noStrike">
-                <a:solidFill>
-                  <a:srgbClr val="ffffff"/>
-                </a:solidFill>
-                <a:latin typeface="Arial"/>
-              </a:rPr>
-              <a:t>P</a:t>
-            </a:r>
-            <a:r>
-              <a:rPr b="0" lang="en-US" sz="1800" spc="-1" strike="noStrike">
-                <a:solidFill>
-                  <a:srgbClr val="ffffff"/>
-                </a:solidFill>
-                <a:latin typeface="Arial"/>
-              </a:rPr>
-              <a:t>e</a:t>
-            </a:r>
-            <a:r>
-              <a:rPr b="0" lang="en-US" sz="1800" spc="-1" strike="noStrike">
-                <a:solidFill>
-                  <a:srgbClr val="ffffff"/>
-                </a:solidFill>
-                <a:latin typeface="Arial"/>
-              </a:rPr>
-              <a:t>r</a:t>
-            </a:r>
-            <a:r>
-              <a:rPr b="0" lang="en-US" sz="1800" spc="-1" strike="noStrike">
-                <a:solidFill>
-                  <a:srgbClr val="ffffff"/>
-                </a:solidFill>
-                <a:latin typeface="Arial"/>
-              </a:rPr>
-              <a:t>t</a:t>
-            </a:r>
-            <a:r>
-              <a:rPr b="0" lang="en-US" sz="1800" spc="-1" strike="noStrike">
-                <a:solidFill>
-                  <a:srgbClr val="ffffff"/>
-                </a:solidFill>
-                <a:latin typeface="Arial"/>
-              </a:rPr>
-              <a:t>u</a:t>
-            </a:r>
-            <a:r>
-              <a:rPr b="0" lang="en-US" sz="1800" spc="-1" strike="noStrike">
-                <a:solidFill>
-                  <a:srgbClr val="ffffff"/>
-                </a:solidFill>
-                <a:latin typeface="Arial"/>
-              </a:rPr>
-              <a:t>r</a:t>
-            </a:r>
-            <a:r>
-              <a:rPr b="0" lang="en-US" sz="1800" spc="-1" strike="noStrike">
-                <a:solidFill>
-                  <a:srgbClr val="ffffff"/>
-                </a:solidFill>
-                <a:latin typeface="Arial"/>
-              </a:rPr>
-              <a:t>b</a:t>
-            </a:r>
-            <a:r>
-              <a:rPr b="0" lang="en-US" sz="1800" spc="-1" strike="noStrike">
-                <a:solidFill>
-                  <a:srgbClr val="ffffff"/>
-                </a:solidFill>
-                <a:latin typeface="Arial"/>
-              </a:rPr>
-              <a:t>a</a:t>
-            </a:r>
-            <a:r>
-              <a:rPr b="0" lang="en-US" sz="1800" spc="-1" strike="noStrike">
-                <a:solidFill>
-                  <a:srgbClr val="ffffff"/>
-                </a:solidFill>
-                <a:latin typeface="Arial"/>
-              </a:rPr>
-              <a:t>t</a:t>
-            </a:r>
-            <a:r>
-              <a:rPr b="0" lang="en-US" sz="1800" spc="-1" strike="noStrike">
-                <a:solidFill>
-                  <a:srgbClr val="ffffff"/>
-                </a:solidFill>
-                <a:latin typeface="Arial"/>
-              </a:rPr>
-              <a:t>i</a:t>
-            </a:r>
-            <a:r>
-              <a:rPr b="0" lang="en-US" sz="1800" spc="-1" strike="noStrike">
-                <a:solidFill>
-                  <a:srgbClr val="ffffff"/>
-                </a:solidFill>
-                <a:latin typeface="Arial"/>
-              </a:rPr>
-              <a:t>o</a:t>
-            </a:r>
-            <a:r>
-              <a:rPr b="0" lang="en-US" sz="1800" spc="-1" strike="noStrike">
-                <a:solidFill>
-                  <a:srgbClr val="ffffff"/>
-                </a:solidFill>
-                <a:latin typeface="Arial"/>
-              </a:rPr>
-              <a:t>n</a:t>
-            </a:r>
-            <a:r>
-              <a:rPr b="0" lang="en-US" sz="1800" spc="-1" strike="noStrike">
-                <a:solidFill>
-                  <a:srgbClr val="ffffff"/>
-                </a:solidFill>
-                <a:latin typeface="Arial"/>
-              </a:rPr>
-              <a:t> </a:t>
-            </a:r>
-            <a:r>
-              <a:rPr b="0" lang="en-US" sz="1800" spc="-1" strike="noStrike">
-                <a:solidFill>
-                  <a:srgbClr val="ffffff"/>
-                </a:solidFill>
-                <a:latin typeface="Arial"/>
-              </a:rPr>
-              <a:t>T</a:t>
-            </a:r>
-            <a:r>
-              <a:rPr b="0" lang="en-US" sz="1800" spc="-1" strike="noStrike">
-                <a:solidFill>
-                  <a:srgbClr val="ffffff"/>
-                </a:solidFill>
-                <a:latin typeface="Arial"/>
-              </a:rPr>
-              <a:t>h</a:t>
-            </a:r>
-            <a:r>
-              <a:rPr b="0" lang="en-US" sz="1800" spc="-1" strike="noStrike">
-                <a:solidFill>
-                  <a:srgbClr val="ffffff"/>
-                </a:solidFill>
-                <a:latin typeface="Arial"/>
-              </a:rPr>
-              <a:t>e</a:t>
-            </a:r>
-            <a:r>
-              <a:rPr b="0" lang="en-US" sz="1800" spc="-1" strike="noStrike">
-                <a:solidFill>
-                  <a:srgbClr val="ffffff"/>
-                </a:solidFill>
-                <a:latin typeface="Arial"/>
-              </a:rPr>
-              <a:t>o</a:t>
-            </a:r>
-            <a:r>
-              <a:rPr b="0" lang="en-US" sz="1800" spc="-1" strike="noStrike">
-                <a:solidFill>
-                  <a:srgbClr val="ffffff"/>
-                </a:solidFill>
-                <a:latin typeface="Arial"/>
-              </a:rPr>
-              <a:t>r</a:t>
-            </a:r>
-            <a:r>
-              <a:rPr b="0" lang="en-US" sz="1800" spc="-1" strike="noStrike">
-                <a:solidFill>
-                  <a:srgbClr val="ffffff"/>
-                </a:solidFill>
-                <a:latin typeface="Arial"/>
-              </a:rPr>
-              <a:t>y</a:t>
+              <a:t>Perturbation Theory</a:t>
             </a:r>
             <a:endParaRPr b="0" lang="en-US" sz="1800" spc="-1" strike="noStrike">
               <a:solidFill>
@@ -20314,7 +20935,7 @@
                 </a:solidFill>
                 <a:latin typeface="Arial"/>
               </a:rPr>
-              <a:t>E</a:t>
+              <a:t>5. Slave-boson Mean </a:t>
             </a:r>
             <a:r>
               <a:rPr b="0" lang="en-US" sz="1800" spc="-1" strike="noStrike">
@@ -20323,160 +20944,7 @@
                 </a:solidFill>
                 <a:latin typeface="Arial"/>
               </a:rPr>
-              <a:t>x</a:t>
-            </a:r>
-            <a:r>
-              <a:rPr b="0" lang="en-US" sz="1800" spc="-1" strike="noStrike">
-                <a:solidFill>
-                  <a:srgbClr val="ffffff"/>
-                </a:solidFill>
-                <a:latin typeface="Arial"/>
-              </a:rPr>
-              <a:t>t</a:t>
-            </a:r>
-            <a:r>
-              <a:rPr b="0" lang="en-US" sz="1800" spc="-1" strike="noStrike">
-                <a:solidFill>
-                  <a:srgbClr val="ffffff"/>
-                </a:solidFill>
-                <a:latin typeface="Arial"/>
-              </a:rPr>
-              <a:t>e</a:t>
-            </a:r>
-            <a:r>
-              <a:rPr b="0" lang="en-US" sz="1800" spc="-1" strike="noStrike">
-                <a:solidFill>
-                  <a:srgbClr val="ffffff"/>
-                </a:solidFill>
-                <a:latin typeface="Arial"/>
-              </a:rPr>
-              <a:t>n</a:t>
-            </a:r>
-            <a:r>
-              <a:rPr b="0" lang="en-US" sz="1800" spc="-1" strike="noStrike">
-                <a:solidFill>
-                  <a:srgbClr val="ffffff"/>
-                </a:solidFill>
-                <a:latin typeface="Arial"/>
-              </a:rPr>
-              <a:t>t</a:t>
-            </a:r>
-            <a:r>
-              <a:rPr b="0" lang="en-US" sz="1800" spc="-1" strike="noStrike">
-                <a:solidFill>
-                  <a:srgbClr val="ffffff"/>
-                </a:solidFill>
-                <a:latin typeface="Arial"/>
-              </a:rPr>
-              <a:t>i</a:t>
-            </a:r>
-            <a:r>
-              <a:rPr b="0" lang="en-US" sz="1800" spc="-1" strike="noStrike">
-                <a:solidFill>
-                  <a:srgbClr val="ffffff"/>
-                </a:solidFill>
-                <a:latin typeface="Arial"/>
-              </a:rPr>
-              <a:t>o</a:t>
-            </a:r>
-            <a:r>
-              <a:rPr b="0" lang="en-US" sz="1800" spc="-1" strike="noStrike">
-                <a:solidFill>
-                  <a:srgbClr val="ffffff"/>
-                </a:solidFill>
-                <a:latin typeface="Arial"/>
-              </a:rPr>
-              <a:t>n</a:t>
-            </a:r>
-            <a:r>
-              <a:rPr b="0" lang="en-US" sz="1800" spc="-1" strike="noStrike">
-                <a:solidFill>
-                  <a:srgbClr val="ffffff"/>
-                </a:solidFill>
-                <a:latin typeface="Arial"/>
-              </a:rPr>
-              <a:t>s</a:t>
-            </a:r>
-            <a:r>
-              <a:rPr b="0" lang="en-US" sz="1800" spc="-1" strike="noStrike">
-                <a:solidFill>
-                  <a:srgbClr val="ffffff"/>
-                </a:solidFill>
-                <a:latin typeface="Arial"/>
-              </a:rPr>
-              <a:t> </a:t>
-            </a:r>
-            <a:r>
-              <a:rPr b="0" lang="en-US" sz="1800" spc="-1" strike="noStrike">
-                <a:solidFill>
-                  <a:srgbClr val="ffffff"/>
-                </a:solidFill>
-                <a:latin typeface="Arial"/>
-              </a:rPr>
-              <a:t>o</a:t>
-            </a:r>
-            <a:r>
-              <a:rPr b="0" lang="en-US" sz="1800" spc="-1" strike="noStrike">
-                <a:solidFill>
-                  <a:srgbClr val="ffffff"/>
-                </a:solidFill>
-                <a:latin typeface="Arial"/>
-              </a:rPr>
-              <a:t>f</a:t>
-            </a:r>
-            <a:r>
-              <a:rPr b="0" lang="en-US" sz="1800" spc="-1" strike="noStrike">
-                <a:solidFill>
-                  <a:srgbClr val="ffffff"/>
-                </a:solidFill>
-                <a:latin typeface="Arial"/>
-              </a:rPr>
-              <a:t> </a:t>
-            </a:r>
-            <a:r>
-              <a:rPr b="0" lang="en-US" sz="1800" spc="-1" strike="noStrike">
-                <a:solidFill>
-                  <a:srgbClr val="ffffff"/>
-                </a:solidFill>
-                <a:latin typeface="Arial"/>
-              </a:rPr>
-              <a:t>D</a:t>
-            </a:r>
-            <a:r>
-              <a:rPr b="0" lang="en-US" sz="1800" spc="-1" strike="noStrike">
-                <a:solidFill>
-                  <a:srgbClr val="ffffff"/>
-                </a:solidFill>
-                <a:latin typeface="Arial"/>
-              </a:rPr>
-              <a:t>M</a:t>
-            </a:r>
-            <a:r>
-              <a:rPr b="0" lang="en-US" sz="1800" spc="-1" strike="noStrike">
-                <a:solidFill>
-                  <a:srgbClr val="ffffff"/>
-                </a:solidFill>
-                <a:latin typeface="Arial"/>
-              </a:rPr>
-              <a:t>F</a:t>
-            </a:r>
-            <a:r>
-              <a:rPr b="0" lang="en-US" sz="1800" spc="-1" strike="noStrike">
-                <a:solidFill>
-                  <a:srgbClr val="ffffff"/>
-                </a:solidFill>
-                <a:latin typeface="Arial"/>
-              </a:rPr>
-              <a:t>T</a:t>
-            </a:r>
-            <a:r>
-              <a:rPr b="0" lang="en-US" sz="1800" spc="-1" strike="noStrike">
-                <a:solidFill>
-                  <a:srgbClr val="ffffff"/>
-                </a:solidFill>
-                <a:latin typeface="Arial"/>
-              </a:rPr>
-              <a:t>:</a:t>
+              <a:t>Field Theory</a:t>
             </a:r>
             <a:endParaRPr b="0" lang="en-US" sz="1800" spc="-1" strike="noStrike">
               <a:solidFill>
@@ -20489,281 +20957,11 @@
             <a:r>
               <a:rPr b="0" lang="en-US" sz="1800" spc="-1" strike="noStrike">
                 <a:solidFill>
-                  <a:srgbClr val="81d41a"/>
-                </a:solidFill>
-                <a:latin typeface="Arial"/>
-              </a:rPr>
-              <a:t>1</a:t>
-            </a:r>
-            <a:r>
-              <a:rPr b="0" lang="en-US" sz="1800" spc="-1" strike="noStrike">
-                <a:solidFill>
-                  <a:srgbClr val="81d41a"/>
-                </a:solidFill>
-                <a:latin typeface="Arial"/>
-              </a:rPr>
-              <a:t>.</a:t>
-            </a:r>
-            <a:r>
-              <a:rPr b="0" lang="en-US" sz="1800" spc="-1" strike="noStrike">
-                <a:solidFill>
-                  <a:srgbClr val="81d41a"/>
-                </a:solidFill>
-                <a:latin typeface="Arial"/>
-              </a:rPr>
-              <a:t> </a:t>
-            </a:r>
-            <a:r>
-              <a:rPr b="0" lang="en-US" sz="1800" spc="-1" strike="noStrike">
-                <a:solidFill>
-                  <a:srgbClr val="81d41a"/>
-                </a:solidFill>
-                <a:latin typeface="Arial"/>
-              </a:rPr>
-              <a:t>D</a:t>
-            </a:r>
-            <a:r>
-              <a:rPr b="0" lang="en-US" sz="1800" spc="-1" strike="noStrike">
-                <a:solidFill>
-                  <a:srgbClr val="81d41a"/>
-                </a:solidFill>
-                <a:latin typeface="Arial"/>
-              </a:rPr>
-              <a:t>y</a:t>
-            </a:r>
-            <a:r>
-              <a:rPr b="0" lang="en-US" sz="1800" spc="-1" strike="noStrike">
-                <a:solidFill>
-                  <a:srgbClr val="81d41a"/>
-                </a:solidFill>
-                <a:latin typeface="Arial"/>
-              </a:rPr>
-              <a:t>n</a:t>
-            </a:r>
-            <a:r>
-              <a:rPr b="0" lang="en-US" sz="1800" spc="-1" strike="noStrike">
-                <a:solidFill>
-                  <a:srgbClr val="81d41a"/>
-                </a:solidFill>
-                <a:latin typeface="Arial"/>
-              </a:rPr>
-              <a:t>a</a:t>
-            </a:r>
-            <a:r>
-              <a:rPr b="0" lang="en-US" sz="1800" spc="-1" strike="noStrike">
-                <a:solidFill>
-                  <a:srgbClr val="81d41a"/>
-                </a:solidFill>
-                <a:latin typeface="Arial"/>
-              </a:rPr>
-              <a:t>m</a:t>
-            </a:r>
-            <a:r>
-              <a:rPr b="0" lang="en-US" sz="1800" spc="-1" strike="noStrike">
-                <a:solidFill>
-                  <a:srgbClr val="81d41a"/>
-                </a:solidFill>
-                <a:latin typeface="Arial"/>
-              </a:rPr>
-              <a:t>i</a:t>
-            </a:r>
-            <a:r>
-              <a:rPr b="0" lang="en-US" sz="1800" spc="-1" strike="noStrike">
-                <a:solidFill>
-                  <a:srgbClr val="81d41a"/>
-                </a:solidFill>
-                <a:latin typeface="Arial"/>
-              </a:rPr>
-              <a:t>c</a:t>
-            </a:r>
-            <a:r>
-              <a:rPr b="0" lang="en-US" sz="1800" spc="-1" strike="noStrike">
-                <a:solidFill>
-                  <a:srgbClr val="81d41a"/>
-                </a:solidFill>
-                <a:latin typeface="Arial"/>
-              </a:rPr>
-              <a:t>a</a:t>
-            </a:r>
-            <a:r>
-              <a:rPr b="0" lang="en-US" sz="1800" spc="-1" strike="noStrike">
-                <a:solidFill>
-                  <a:srgbClr val="81d41a"/>
-                </a:solidFill>
-                <a:latin typeface="Arial"/>
-              </a:rPr>
-              <a:t>l</a:t>
-            </a:r>
-            <a:r>
-              <a:rPr b="0" lang="en-US" sz="1800" spc="-1" strike="noStrike">
-                <a:solidFill>
-                  <a:srgbClr val="81d41a"/>
-                </a:solidFill>
-                <a:latin typeface="Arial"/>
-              </a:rPr>
-              <a:t> </a:t>
-            </a:r>
-            <a:r>
-              <a:rPr b="0" lang="en-US" sz="1800" spc="-1" strike="noStrike">
-                <a:solidFill>
-                  <a:srgbClr val="81d41a"/>
-                </a:solidFill>
-                <a:latin typeface="Arial"/>
-              </a:rPr>
-              <a:t>M</a:t>
-            </a:r>
-            <a:r>
-              <a:rPr b="0" lang="en-US" sz="1800" spc="-1" strike="noStrike">
-                <a:solidFill>
-                  <a:srgbClr val="81d41a"/>
-                </a:solidFill>
-                <a:latin typeface="Arial"/>
-              </a:rPr>
-              <a:t>e</a:t>
-            </a:r>
-            <a:r>
-              <a:rPr b="0" lang="en-US" sz="1800" spc="-1" strike="noStrike">
-                <a:solidFill>
-                  <a:srgbClr val="81d41a"/>
-                </a:solidFill>
-                <a:latin typeface="Arial"/>
-              </a:rPr>
-              <a:t>a</a:t>
-            </a:r>
-            <a:r>
-              <a:rPr b="0" lang="en-US" sz="1800" spc="-1" strike="noStrike">
-                <a:solidFill>
-                  <a:srgbClr val="81d41a"/>
-                </a:solidFill>
-                <a:latin typeface="Arial"/>
-              </a:rPr>
-              <a:t>n</a:t>
-            </a:r>
-            <a:r>
-              <a:rPr b="0" lang="en-US" sz="1800" spc="-1" strike="noStrike">
-                <a:solidFill>
-                  <a:srgbClr val="81d41a"/>
-                </a:solidFill>
-                <a:latin typeface="Arial"/>
-              </a:rPr>
-              <a:t> </a:t>
-            </a:r>
-            <a:r>
-              <a:rPr b="0" lang="en-US" sz="1800" spc="-1" strike="noStrike">
-                <a:solidFill>
-                  <a:srgbClr val="81d41a"/>
-                </a:solidFill>
-                <a:latin typeface="Arial"/>
-              </a:rPr>
-              <a:t>F</a:t>
-            </a:r>
-            <a:r>
-              <a:rPr b="0" lang="en-US" sz="1800" spc="-1" strike="noStrike">
-                <a:solidFill>
-                  <a:srgbClr val="81d41a"/>
-                </a:solidFill>
-                <a:latin typeface="Arial"/>
-              </a:rPr>
-              <a:t>i</a:t>
-            </a:r>
-            <a:r>
-              <a:rPr b="0" lang="en-US" sz="1800" spc="-1" strike="noStrike">
-                <a:solidFill>
-                  <a:srgbClr val="81d41a"/>
-                </a:solidFill>
-                <a:latin typeface="Arial"/>
-              </a:rPr>
-              <a:t>e</a:t>
-            </a:r>
-            <a:r>
-              <a:rPr b="0" lang="en-US" sz="1800" spc="-1" strike="noStrike">
-                <a:solidFill>
-                  <a:srgbClr val="81d41a"/>
-                </a:solidFill>
-                <a:latin typeface="Arial"/>
-              </a:rPr>
-              <a:t>l</a:t>
-            </a:r>
-            <a:r>
-              <a:rPr b="0" lang="en-US" sz="1800" spc="-1" strike="noStrike">
-                <a:solidFill>
-                  <a:srgbClr val="81d41a"/>
-                </a:solidFill>
-                <a:latin typeface="Arial"/>
-              </a:rPr>
-              <a:t>d</a:t>
-            </a:r>
-            <a:r>
-              <a:rPr b="0" lang="en-US" sz="1800" spc="-1" strike="noStrike">
-                <a:solidFill>
-                  <a:srgbClr val="81d41a"/>
-                </a:solidFill>
-                <a:latin typeface="Arial"/>
-              </a:rPr>
-              <a:t> </a:t>
-            </a:r>
-            <a:r>
-              <a:rPr b="0" lang="en-US" sz="1800" spc="-1" strike="noStrike">
-                <a:solidFill>
-                  <a:srgbClr val="81d41a"/>
-                </a:solidFill>
-                <a:latin typeface="Arial"/>
-              </a:rPr>
-              <a:t>T</a:t>
-            </a:r>
-            <a:r>
-              <a:rPr b="0" lang="en-US" sz="1800" spc="-1" strike="noStrike">
-                <a:solidFill>
-                  <a:srgbClr val="81d41a"/>
-                </a:solidFill>
-                <a:latin typeface="Arial"/>
-              </a:rPr>
-              <a:t>h</a:t>
-            </a:r>
-            <a:r>
-              <a:rPr b="0" lang="en-US" sz="1800" spc="-1" strike="noStrike">
-                <a:solidFill>
-                  <a:srgbClr val="81d41a"/>
-                </a:solidFill>
-                <a:latin typeface="Arial"/>
-              </a:rPr>
-              <a:t>e</a:t>
-            </a:r>
-            <a:r>
-              <a:rPr b="0" lang="en-US" sz="1800" spc="-1" strike="noStrike">
-                <a:solidFill>
-                  <a:srgbClr val="81d41a"/>
-                </a:solidFill>
-                <a:latin typeface="Arial"/>
-              </a:rPr>
-              <a:t>o</a:t>
-            </a:r>
-            <a:r>
-              <a:rPr b="0" lang="en-US" sz="1800" spc="-1" strike="noStrike">
-                <a:solidFill>
-                  <a:srgbClr val="81d41a"/>
-                </a:solidFill>
-                <a:latin typeface="Arial"/>
-              </a:rPr>
-              <a:t>r</a:t>
-            </a:r>
-            <a:r>
-              <a:rPr b="0" lang="en-US" sz="1800" spc="-1" strike="noStrike">
-                <a:solidFill>
-                  <a:srgbClr val="81d41a"/>
-                </a:solidFill>
-                <a:latin typeface="Arial"/>
-              </a:rPr>
-              <a:t>y</a:t>
-            </a:r>
-            <a:r>
-              <a:rPr b="0" lang="en-US" sz="1800" spc="-1" strike="noStrike">
-                <a:solidFill>
-                  <a:srgbClr val="81d41a"/>
-                </a:solidFill>
-                <a:latin typeface="Arial"/>
-              </a:rPr>
-              <a:t> </a:t>
+                  <a:srgbClr val="ffffff"/>
+                </a:solidFill>
+                <a:latin typeface="Arial"/>
+              </a:rPr>
+              <a:t>Extentions of DMFT:</a:t>
             </a:r>
             <a:endParaRPr b="0" lang="en-US" sz="1800" spc="-1" strike="noStrike">
               <a:solidFill>
@@ -20776,353 +20974,20 @@
             <a:r>
               <a:rPr b="0" lang="en-US" sz="1800" spc="-1" strike="noStrike">
                 <a:solidFill>
-                  <a:srgbClr val="ffffff"/>
-                </a:solidFill>
-                <a:latin typeface="Arial"/>
-              </a:rPr>
-              <a:t>2</a:t>
+                  <a:srgbClr val="81d41a"/>
+                </a:solidFill>
+                <a:latin typeface="Arial"/>
+              </a:rPr>
+              <a:t>1. Dynamical Mean </a:t>
             </a:r>
             <a:r>
               <a:rPr b="0" lang="en-US" sz="1800" spc="-1" strike="noStrike">
                 <a:solidFill>
-                  <a:srgbClr val="ffffff"/>
-                </a:solidFill>
-                <a:latin typeface="Arial"/>
-              </a:rPr>
-              <a:t>.</a:t>
-            </a:r>
-            <a:r>
-              <a:rPr b="0" lang="en-US" sz="1800" spc="-1" strike="noStrike">
-                <a:solidFill>
-                  <a:srgbClr val="ffffff"/>
-                </a:solidFill>
-                <a:latin typeface="Arial"/>
-              </a:rPr>
-              <a:t> </a:t>
-            </a:r>
-            <a:r>
-              <a:rPr b="0" lang="en-US" sz="1800" spc="-1" strike="noStrike">
-                <a:solidFill>
-                  <a:srgbClr val="ffffff"/>
-                </a:solidFill>
-                <a:latin typeface="Arial"/>
-              </a:rPr>
-              <a:t>C</a:t>
-            </a:r>
-            <a:r>
-              <a:rPr b="0" lang="en-US" sz="1800" spc="-1" strike="noStrike">
-                <a:solidFill>
-                  <a:srgbClr val="ffffff"/>
-                </a:solidFill>
-                <a:latin typeface="Arial"/>
-              </a:rPr>
-              <a:t>l</a:t>
-            </a:r>
-            <a:r>
-              <a:rPr b="0" lang="en-US" sz="1800" spc="-1" strike="noStrike">
-                <a:solidFill>
-                  <a:srgbClr val="ffffff"/>
-                </a:solidFill>
-                <a:latin typeface="Arial"/>
-              </a:rPr>
-              <a:t>u</a:t>
-            </a:r>
-            <a:r>
-              <a:rPr b="0" lang="en-US" sz="1800" spc="-1" strike="noStrike">
-                <a:solidFill>
-                  <a:srgbClr val="ffffff"/>
-                </a:solidFill>
-                <a:latin typeface="Arial"/>
-              </a:rPr>
-              <a:t>s</a:t>
-            </a:r>
-            <a:r>
-              <a:rPr b="0" lang="en-US" sz="1800" spc="-1" strike="noStrike">
-                <a:solidFill>
-                  <a:srgbClr val="ffffff"/>
-                </a:solidFill>
-                <a:latin typeface="Arial"/>
-              </a:rPr>
-              <a:t>t</a:t>
-            </a:r>
-            <a:r>
-              <a:rPr b="0" lang="en-US" sz="1800" spc="-1" strike="noStrike">
-                <a:solidFill>
-                  <a:srgbClr val="ffffff"/>
-                </a:solidFill>
-                <a:latin typeface="Arial"/>
-              </a:rPr>
-              <a:t>e</a:t>
-            </a:r>
-            <a:r>
-              <a:rPr b="0" lang="en-US" sz="1800" spc="-1" strike="noStrike">
-                <a:solidFill>
-                  <a:srgbClr val="ffffff"/>
-                </a:solidFill>
-                <a:latin typeface="Arial"/>
-              </a:rPr>
-              <a:t>r</a:t>
-            </a:r>
-            <a:r>
-              <a:rPr b="0" lang="en-US" sz="1800" spc="-1" strike="noStrike">
-                <a:solidFill>
-                  <a:srgbClr val="ffffff"/>
-                </a:solidFill>
-                <a:latin typeface="Arial"/>
-              </a:rPr>
-              <a:t> </a:t>
-            </a:r>
-            <a:r>
-              <a:rPr b="0" lang="en-US" sz="1800" spc="-1" strike="noStrike">
-                <a:solidFill>
-                  <a:srgbClr val="ffffff"/>
-                </a:solidFill>
-                <a:latin typeface="Arial"/>
-              </a:rPr>
-              <a:t>D</a:t>
-            </a:r>
-            <a:r>
-              <a:rPr b="0" lang="en-US" sz="1800" spc="-1" strike="noStrike">
-                <a:solidFill>
-                  <a:srgbClr val="ffffff"/>
-                </a:solidFill>
-                <a:latin typeface="Arial"/>
-              </a:rPr>
-              <a:t>y</a:t>
-            </a:r>
-            <a:r>
-              <a:rPr b="0" lang="en-US" sz="1800" spc="-1" strike="noStrike">
-                <a:solidFill>
-                  <a:srgbClr val="ffffff"/>
-                </a:solidFill>
-                <a:latin typeface="Arial"/>
-              </a:rPr>
-              <a:t>n</a:t>
-            </a:r>
-            <a:r>
-              <a:rPr b="0" lang="en-US" sz="1800" spc="-1" strike="noStrike">
-                <a:solidFill>
-                  <a:srgbClr val="ffffff"/>
-                </a:solidFill>
-                <a:latin typeface="Arial"/>
-              </a:rPr>
-              <a:t>a</a:t>
-            </a:r>
-            <a:r>
-              <a:rPr b="0" lang="en-US" sz="1800" spc="-1" strike="noStrike">
-                <a:solidFill>
-                  <a:srgbClr val="ffffff"/>
-                </a:solidFill>
-                <a:latin typeface="Arial"/>
-              </a:rPr>
-              <a:t>m</a:t>
-            </a:r>
-            <a:r>
-              <a:rPr b="0" lang="en-US" sz="1800" spc="-1" strike="noStrike">
-                <a:solidFill>
-                  <a:srgbClr val="ffffff"/>
-                </a:solidFill>
-                <a:latin typeface="Arial"/>
-              </a:rPr>
-              <a:t>i</a:t>
-            </a:r>
-            <a:r>
-              <a:rPr b="0" lang="en-US" sz="1800" spc="-1" strike="noStrike">
-                <a:solidFill>
-                  <a:srgbClr val="ffffff"/>
-                </a:solidFill>
-                <a:latin typeface="Arial"/>
-              </a:rPr>
-              <a:t>c</a:t>
-            </a:r>
-            <a:r>
-              <a:rPr b="0" lang="en-US" sz="1800" spc="-1" strike="noStrike">
-                <a:solidFill>
-                  <a:srgbClr val="ffffff"/>
-                </a:solidFill>
-                <a:latin typeface="Arial"/>
-              </a:rPr>
-              <a:t>a</a:t>
-            </a:r>
-            <a:r>
-              <a:rPr b="0" lang="en-US" sz="1800" spc="-1" strike="noStrike">
-                <a:solidFill>
-                  <a:srgbClr val="ffffff"/>
-                </a:solidFill>
-                <a:latin typeface="Arial"/>
-              </a:rPr>
-              <a:t>l</a:t>
-            </a:r>
-            <a:r>
-              <a:rPr b="0" lang="en-US" sz="1800" spc="-1" strike="noStrike">
-                <a:solidFill>
-                  <a:srgbClr val="ffffff"/>
-                </a:solidFill>
-                <a:latin typeface="Arial"/>
-              </a:rPr>
-              <a:t> </a:t>
-            </a:r>
-            <a:r>
-              <a:rPr b="0" lang="en-US" sz="1800" spc="-1" strike="noStrike">
-                <a:solidFill>
-                  <a:srgbClr val="ffffff"/>
-                </a:solidFill>
-                <a:latin typeface="Arial"/>
-              </a:rPr>
-              <a:t>M</a:t>
-            </a:r>
-            <a:r>
-              <a:rPr b="0" lang="en-US" sz="1800" spc="-1" strike="noStrike">
-                <a:solidFill>
-                  <a:srgbClr val="ffffff"/>
-                </a:solidFill>
-                <a:latin typeface="Arial"/>
-              </a:rPr>
-              <a:t>e</a:t>
-            </a:r>
-            <a:r>
-              <a:rPr b="0" lang="en-US" sz="1800" spc="-1" strike="noStrike">
-                <a:solidFill>
-                  <a:srgbClr val="ffffff"/>
-                </a:solidFill>
-                <a:latin typeface="Arial"/>
-              </a:rPr>
-              <a:t>a</a:t>
-            </a:r>
-            <a:r>
-              <a:rPr b="0" lang="en-US" sz="1800" spc="-1" strike="noStrike">
-                <a:solidFill>
-                  <a:srgbClr val="ffffff"/>
-                </a:solidFill>
-                <a:latin typeface="Arial"/>
-              </a:rPr>
-              <a:t>n</a:t>
-            </a:r>
-            <a:r>
-              <a:rPr b="0" lang="en-US" sz="1800" spc="-1" strike="noStrike">
-                <a:solidFill>
-                  <a:srgbClr val="ffffff"/>
-                </a:solidFill>
-                <a:latin typeface="Arial"/>
-              </a:rPr>
-              <a:t> </a:t>
-            </a:r>
-            <a:r>
-              <a:rPr b="0" lang="en-US" sz="1800" spc="-1" strike="noStrike">
-                <a:solidFill>
-                  <a:srgbClr val="ffffff"/>
-                </a:solidFill>
-                <a:latin typeface="Arial"/>
-              </a:rPr>
-              <a:t>F</a:t>
-            </a:r>
-            <a:r>
-              <a:rPr b="0" lang="en-US" sz="1800" spc="-1" strike="noStrike">
-                <a:solidFill>
-                  <a:srgbClr val="ffffff"/>
-                </a:solidFill>
-                <a:latin typeface="Arial"/>
-              </a:rPr>
-              <a:t>i</a:t>
-            </a:r>
-            <a:r>
-              <a:rPr b="0" lang="en-US" sz="1800" spc="-1" strike="noStrike">
-                <a:solidFill>
-                  <a:srgbClr val="ffffff"/>
-                </a:solidFill>
-                <a:latin typeface="Arial"/>
-              </a:rPr>
-              <a:t>e</a:t>
-            </a:r>
-            <a:r>
-              <a:rPr b="0" lang="en-US" sz="1800" spc="-1" strike="noStrike">
-                <a:solidFill>
-                  <a:srgbClr val="ffffff"/>
-                </a:solidFill>
-                <a:latin typeface="Arial"/>
-              </a:rPr>
-              <a:t>l</a:t>
-            </a:r>
-            <a:r>
-              <a:rPr b="0" lang="en-US" sz="1800" spc="-1" strike="noStrike">
-                <a:solidFill>
-                  <a:srgbClr val="ffffff"/>
-                </a:solidFill>
-                <a:latin typeface="Arial"/>
-              </a:rPr>
-              <a:t>d</a:t>
-            </a:r>
-            <a:r>
-              <a:rPr b="0" lang="en-US" sz="1800" spc="-1" strike="noStrike">
-                <a:solidFill>
-                  <a:srgbClr val="ffffff"/>
-                </a:solidFill>
-                <a:latin typeface="Arial"/>
-              </a:rPr>
-              <a:t> </a:t>
-            </a:r>
-            <a:r>
-              <a:rPr b="0" lang="en-US" sz="1800" spc="-1" strike="noStrike">
-                <a:solidFill>
-                  <a:srgbClr val="ffffff"/>
-                </a:solidFill>
-                <a:latin typeface="Arial"/>
-              </a:rPr>
-              <a:t>T</a:t>
-            </a:r>
-            <a:r>
-              <a:rPr b="0" lang="en-US" sz="1800" spc="-1" strike="noStrike">
-                <a:solidFill>
-                  <a:srgbClr val="ffffff"/>
-                </a:solidFill>
-                <a:latin typeface="Arial"/>
-              </a:rPr>
-              <a:t>h</a:t>
-            </a:r>
-            <a:r>
-              <a:rPr b="0" lang="en-US" sz="1800" spc="-1" strike="noStrike">
-                <a:solidFill>
-                  <a:srgbClr val="ffffff"/>
-                </a:solidFill>
-                <a:latin typeface="Arial"/>
-              </a:rPr>
-              <a:t>e</a:t>
-            </a:r>
-            <a:r>
-              <a:rPr b="0" lang="en-US" sz="1800" spc="-1" strike="noStrike">
-                <a:solidFill>
-                  <a:srgbClr val="ffffff"/>
-                </a:solidFill>
-                <a:latin typeface="Arial"/>
-              </a:rPr>
-              <a:t>o</a:t>
-            </a:r>
-            <a:r>
-              <a:rPr b="0" lang="en-US" sz="1800" spc="-1" strike="noStrike">
-                <a:solidFill>
-                  <a:srgbClr val="ffffff"/>
-                </a:solidFill>
-                <a:latin typeface="Arial"/>
-              </a:rPr>
-              <a:t>r</a:t>
-            </a:r>
-            <a:r>
-              <a:rPr b="0" lang="en-US" sz="1800" spc="-1" strike="noStrike">
-                <a:solidFill>
-                  <a:srgbClr val="ffffff"/>
-                </a:solidFill>
-                <a:latin typeface="Arial"/>
-              </a:rPr>
-              <a:t>y</a:t>
-            </a:r>
-            <a:r>
-              <a:rPr b="0" lang="en-US" sz="1800" spc="-1" strike="noStrike">
-                <a:solidFill>
-                  <a:srgbClr val="ffffff"/>
-                </a:solidFill>
-                <a:latin typeface="Arial"/>
-              </a:rPr>
-              <a:t> </a:t>
+                  <a:srgbClr val="81d41a"/>
+                </a:solidFill>
+                <a:latin typeface="Arial"/>
+              </a:rPr>
+              <a:t>Field Theory </a:t>
             </a:r>
             <a:endParaRPr b="0" lang="en-US" sz="1800" spc="-1" strike="noStrike">
               <a:solidFill>
@@ -21139,7 +21004,7 @@
                 </a:solidFill>
                 <a:latin typeface="Arial"/>
               </a:rPr>
-              <a:t>3</a:t>
+              <a:t>2. Cluster Dynamical </a:t>
             </a:r>
             <a:r>
               <a:rPr b="0" lang="en-US" sz="1800" spc="-1" strike="noStrike">
@@ -21148,241 +21013,7 @@
                 </a:solidFill>
                 <a:latin typeface="Arial"/>
               </a:rPr>
-              <a:t>.</a:t>
-            </a:r>
-            <a:r>
-              <a:rPr b="0" lang="en-US" sz="1800" spc="-1" strike="noStrike">
-                <a:solidFill>
-                  <a:srgbClr val="ffffff"/>
-                </a:solidFill>
-                <a:latin typeface="Arial"/>
-              </a:rPr>
-              <a:t> </a:t>
-            </a:r>
-            <a:r>
-              <a:rPr b="0" lang="en-US" sz="1800" spc="-1" strike="noStrike">
-                <a:solidFill>
-                  <a:srgbClr val="ffffff"/>
-                </a:solidFill>
-                <a:latin typeface="Arial"/>
-              </a:rPr>
-              <a:t>M</a:t>
-            </a:r>
-            <a:r>
-              <a:rPr b="0" lang="en-US" sz="1800" spc="-1" strike="noStrike">
-                <a:solidFill>
-                  <a:srgbClr val="ffffff"/>
-                </a:solidFill>
-                <a:latin typeface="Arial"/>
-              </a:rPr>
-              <a:t>u</a:t>
-            </a:r>
-            <a:r>
-              <a:rPr b="0" lang="en-US" sz="1800" spc="-1" strike="noStrike">
-                <a:solidFill>
-                  <a:srgbClr val="ffffff"/>
-                </a:solidFill>
-                <a:latin typeface="Arial"/>
-              </a:rPr>
-              <a:t>l</a:t>
-            </a:r>
-            <a:r>
-              <a:rPr b="0" lang="en-US" sz="1800" spc="-1" strike="noStrike">
-                <a:solidFill>
-                  <a:srgbClr val="ffffff"/>
-                </a:solidFill>
-                <a:latin typeface="Arial"/>
-              </a:rPr>
-              <a:t>t</a:t>
-            </a:r>
-            <a:r>
-              <a:rPr b="0" lang="en-US" sz="1800" spc="-1" strike="noStrike">
-                <a:solidFill>
-                  <a:srgbClr val="ffffff"/>
-                </a:solidFill>
-                <a:latin typeface="Arial"/>
-              </a:rPr>
-              <a:t>i</a:t>
-            </a:r>
-            <a:r>
-              <a:rPr b="0" lang="en-US" sz="1800" spc="-1" strike="noStrike">
-                <a:solidFill>
-                  <a:srgbClr val="ffffff"/>
-                </a:solidFill>
-                <a:latin typeface="Arial"/>
-              </a:rPr>
-              <a:t>-</a:t>
-            </a:r>
-            <a:r>
-              <a:rPr b="0" lang="en-US" sz="1800" spc="-1" strike="noStrike">
-                <a:solidFill>
-                  <a:srgbClr val="ffffff"/>
-                </a:solidFill>
-                <a:latin typeface="Arial"/>
-              </a:rPr>
-              <a:t>o</a:t>
-            </a:r>
-            <a:r>
-              <a:rPr b="0" lang="en-US" sz="1800" spc="-1" strike="noStrike">
-                <a:solidFill>
-                  <a:srgbClr val="ffffff"/>
-                </a:solidFill>
-                <a:latin typeface="Arial"/>
-              </a:rPr>
-              <a:t>r</a:t>
-            </a:r>
-            <a:r>
-              <a:rPr b="0" lang="en-US" sz="1800" spc="-1" strike="noStrike">
-                <a:solidFill>
-                  <a:srgbClr val="ffffff"/>
-                </a:solidFill>
-                <a:latin typeface="Arial"/>
-              </a:rPr>
-              <a:t>b</a:t>
-            </a:r>
-            <a:r>
-              <a:rPr b="0" lang="en-US" sz="1800" spc="-1" strike="noStrike">
-                <a:solidFill>
-                  <a:srgbClr val="ffffff"/>
-                </a:solidFill>
-                <a:latin typeface="Arial"/>
-              </a:rPr>
-              <a:t>i</a:t>
-            </a:r>
-            <a:r>
-              <a:rPr b="0" lang="en-US" sz="1800" spc="-1" strike="noStrike">
-                <a:solidFill>
-                  <a:srgbClr val="ffffff"/>
-                </a:solidFill>
-                <a:latin typeface="Arial"/>
-              </a:rPr>
-              <a:t>t</a:t>
-            </a:r>
-            <a:r>
-              <a:rPr b="0" lang="en-US" sz="1800" spc="-1" strike="noStrike">
-                <a:solidFill>
-                  <a:srgbClr val="ffffff"/>
-                </a:solidFill>
-                <a:latin typeface="Arial"/>
-              </a:rPr>
-              <a:t>a</a:t>
-            </a:r>
-            <a:r>
-              <a:rPr b="0" lang="en-US" sz="1800" spc="-1" strike="noStrike">
-                <a:solidFill>
-                  <a:srgbClr val="ffffff"/>
-                </a:solidFill>
-                <a:latin typeface="Arial"/>
-              </a:rPr>
-              <a:t>l</a:t>
-            </a:r>
-            <a:r>
-              <a:rPr b="0" lang="en-US" sz="1800" spc="-1" strike="noStrike">
-                <a:solidFill>
-                  <a:srgbClr val="ffffff"/>
-                </a:solidFill>
-                <a:latin typeface="Arial"/>
-              </a:rPr>
-              <a:t> </a:t>
-            </a:r>
-            <a:r>
-              <a:rPr b="0" lang="en-US" sz="1800" spc="-1" strike="noStrike">
-                <a:solidFill>
-                  <a:srgbClr val="ffffff"/>
-                </a:solidFill>
-                <a:latin typeface="Arial"/>
-              </a:rPr>
-              <a:t>e</a:t>
-            </a:r>
-            <a:r>
-              <a:rPr b="0" lang="en-US" sz="1800" spc="-1" strike="noStrike">
-                <a:solidFill>
-                  <a:srgbClr val="ffffff"/>
-                </a:solidFill>
-                <a:latin typeface="Arial"/>
-              </a:rPr>
-              <a:t>x</a:t>
-            </a:r>
-            <a:r>
-              <a:rPr b="0" lang="en-US" sz="1800" spc="-1" strike="noStrike">
-                <a:solidFill>
-                  <a:srgbClr val="ffffff"/>
-                </a:solidFill>
-                <a:latin typeface="Arial"/>
-              </a:rPr>
-              <a:t>t</a:t>
-            </a:r>
-            <a:r>
-              <a:rPr b="0" lang="en-US" sz="1800" spc="-1" strike="noStrike">
-                <a:solidFill>
-                  <a:srgbClr val="ffffff"/>
-                </a:solidFill>
-                <a:latin typeface="Arial"/>
-              </a:rPr>
-              <a:t>e</a:t>
-            </a:r>
-            <a:r>
-              <a:rPr b="0" lang="en-US" sz="1800" spc="-1" strike="noStrike">
-                <a:solidFill>
-                  <a:srgbClr val="ffffff"/>
-                </a:solidFill>
-                <a:latin typeface="Arial"/>
-              </a:rPr>
-              <a:t>n</a:t>
-            </a:r>
-            <a:r>
-              <a:rPr b="0" lang="en-US" sz="1800" spc="-1" strike="noStrike">
-                <a:solidFill>
-                  <a:srgbClr val="ffffff"/>
-                </a:solidFill>
-                <a:latin typeface="Arial"/>
-              </a:rPr>
-              <a:t>s</a:t>
-            </a:r>
-            <a:r>
-              <a:rPr b="0" lang="en-US" sz="1800" spc="-1" strike="noStrike">
-                <a:solidFill>
-                  <a:srgbClr val="ffffff"/>
-                </a:solidFill>
-                <a:latin typeface="Arial"/>
-              </a:rPr>
-              <a:t>i</a:t>
-            </a:r>
-            <a:r>
-              <a:rPr b="0" lang="en-US" sz="1800" spc="-1" strike="noStrike">
-                <a:solidFill>
-                  <a:srgbClr val="ffffff"/>
-                </a:solidFill>
-                <a:latin typeface="Arial"/>
-              </a:rPr>
-              <a:t>o</a:t>
-            </a:r>
-            <a:r>
-              <a:rPr b="0" lang="en-US" sz="1800" spc="-1" strike="noStrike">
-                <a:solidFill>
-                  <a:srgbClr val="ffffff"/>
-                </a:solidFill>
-                <a:latin typeface="Arial"/>
-              </a:rPr>
-              <a:t>n</a:t>
-            </a:r>
-            <a:r>
-              <a:rPr b="0" lang="en-US" sz="1800" spc="-1" strike="noStrike">
-                <a:solidFill>
-                  <a:srgbClr val="ffffff"/>
-                </a:solidFill>
-                <a:latin typeface="Arial"/>
-              </a:rPr>
-              <a:t>s</a:t>
-            </a:r>
-            <a:r>
-              <a:rPr b="0" lang="en-US" sz="1800" spc="-1" strike="noStrike">
-                <a:solidFill>
-                  <a:srgbClr val="ffffff"/>
-                </a:solidFill>
-                <a:latin typeface="Arial"/>
-              </a:rPr>
-              <a:t> </a:t>
+              <a:t>Mean Field Theory </a:t>
             </a:r>
             <a:endParaRPr b="0" lang="en-US" sz="1800" spc="-1" strike="noStrike">
               <a:solidFill>
@@ -21399,7 +21030,7 @@
                 </a:solidFill>
                 <a:latin typeface="Arial"/>
               </a:rPr>
-              <a:t>4</a:t>
+              <a:t>3. Multi-orbital </a:t>
             </a:r>
             <a:r>
               <a:rPr b="0" lang="en-US" sz="1800" spc="-1" strike="noStrike">
@@ -21408,223 +21039,7 @@
                 </a:solidFill>
                 <a:latin typeface="Arial"/>
               </a:rPr>
-              <a:t>.</a:t>
-            </a:r>
-            <a:r>
-              <a:rPr b="0" lang="en-US" sz="1800" spc="-1" strike="noStrike">
-                <a:solidFill>
-                  <a:srgbClr val="ffffff"/>
-                </a:solidFill>
-                <a:latin typeface="Arial"/>
-              </a:rPr>
-              <a:t> </a:t>
-            </a:r>
-            <a:r>
-              <a:rPr b="0" lang="en-US" sz="1800" spc="-1" strike="noStrike">
-                <a:solidFill>
-                  <a:srgbClr val="ffffff"/>
-                </a:solidFill>
-                <a:latin typeface="Arial"/>
-              </a:rPr>
-              <a:t>L</a:t>
-            </a:r>
-            <a:r>
-              <a:rPr b="0" lang="en-US" sz="1800" spc="-1" strike="noStrike">
-                <a:solidFill>
-                  <a:srgbClr val="ffffff"/>
-                </a:solidFill>
-                <a:latin typeface="Arial"/>
-              </a:rPr>
-              <a:t>o</a:t>
-            </a:r>
-            <a:r>
-              <a:rPr b="0" lang="en-US" sz="1800" spc="-1" strike="noStrike">
-                <a:solidFill>
-                  <a:srgbClr val="ffffff"/>
-                </a:solidFill>
-                <a:latin typeface="Arial"/>
-              </a:rPr>
-              <a:t>n</a:t>
-            </a:r>
-            <a:r>
-              <a:rPr b="0" lang="en-US" sz="1800" spc="-1" strike="noStrike">
-                <a:solidFill>
-                  <a:srgbClr val="ffffff"/>
-                </a:solidFill>
-                <a:latin typeface="Arial"/>
-              </a:rPr>
-              <a:t>g</a:t>
-            </a:r>
-            <a:r>
-              <a:rPr b="0" lang="en-US" sz="1800" spc="-1" strike="noStrike">
-                <a:solidFill>
-                  <a:srgbClr val="ffffff"/>
-                </a:solidFill>
-                <a:latin typeface="Arial"/>
-              </a:rPr>
-              <a:t>-</a:t>
-            </a:r>
-            <a:r>
-              <a:rPr b="0" lang="en-US" sz="1800" spc="-1" strike="noStrike">
-                <a:solidFill>
-                  <a:srgbClr val="ffffff"/>
-                </a:solidFill>
-                <a:latin typeface="Arial"/>
-              </a:rPr>
-              <a:t>r</a:t>
-            </a:r>
-            <a:r>
-              <a:rPr b="0" lang="en-US" sz="1800" spc="-1" strike="noStrike">
-                <a:solidFill>
-                  <a:srgbClr val="ffffff"/>
-                </a:solidFill>
-                <a:latin typeface="Arial"/>
-              </a:rPr>
-              <a:t>a</a:t>
-            </a:r>
-            <a:r>
-              <a:rPr b="0" lang="en-US" sz="1800" spc="-1" strike="noStrike">
-                <a:solidFill>
-                  <a:srgbClr val="ffffff"/>
-                </a:solidFill>
-                <a:latin typeface="Arial"/>
-              </a:rPr>
-              <a:t>n</a:t>
-            </a:r>
-            <a:r>
-              <a:rPr b="0" lang="en-US" sz="1800" spc="-1" strike="noStrike">
-                <a:solidFill>
-                  <a:srgbClr val="ffffff"/>
-                </a:solidFill>
-                <a:latin typeface="Arial"/>
-              </a:rPr>
-              <a:t>g</a:t>
-            </a:r>
-            <a:r>
-              <a:rPr b="0" lang="en-US" sz="1800" spc="-1" strike="noStrike">
-                <a:solidFill>
-                  <a:srgbClr val="ffffff"/>
-                </a:solidFill>
-                <a:latin typeface="Arial"/>
-              </a:rPr>
-              <a:t>e</a:t>
-            </a:r>
-            <a:r>
-              <a:rPr b="0" lang="en-US" sz="1800" spc="-1" strike="noStrike">
-                <a:solidFill>
-                  <a:srgbClr val="ffffff"/>
-                </a:solidFill>
-                <a:latin typeface="Arial"/>
-              </a:rPr>
-              <a:t> </a:t>
-            </a:r>
-            <a:r>
-              <a:rPr b="0" lang="en-US" sz="1800" spc="-1" strike="noStrike">
-                <a:solidFill>
-                  <a:srgbClr val="ffffff"/>
-                </a:solidFill>
-                <a:latin typeface="Arial"/>
-              </a:rPr>
-              <a:t>c</a:t>
-            </a:r>
-            <a:r>
-              <a:rPr b="0" lang="en-US" sz="1800" spc="-1" strike="noStrike">
-                <a:solidFill>
-                  <a:srgbClr val="ffffff"/>
-                </a:solidFill>
-                <a:latin typeface="Arial"/>
-              </a:rPr>
-              <a:t>o</a:t>
-            </a:r>
-            <a:r>
-              <a:rPr b="0" lang="en-US" sz="1800" spc="-1" strike="noStrike">
-                <a:solidFill>
-                  <a:srgbClr val="ffffff"/>
-                </a:solidFill>
-                <a:latin typeface="Arial"/>
-              </a:rPr>
-              <a:t>r</a:t>
-            </a:r>
-            <a:r>
-              <a:rPr b="0" lang="en-US" sz="1800" spc="-1" strike="noStrike">
-                <a:solidFill>
-                  <a:srgbClr val="ffffff"/>
-                </a:solidFill>
-                <a:latin typeface="Arial"/>
-              </a:rPr>
-              <a:t>r</a:t>
-            </a:r>
-            <a:r>
-              <a:rPr b="0" lang="en-US" sz="1800" spc="-1" strike="noStrike">
-                <a:solidFill>
-                  <a:srgbClr val="ffffff"/>
-                </a:solidFill>
-                <a:latin typeface="Arial"/>
-              </a:rPr>
-              <a:t>e</a:t>
-            </a:r>
-            <a:r>
-              <a:rPr b="0" lang="en-US" sz="1800" spc="-1" strike="noStrike">
-                <a:solidFill>
-                  <a:srgbClr val="ffffff"/>
-                </a:solidFill>
-                <a:latin typeface="Arial"/>
-              </a:rPr>
-              <a:t>l</a:t>
-            </a:r>
-            <a:r>
-              <a:rPr b="0" lang="en-US" sz="1800" spc="-1" strike="noStrike">
-                <a:solidFill>
-                  <a:srgbClr val="ffffff"/>
-                </a:solidFill>
-                <a:latin typeface="Arial"/>
-              </a:rPr>
-              <a:t>a</a:t>
-            </a:r>
-            <a:r>
-              <a:rPr b="0" lang="en-US" sz="1800" spc="-1" strike="noStrike">
-                <a:solidFill>
-                  <a:srgbClr val="ffffff"/>
-                </a:solidFill>
-                <a:latin typeface="Arial"/>
-              </a:rPr>
-              <a:t>t</a:t>
-            </a:r>
-            <a:r>
-              <a:rPr b="0" lang="en-US" sz="1800" spc="-1" strike="noStrike">
-                <a:solidFill>
-                  <a:srgbClr val="ffffff"/>
-                </a:solidFill>
-                <a:latin typeface="Arial"/>
-              </a:rPr>
-              <a:t>i</a:t>
-            </a:r>
-            <a:r>
-              <a:rPr b="0" lang="en-US" sz="1800" spc="-1" strike="noStrike">
-                <a:solidFill>
-                  <a:srgbClr val="ffffff"/>
-                </a:solidFill>
-                <a:latin typeface="Arial"/>
-              </a:rPr>
-              <a:t>o</a:t>
-            </a:r>
-            <a:r>
-              <a:rPr b="0" lang="en-US" sz="1800" spc="-1" strike="noStrike">
-                <a:solidFill>
-                  <a:srgbClr val="ffffff"/>
-                </a:solidFill>
-                <a:latin typeface="Arial"/>
-              </a:rPr>
-              <a:t>n</a:t>
-            </a:r>
-            <a:r>
-              <a:rPr b="0" lang="en-US" sz="1800" spc="-1" strike="noStrike">
-                <a:solidFill>
-                  <a:srgbClr val="ffffff"/>
-                </a:solidFill>
-                <a:latin typeface="Arial"/>
-              </a:rPr>
-              <a:t>s</a:t>
+              <a:t>extensions </a:t>
             </a:r>
             <a:endParaRPr b="0" lang="en-US" sz="1800" spc="-1" strike="noStrike">
               <a:solidFill>
@@ -21641,7 +21056,7 @@
                 </a:solidFill>
                 <a:latin typeface="Arial"/>
               </a:rPr>
-              <a:t>5</a:t>
+              <a:t>4. Long-range </a:t>
             </a:r>
             <a:r>
               <a:rPr b="0" lang="en-US" sz="1800" spc="-1" strike="noStrike">
@@ -21650,8 +21065,16 @@
                 </a:solidFill>
                 <a:latin typeface="Arial"/>
               </a:rPr>
-              <a:t>.</a:t>
-            </a:r>
+              <a:t>correlations</a:t>
+            </a:r>
+            <a:endParaRPr b="0" lang="en-US" sz="1800" spc="-1" strike="noStrike">
+              <a:solidFill>
+                <a:srgbClr val="ffffff"/>
+              </a:solidFill>
+              <a:latin typeface="Arial"/>
+            </a:endParaRPr>
+          </a:p>
+          <a:p>
             <a:r>
               <a:rPr b="0" lang="en-US" sz="1800" spc="-1" strike="noStrike">
                 <a:solidFill>
@@ -21659,151 +21082,7 @@
                 </a:solidFill>
                 <a:latin typeface="Arial"/>
               </a:rPr>
-              <a:t> </a:t>
-            </a:r>
-            <a:r>
-              <a:rPr b="0" lang="en-US" sz="1800" spc="-1" strike="noStrike">
-                <a:solidFill>
-                  <a:srgbClr val="ffffff"/>
-                </a:solidFill>
-                <a:latin typeface="Arial"/>
-              </a:rPr>
-              <a:t>N</a:t>
-            </a:r>
-            <a:r>
-              <a:rPr b="0" lang="en-US" sz="1800" spc="-1" strike="noStrike">
-                <a:solidFill>
-                  <a:srgbClr val="ffffff"/>
-                </a:solidFill>
-                <a:latin typeface="Arial"/>
-              </a:rPr>
-              <a:t>o</a:t>
-            </a:r>
-            <a:r>
-              <a:rPr b="0" lang="en-US" sz="1800" spc="-1" strike="noStrike">
-                <a:solidFill>
-                  <a:srgbClr val="ffffff"/>
-                </a:solidFill>
-                <a:latin typeface="Arial"/>
-              </a:rPr>
-              <a:t>n</a:t>
-            </a:r>
-            <a:r>
-              <a:rPr b="0" lang="en-US" sz="1800" spc="-1" strike="noStrike">
-                <a:solidFill>
-                  <a:srgbClr val="ffffff"/>
-                </a:solidFill>
-                <a:latin typeface="Arial"/>
-              </a:rPr>
-              <a:t>-</a:t>
-            </a:r>
-            <a:r>
-              <a:rPr b="0" lang="en-US" sz="1800" spc="-1" strike="noStrike">
-                <a:solidFill>
-                  <a:srgbClr val="ffffff"/>
-                </a:solidFill>
-                <a:latin typeface="Arial"/>
-              </a:rPr>
-              <a:t>e</a:t>
-            </a:r>
-            <a:r>
-              <a:rPr b="0" lang="en-US" sz="1800" spc="-1" strike="noStrike">
-                <a:solidFill>
-                  <a:srgbClr val="ffffff"/>
-                </a:solidFill>
-                <a:latin typeface="Arial"/>
-              </a:rPr>
-              <a:t>q</a:t>
-            </a:r>
-            <a:r>
-              <a:rPr b="0" lang="en-US" sz="1800" spc="-1" strike="noStrike">
-                <a:solidFill>
-                  <a:srgbClr val="ffffff"/>
-                </a:solidFill>
-                <a:latin typeface="Arial"/>
-              </a:rPr>
-              <a:t>u</a:t>
-            </a:r>
-            <a:r>
-              <a:rPr b="0" lang="en-US" sz="1800" spc="-1" strike="noStrike">
-                <a:solidFill>
-                  <a:srgbClr val="ffffff"/>
-                </a:solidFill>
-                <a:latin typeface="Arial"/>
-              </a:rPr>
-              <a:t>i</a:t>
-            </a:r>
-            <a:r>
-              <a:rPr b="0" lang="en-US" sz="1800" spc="-1" strike="noStrike">
-                <a:solidFill>
-                  <a:srgbClr val="ffffff"/>
-                </a:solidFill>
-                <a:latin typeface="Arial"/>
-              </a:rPr>
-              <a:t>l</a:t>
-            </a:r>
-            <a:r>
-              <a:rPr b="0" lang="en-US" sz="1800" spc="-1" strike="noStrike">
-                <a:solidFill>
-                  <a:srgbClr val="ffffff"/>
-                </a:solidFill>
-                <a:latin typeface="Arial"/>
-              </a:rPr>
-              <a:t>i</a:t>
-            </a:r>
-            <a:r>
-              <a:rPr b="0" lang="en-US" sz="1800" spc="-1" strike="noStrike">
-                <a:solidFill>
-                  <a:srgbClr val="ffffff"/>
-                </a:solidFill>
-                <a:latin typeface="Arial"/>
-              </a:rPr>
-              <a:t>b</a:t>
-            </a:r>
-            <a:r>
-              <a:rPr b="0" lang="en-US" sz="1800" spc="-1" strike="noStrike">
-                <a:solidFill>
-                  <a:srgbClr val="ffffff"/>
-                </a:solidFill>
-                <a:latin typeface="Arial"/>
-              </a:rPr>
-              <a:t>r</a:t>
-            </a:r>
-            <a:r>
-              <a:rPr b="0" lang="en-US" sz="1800" spc="-1" strike="noStrike">
-                <a:solidFill>
-                  <a:srgbClr val="ffffff"/>
-                </a:solidFill>
-                <a:latin typeface="Arial"/>
-              </a:rPr>
-              <a:t>i</a:t>
-            </a:r>
-            <a:r>
-              <a:rPr b="0" lang="en-US" sz="1800" spc="-1" strike="noStrike">
-                <a:solidFill>
-                  <a:srgbClr val="ffffff"/>
-                </a:solidFill>
-                <a:latin typeface="Arial"/>
-              </a:rPr>
-              <a:t>u</a:t>
-            </a:r>
-            <a:r>
-              <a:rPr b="0" lang="en-US" sz="1800" spc="-1" strike="noStrike">
-                <a:solidFill>
-                  <a:srgbClr val="ffffff"/>
-                </a:solidFill>
-                <a:latin typeface="Arial"/>
-              </a:rPr>
-              <a:t>m</a:t>
-            </a:r>
-            <a:r>
-              <a:rPr b="0" lang="en-US" sz="1800" spc="-1" strike="noStrike">
-                <a:solidFill>
-                  <a:srgbClr val="ffffff"/>
-                </a:solidFill>
-                <a:latin typeface="Arial"/>
-              </a:rPr>
-              <a:t> </a:t>
+              <a:t>5. Non-equilibrium </a:t>
             </a:r>
             <a:endParaRPr b="0" lang="en-US" sz="1800" spc="-1" strike="noStrike">
               <a:solidFill>
